--- a/簡報1.pptx
+++ b/簡報1.pptx
@@ -106,6 +106,11 @@
       </a:defRPr>
     </a:lvl9pPr>
   </p:defaultTextStyle>
+  <p:extLst>
+    <p:ext uri="{EFAFB233-063F-42B5-8137-9DF3F51BA10A}">
+      <p15:sldGuideLst xmlns:p15="http://schemas.microsoft.com/office/powerpoint/2012/main"/>
+    </p:ext>
+  </p:extLst>
 </p:presentation>
 </file>
 
@@ -256,7 +261,7 @@
           <a:p>
             <a:fld id="{A7B1C467-86B3-409D-9B55-785EFD0A1F28}" type="datetimeFigureOut">
               <a:rPr lang="zh-TW" altLang="en-US" smtClean="0"/>
-              <a:t>2025/1/20</a:t>
+              <a:t>2025/1/23</a:t>
             </a:fld>
             <a:endParaRPr lang="zh-TW" altLang="en-US"/>
           </a:p>
@@ -454,7 +459,7 @@
           <a:p>
             <a:fld id="{A7B1C467-86B3-409D-9B55-785EFD0A1F28}" type="datetimeFigureOut">
               <a:rPr lang="zh-TW" altLang="en-US" smtClean="0"/>
-              <a:t>2025/1/20</a:t>
+              <a:t>2025/1/23</a:t>
             </a:fld>
             <a:endParaRPr lang="zh-TW" altLang="en-US"/>
           </a:p>
@@ -662,7 +667,7 @@
           <a:p>
             <a:fld id="{A7B1C467-86B3-409D-9B55-785EFD0A1F28}" type="datetimeFigureOut">
               <a:rPr lang="zh-TW" altLang="en-US" smtClean="0"/>
-              <a:t>2025/1/20</a:t>
+              <a:t>2025/1/23</a:t>
             </a:fld>
             <a:endParaRPr lang="zh-TW" altLang="en-US"/>
           </a:p>
@@ -860,7 +865,7 @@
           <a:p>
             <a:fld id="{A7B1C467-86B3-409D-9B55-785EFD0A1F28}" type="datetimeFigureOut">
               <a:rPr lang="zh-TW" altLang="en-US" smtClean="0"/>
-              <a:t>2025/1/20</a:t>
+              <a:t>2025/1/23</a:t>
             </a:fld>
             <a:endParaRPr lang="zh-TW" altLang="en-US"/>
           </a:p>
@@ -1135,7 +1140,7 @@
           <a:p>
             <a:fld id="{A7B1C467-86B3-409D-9B55-785EFD0A1F28}" type="datetimeFigureOut">
               <a:rPr lang="zh-TW" altLang="en-US" smtClean="0"/>
-              <a:t>2025/1/20</a:t>
+              <a:t>2025/1/23</a:t>
             </a:fld>
             <a:endParaRPr lang="zh-TW" altLang="en-US"/>
           </a:p>
@@ -1400,7 +1405,7 @@
           <a:p>
             <a:fld id="{A7B1C467-86B3-409D-9B55-785EFD0A1F28}" type="datetimeFigureOut">
               <a:rPr lang="zh-TW" altLang="en-US" smtClean="0"/>
-              <a:t>2025/1/20</a:t>
+              <a:t>2025/1/23</a:t>
             </a:fld>
             <a:endParaRPr lang="zh-TW" altLang="en-US"/>
           </a:p>
@@ -1812,7 +1817,7 @@
           <a:p>
             <a:fld id="{A7B1C467-86B3-409D-9B55-785EFD0A1F28}" type="datetimeFigureOut">
               <a:rPr lang="zh-TW" altLang="en-US" smtClean="0"/>
-              <a:t>2025/1/20</a:t>
+              <a:t>2025/1/23</a:t>
             </a:fld>
             <a:endParaRPr lang="zh-TW" altLang="en-US"/>
           </a:p>
@@ -1953,7 +1958,7 @@
           <a:p>
             <a:fld id="{A7B1C467-86B3-409D-9B55-785EFD0A1F28}" type="datetimeFigureOut">
               <a:rPr lang="zh-TW" altLang="en-US" smtClean="0"/>
-              <a:t>2025/1/20</a:t>
+              <a:t>2025/1/23</a:t>
             </a:fld>
             <a:endParaRPr lang="zh-TW" altLang="en-US"/>
           </a:p>
@@ -2066,7 +2071,7 @@
           <a:p>
             <a:fld id="{A7B1C467-86B3-409D-9B55-785EFD0A1F28}" type="datetimeFigureOut">
               <a:rPr lang="zh-TW" altLang="en-US" smtClean="0"/>
-              <a:t>2025/1/20</a:t>
+              <a:t>2025/1/23</a:t>
             </a:fld>
             <a:endParaRPr lang="zh-TW" altLang="en-US"/>
           </a:p>
@@ -2377,7 +2382,7 @@
           <a:p>
             <a:fld id="{A7B1C467-86B3-409D-9B55-785EFD0A1F28}" type="datetimeFigureOut">
               <a:rPr lang="zh-TW" altLang="en-US" smtClean="0"/>
-              <a:t>2025/1/20</a:t>
+              <a:t>2025/1/23</a:t>
             </a:fld>
             <a:endParaRPr lang="zh-TW" altLang="en-US"/>
           </a:p>
@@ -2665,7 +2670,7 @@
           <a:p>
             <a:fld id="{A7B1C467-86B3-409D-9B55-785EFD0A1F28}" type="datetimeFigureOut">
               <a:rPr lang="zh-TW" altLang="en-US" smtClean="0"/>
-              <a:t>2025/1/20</a:t>
+              <a:t>2025/1/23</a:t>
             </a:fld>
             <a:endParaRPr lang="zh-TW" altLang="en-US"/>
           </a:p>
@@ -2906,7 +2911,7 @@
           <a:p>
             <a:fld id="{A7B1C467-86B3-409D-9B55-785EFD0A1F28}" type="datetimeFigureOut">
               <a:rPr lang="zh-TW" altLang="en-US" smtClean="0"/>
-              <a:t>2025/1/20</a:t>
+              <a:t>2025/1/23</a:t>
             </a:fld>
             <a:endParaRPr lang="zh-TW" altLang="en-US"/>
           </a:p>
@@ -4651,6 +4656,110 @@
           </a:p>
         </p:txBody>
       </p:sp>
+      <p:sp>
+        <p:nvSpPr>
+          <p:cNvPr id="2" name="矩形 1">
+            <a:extLst>
+              <a:ext uri="{FF2B5EF4-FFF2-40B4-BE49-F238E27FC236}">
+                <a16:creationId xmlns:a16="http://schemas.microsoft.com/office/drawing/2014/main" id="{06E6BD2E-DA00-A8AC-3678-844BB80EFE46}"/>
+              </a:ext>
+            </a:extLst>
+          </p:cNvPr>
+          <p:cNvSpPr/>
+          <p:nvPr/>
+        </p:nvSpPr>
+        <p:spPr>
+          <a:xfrm>
+            <a:off x="110860" y="2703871"/>
+            <a:ext cx="8934817" cy="725129"/>
+          </a:xfrm>
+          <a:prstGeom prst="rect">
+            <a:avLst/>
+          </a:prstGeom>
+          <a:noFill/>
+          <a:ln>
+            <a:solidFill>
+              <a:srgbClr val="7030A0"/>
+            </a:solidFill>
+          </a:ln>
+        </p:spPr>
+        <p:style>
+          <a:lnRef idx="2">
+            <a:schemeClr val="accent1">
+              <a:shade val="15000"/>
+            </a:schemeClr>
+          </a:lnRef>
+          <a:fillRef idx="1">
+            <a:schemeClr val="accent1"/>
+          </a:fillRef>
+          <a:effectRef idx="0">
+            <a:schemeClr val="accent1"/>
+          </a:effectRef>
+          <a:fontRef idx="minor">
+            <a:schemeClr val="lt1"/>
+          </a:fontRef>
+        </p:style>
+        <p:txBody>
+          <a:bodyPr rtlCol="0" anchor="ctr"/>
+          <a:lstStyle/>
+          <a:p>
+            <a:pPr algn="ctr"/>
+            <a:endParaRPr lang="zh-TW" altLang="en-US"/>
+          </a:p>
+        </p:txBody>
+      </p:sp>
+      <p:sp>
+        <p:nvSpPr>
+          <p:cNvPr id="3" name="矩形 2">
+            <a:extLst>
+              <a:ext uri="{FF2B5EF4-FFF2-40B4-BE49-F238E27FC236}">
+                <a16:creationId xmlns:a16="http://schemas.microsoft.com/office/drawing/2014/main" id="{DE642E17-A0AD-DDC2-D5A0-273F7BBAEDAC}"/>
+              </a:ext>
+            </a:extLst>
+          </p:cNvPr>
+          <p:cNvSpPr/>
+          <p:nvPr/>
+        </p:nvSpPr>
+        <p:spPr>
+          <a:xfrm>
+            <a:off x="110860" y="3485535"/>
+            <a:ext cx="8934817" cy="725129"/>
+          </a:xfrm>
+          <a:prstGeom prst="rect">
+            <a:avLst/>
+          </a:prstGeom>
+          <a:noFill/>
+          <a:ln>
+            <a:solidFill>
+              <a:srgbClr val="7030A0"/>
+            </a:solidFill>
+          </a:ln>
+        </p:spPr>
+        <p:style>
+          <a:lnRef idx="2">
+            <a:schemeClr val="accent1">
+              <a:shade val="15000"/>
+            </a:schemeClr>
+          </a:lnRef>
+          <a:fillRef idx="1">
+            <a:schemeClr val="accent1"/>
+          </a:fillRef>
+          <a:effectRef idx="0">
+            <a:schemeClr val="accent1"/>
+          </a:effectRef>
+          <a:fontRef idx="minor">
+            <a:schemeClr val="lt1"/>
+          </a:fontRef>
+        </p:style>
+        <p:txBody>
+          <a:bodyPr rtlCol="0" anchor="ctr"/>
+          <a:lstStyle/>
+          <a:p>
+            <a:pPr algn="ctr"/>
+            <a:endParaRPr lang="zh-TW" altLang="en-US"/>
+          </a:p>
+        </p:txBody>
+      </p:sp>
     </p:spTree>
     <p:extLst>
       <p:ext uri="{BB962C8B-B14F-4D97-AF65-F5344CB8AC3E}">

--- a/簡報1.pptx
+++ b/簡報1.pptx
@@ -8,6 +8,10 @@
     <p:sldId id="256" r:id="rId2"/>
     <p:sldId id="257" r:id="rId3"/>
     <p:sldId id="258" r:id="rId4"/>
+    <p:sldId id="259" r:id="rId5"/>
+    <p:sldId id="260" r:id="rId6"/>
+    <p:sldId id="261" r:id="rId7"/>
+    <p:sldId id="262" r:id="rId8"/>
   </p:sldIdLst>
   <p:sldSz cx="12192000" cy="6858000"/>
   <p:notesSz cx="6858000" cy="9144000"/>
@@ -261,7 +265,7 @@
           <a:p>
             <a:fld id="{A7B1C467-86B3-409D-9B55-785EFD0A1F28}" type="datetimeFigureOut">
               <a:rPr lang="zh-TW" altLang="en-US" smtClean="0"/>
-              <a:t>2025/1/23</a:t>
+              <a:t>2025/1/24</a:t>
             </a:fld>
             <a:endParaRPr lang="zh-TW" altLang="en-US"/>
           </a:p>
@@ -459,7 +463,7 @@
           <a:p>
             <a:fld id="{A7B1C467-86B3-409D-9B55-785EFD0A1F28}" type="datetimeFigureOut">
               <a:rPr lang="zh-TW" altLang="en-US" smtClean="0"/>
-              <a:t>2025/1/23</a:t>
+              <a:t>2025/1/24</a:t>
             </a:fld>
             <a:endParaRPr lang="zh-TW" altLang="en-US"/>
           </a:p>
@@ -667,7 +671,7 @@
           <a:p>
             <a:fld id="{A7B1C467-86B3-409D-9B55-785EFD0A1F28}" type="datetimeFigureOut">
               <a:rPr lang="zh-TW" altLang="en-US" smtClean="0"/>
-              <a:t>2025/1/23</a:t>
+              <a:t>2025/1/24</a:t>
             </a:fld>
             <a:endParaRPr lang="zh-TW" altLang="en-US"/>
           </a:p>
@@ -865,7 +869,7 @@
           <a:p>
             <a:fld id="{A7B1C467-86B3-409D-9B55-785EFD0A1F28}" type="datetimeFigureOut">
               <a:rPr lang="zh-TW" altLang="en-US" smtClean="0"/>
-              <a:t>2025/1/23</a:t>
+              <a:t>2025/1/24</a:t>
             </a:fld>
             <a:endParaRPr lang="zh-TW" altLang="en-US"/>
           </a:p>
@@ -1140,7 +1144,7 @@
           <a:p>
             <a:fld id="{A7B1C467-86B3-409D-9B55-785EFD0A1F28}" type="datetimeFigureOut">
               <a:rPr lang="zh-TW" altLang="en-US" smtClean="0"/>
-              <a:t>2025/1/23</a:t>
+              <a:t>2025/1/24</a:t>
             </a:fld>
             <a:endParaRPr lang="zh-TW" altLang="en-US"/>
           </a:p>
@@ -1405,7 +1409,7 @@
           <a:p>
             <a:fld id="{A7B1C467-86B3-409D-9B55-785EFD0A1F28}" type="datetimeFigureOut">
               <a:rPr lang="zh-TW" altLang="en-US" smtClean="0"/>
-              <a:t>2025/1/23</a:t>
+              <a:t>2025/1/24</a:t>
             </a:fld>
             <a:endParaRPr lang="zh-TW" altLang="en-US"/>
           </a:p>
@@ -1817,7 +1821,7 @@
           <a:p>
             <a:fld id="{A7B1C467-86B3-409D-9B55-785EFD0A1F28}" type="datetimeFigureOut">
               <a:rPr lang="zh-TW" altLang="en-US" smtClean="0"/>
-              <a:t>2025/1/23</a:t>
+              <a:t>2025/1/24</a:t>
             </a:fld>
             <a:endParaRPr lang="zh-TW" altLang="en-US"/>
           </a:p>
@@ -1958,7 +1962,7 @@
           <a:p>
             <a:fld id="{A7B1C467-86B3-409D-9B55-785EFD0A1F28}" type="datetimeFigureOut">
               <a:rPr lang="zh-TW" altLang="en-US" smtClean="0"/>
-              <a:t>2025/1/23</a:t>
+              <a:t>2025/1/24</a:t>
             </a:fld>
             <a:endParaRPr lang="zh-TW" altLang="en-US"/>
           </a:p>
@@ -2071,7 +2075,7 @@
           <a:p>
             <a:fld id="{A7B1C467-86B3-409D-9B55-785EFD0A1F28}" type="datetimeFigureOut">
               <a:rPr lang="zh-TW" altLang="en-US" smtClean="0"/>
-              <a:t>2025/1/23</a:t>
+              <a:t>2025/1/24</a:t>
             </a:fld>
             <a:endParaRPr lang="zh-TW" altLang="en-US"/>
           </a:p>
@@ -2382,7 +2386,7 @@
           <a:p>
             <a:fld id="{A7B1C467-86B3-409D-9B55-785EFD0A1F28}" type="datetimeFigureOut">
               <a:rPr lang="zh-TW" altLang="en-US" smtClean="0"/>
-              <a:t>2025/1/23</a:t>
+              <a:t>2025/1/24</a:t>
             </a:fld>
             <a:endParaRPr lang="zh-TW" altLang="en-US"/>
           </a:p>
@@ -2670,7 +2674,7 @@
           <a:p>
             <a:fld id="{A7B1C467-86B3-409D-9B55-785EFD0A1F28}" type="datetimeFigureOut">
               <a:rPr lang="zh-TW" altLang="en-US" smtClean="0"/>
-              <a:t>2025/1/23</a:t>
+              <a:t>2025/1/24</a:t>
             </a:fld>
             <a:endParaRPr lang="zh-TW" altLang="en-US"/>
           </a:p>
@@ -2911,7 +2915,7 @@
           <a:p>
             <a:fld id="{A7B1C467-86B3-409D-9B55-785EFD0A1F28}" type="datetimeFigureOut">
               <a:rPr lang="zh-TW" altLang="en-US" smtClean="0"/>
-              <a:t>2025/1/23</a:t>
+              <a:t>2025/1/24</a:t>
             </a:fld>
             <a:endParaRPr lang="zh-TW" altLang="en-US"/>
           </a:p>
@@ -4971,6 +4975,5648 @@
 </p:sld>
 </file>
 
+<file path=ppt/slides/slide4.xml><?xml version="1.0" encoding="utf-8"?>
+<p:sld xmlns:a="http://schemas.openxmlformats.org/drawingml/2006/main" xmlns:r="http://schemas.openxmlformats.org/officeDocument/2006/relationships" xmlns:p="http://schemas.openxmlformats.org/presentationml/2006/main">
+  <p:cSld>
+    <p:spTree>
+      <p:nvGrpSpPr>
+        <p:cNvPr id="1" name=""/>
+        <p:cNvGrpSpPr/>
+        <p:nvPr/>
+      </p:nvGrpSpPr>
+      <p:grpSpPr>
+        <a:xfrm>
+          <a:off x="0" y="0"/>
+          <a:ext cx="0" cy="0"/>
+          <a:chOff x="0" y="0"/>
+          <a:chExt cx="0" cy="0"/>
+        </a:xfrm>
+      </p:grpSpPr>
+      <p:pic>
+        <p:nvPicPr>
+          <p:cNvPr id="5" name="圖片 4">
+            <a:extLst>
+              <a:ext uri="{FF2B5EF4-FFF2-40B4-BE49-F238E27FC236}">
+                <a16:creationId xmlns:a16="http://schemas.microsoft.com/office/drawing/2014/main" id="{5FAA8D24-AC70-B6DE-B2EA-83BF232F3E24}"/>
+              </a:ext>
+            </a:extLst>
+          </p:cNvPr>
+          <p:cNvPicPr>
+            <a:picLocks noChangeAspect="1"/>
+          </p:cNvPicPr>
+          <p:nvPr/>
+        </p:nvPicPr>
+        <p:blipFill>
+          <a:blip r:embed="rId2"/>
+          <a:stretch>
+            <a:fillRect/>
+          </a:stretch>
+        </p:blipFill>
+        <p:spPr>
+          <a:xfrm>
+            <a:off x="363794" y="810101"/>
+            <a:ext cx="8740877" cy="3955725"/>
+          </a:xfrm>
+          <a:prstGeom prst="rect">
+            <a:avLst/>
+          </a:prstGeom>
+          <a:ln w="57150">
+            <a:solidFill>
+              <a:srgbClr val="FF0000"/>
+            </a:solidFill>
+          </a:ln>
+        </p:spPr>
+      </p:pic>
+      <p:sp>
+        <p:nvSpPr>
+          <p:cNvPr id="6" name="文字方塊 5">
+            <a:extLst>
+              <a:ext uri="{FF2B5EF4-FFF2-40B4-BE49-F238E27FC236}">
+                <a16:creationId xmlns:a16="http://schemas.microsoft.com/office/drawing/2014/main" id="{8544B0F3-8CB2-2910-CE0C-564732896295}"/>
+              </a:ext>
+            </a:extLst>
+          </p:cNvPr>
+          <p:cNvSpPr txBox="1"/>
+          <p:nvPr/>
+        </p:nvSpPr>
+        <p:spPr>
+          <a:xfrm>
+            <a:off x="2520175" y="125270"/>
+            <a:ext cx="4384567" cy="584775"/>
+          </a:xfrm>
+          <a:prstGeom prst="rect">
+            <a:avLst/>
+          </a:prstGeom>
+          <a:noFill/>
+        </p:spPr>
+        <p:txBody>
+          <a:bodyPr wrap="square" rtlCol="0">
+            <a:spAutoFit/>
+          </a:bodyPr>
+          <a:lstStyle/>
+          <a:p>
+            <a:pPr algn="ctr"/>
+            <a:r>
+              <a:rPr lang="en-US" altLang="zh-TW" sz="3200" dirty="0">
+                <a:solidFill>
+                  <a:srgbClr val="FF0000"/>
+                </a:solidFill>
+              </a:rPr>
+              <a:t>chart.html (browser)</a:t>
+            </a:r>
+            <a:endParaRPr lang="zh-TW" altLang="en-US" sz="3200" dirty="0">
+              <a:solidFill>
+                <a:srgbClr val="FF0000"/>
+              </a:solidFill>
+            </a:endParaRPr>
+          </a:p>
+        </p:txBody>
+      </p:sp>
+      <p:sp>
+        <p:nvSpPr>
+          <p:cNvPr id="7" name="文字方塊 6">
+            <a:extLst>
+              <a:ext uri="{FF2B5EF4-FFF2-40B4-BE49-F238E27FC236}">
+                <a16:creationId xmlns:a16="http://schemas.microsoft.com/office/drawing/2014/main" id="{FD407F44-A902-7C91-318C-132B2D69321D}"/>
+              </a:ext>
+            </a:extLst>
+          </p:cNvPr>
+          <p:cNvSpPr txBox="1"/>
+          <p:nvPr/>
+        </p:nvSpPr>
+        <p:spPr>
+          <a:xfrm>
+            <a:off x="6496181" y="3822528"/>
+            <a:ext cx="2376116" cy="830997"/>
+          </a:xfrm>
+          <a:prstGeom prst="rect">
+            <a:avLst/>
+          </a:prstGeom>
+          <a:noFill/>
+        </p:spPr>
+        <p:txBody>
+          <a:bodyPr wrap="square" rtlCol="0">
+            <a:spAutoFit/>
+          </a:bodyPr>
+          <a:lstStyle/>
+          <a:p>
+            <a:pPr algn="ctr"/>
+            <a:r>
+              <a:rPr lang="zh-TW" altLang="en-US" sz="2400" dirty="0">
+                <a:solidFill>
+                  <a:srgbClr val="FF0000"/>
+                </a:solidFill>
+                <a:latin typeface="微軟正黑體" panose="020B0604030504040204" pitchFamily="34" charset="-120"/>
+                <a:ea typeface="微軟正黑體" panose="020B0604030504040204" pitchFamily="34" charset="-120"/>
+              </a:rPr>
+              <a:t>使用者看到的</a:t>
+            </a:r>
+            <a:endParaRPr lang="en-US" altLang="zh-TW" sz="2400" dirty="0">
+              <a:solidFill>
+                <a:srgbClr val="FF0000"/>
+              </a:solidFill>
+              <a:latin typeface="微軟正黑體" panose="020B0604030504040204" pitchFamily="34" charset="-120"/>
+              <a:ea typeface="微軟正黑體" panose="020B0604030504040204" pitchFamily="34" charset="-120"/>
+            </a:endParaRPr>
+          </a:p>
+          <a:p>
+            <a:pPr algn="ctr"/>
+            <a:r>
+              <a:rPr lang="en-US" altLang="zh-TW" sz="2400" dirty="0">
+                <a:solidFill>
+                  <a:schemeClr val="bg1">
+                    <a:lumMod val="75000"/>
+                  </a:schemeClr>
+                </a:solidFill>
+                <a:latin typeface="微軟正黑體" panose="020B0604030504040204" pitchFamily="34" charset="-120"/>
+                <a:ea typeface="微軟正黑體" panose="020B0604030504040204" pitchFamily="34" charset="-120"/>
+              </a:rPr>
+              <a:t>(</a:t>
+            </a:r>
+            <a:r>
+              <a:rPr lang="zh-TW" altLang="en-US" sz="2400" dirty="0">
+                <a:solidFill>
+                  <a:schemeClr val="bg1">
+                    <a:lumMod val="75000"/>
+                  </a:schemeClr>
+                </a:solidFill>
+                <a:latin typeface="微軟正黑體" panose="020B0604030504040204" pitchFamily="34" charset="-120"/>
+                <a:ea typeface="微軟正黑體" panose="020B0604030504040204" pitchFamily="34" charset="-120"/>
+              </a:rPr>
+              <a:t>前端</a:t>
+            </a:r>
+            <a:r>
+              <a:rPr lang="en-US" altLang="zh-TW" sz="2400" dirty="0">
+                <a:solidFill>
+                  <a:schemeClr val="bg1">
+                    <a:lumMod val="75000"/>
+                  </a:schemeClr>
+                </a:solidFill>
+                <a:latin typeface="微軟正黑體" panose="020B0604030504040204" pitchFamily="34" charset="-120"/>
+                <a:ea typeface="微軟正黑體" panose="020B0604030504040204" pitchFamily="34" charset="-120"/>
+              </a:rPr>
+              <a:t>)</a:t>
+            </a:r>
+            <a:endParaRPr lang="zh-TW" altLang="en-US" sz="2400" dirty="0">
+              <a:solidFill>
+                <a:schemeClr val="bg1">
+                  <a:lumMod val="75000"/>
+                </a:schemeClr>
+              </a:solidFill>
+              <a:latin typeface="微軟正黑體" panose="020B0604030504040204" pitchFamily="34" charset="-120"/>
+              <a:ea typeface="微軟正黑體" panose="020B0604030504040204" pitchFamily="34" charset="-120"/>
+            </a:endParaRPr>
+          </a:p>
+        </p:txBody>
+      </p:sp>
+      <p:cxnSp>
+        <p:nvCxnSpPr>
+          <p:cNvPr id="14" name="直線單箭頭接點 13">
+            <a:extLst>
+              <a:ext uri="{FF2B5EF4-FFF2-40B4-BE49-F238E27FC236}">
+                <a16:creationId xmlns:a16="http://schemas.microsoft.com/office/drawing/2014/main" id="{01D2F9FE-8798-02F9-F779-E2E930A853DD}"/>
+              </a:ext>
+            </a:extLst>
+          </p:cNvPr>
+          <p:cNvCxnSpPr>
+            <a:cxnSpLocks/>
+          </p:cNvCxnSpPr>
+          <p:nvPr/>
+        </p:nvCxnSpPr>
+        <p:spPr>
+          <a:xfrm flipV="1">
+            <a:off x="2074606" y="2153265"/>
+            <a:ext cx="0" cy="1406336"/>
+          </a:xfrm>
+          <a:prstGeom prst="straightConnector1">
+            <a:avLst/>
+          </a:prstGeom>
+          <a:ln w="57150">
+            <a:solidFill>
+              <a:srgbClr val="00B0F0"/>
+            </a:solidFill>
+            <a:tailEnd type="triangle"/>
+          </a:ln>
+        </p:spPr>
+        <p:style>
+          <a:lnRef idx="2">
+            <a:schemeClr val="accent1"/>
+          </a:lnRef>
+          <a:fillRef idx="0">
+            <a:schemeClr val="accent1"/>
+          </a:fillRef>
+          <a:effectRef idx="1">
+            <a:schemeClr val="accent1"/>
+          </a:effectRef>
+          <a:fontRef idx="minor">
+            <a:schemeClr val="tx1"/>
+          </a:fontRef>
+        </p:style>
+      </p:cxnSp>
+      <p:sp>
+        <p:nvSpPr>
+          <p:cNvPr id="17" name="文字方塊 16">
+            <a:extLst>
+              <a:ext uri="{FF2B5EF4-FFF2-40B4-BE49-F238E27FC236}">
+                <a16:creationId xmlns:a16="http://schemas.microsoft.com/office/drawing/2014/main" id="{BC5423F4-4FC0-67EC-5288-01ED8AFDC7A9}"/>
+              </a:ext>
+            </a:extLst>
+          </p:cNvPr>
+          <p:cNvSpPr txBox="1"/>
+          <p:nvPr/>
+        </p:nvSpPr>
+        <p:spPr>
+          <a:xfrm>
+            <a:off x="864399" y="3559601"/>
+            <a:ext cx="2672399" cy="830997"/>
+          </a:xfrm>
+          <a:prstGeom prst="rect">
+            <a:avLst/>
+          </a:prstGeom>
+          <a:noFill/>
+          <a:ln>
+            <a:noFill/>
+          </a:ln>
+        </p:spPr>
+        <p:txBody>
+          <a:bodyPr wrap="square" rtlCol="0">
+            <a:spAutoFit/>
+          </a:bodyPr>
+          <a:lstStyle/>
+          <a:p>
+            <a:pPr algn="ctr"/>
+            <a:r>
+              <a:rPr lang="zh-TW" altLang="en-US" sz="2400" dirty="0">
+                <a:solidFill>
+                  <a:srgbClr val="00B0F0"/>
+                </a:solidFill>
+                <a:latin typeface="微軟正黑體" panose="020B0604030504040204" pitchFamily="34" charset="-120"/>
+                <a:ea typeface="微軟正黑體" panose="020B0604030504040204" pitchFamily="34" charset="-120"/>
+              </a:rPr>
+              <a:t>發送一個</a:t>
+            </a:r>
+            <a:r>
+              <a:rPr lang="en-US" altLang="zh-TW" sz="2400" dirty="0">
+                <a:solidFill>
+                  <a:srgbClr val="00B0F0"/>
+                </a:solidFill>
+                <a:latin typeface="微軟正黑體" panose="020B0604030504040204" pitchFamily="34" charset="-120"/>
+                <a:ea typeface="微軟正黑體" panose="020B0604030504040204" pitchFamily="34" charset="-120"/>
+              </a:rPr>
+              <a:t>post</a:t>
+            </a:r>
+            <a:r>
+              <a:rPr lang="zh-TW" altLang="en-US" sz="2400" dirty="0">
+                <a:solidFill>
+                  <a:srgbClr val="00B0F0"/>
+                </a:solidFill>
+                <a:latin typeface="微軟正黑體" panose="020B0604030504040204" pitchFamily="34" charset="-120"/>
+                <a:ea typeface="微軟正黑體" panose="020B0604030504040204" pitchFamily="34" charset="-120"/>
+              </a:rPr>
+              <a:t>請求</a:t>
+            </a:r>
+            <a:endParaRPr lang="en-US" altLang="zh-TW" sz="2400" dirty="0">
+              <a:solidFill>
+                <a:srgbClr val="00B0F0"/>
+              </a:solidFill>
+              <a:latin typeface="微軟正黑體" panose="020B0604030504040204" pitchFamily="34" charset="-120"/>
+              <a:ea typeface="微軟正黑體" panose="020B0604030504040204" pitchFamily="34" charset="-120"/>
+            </a:endParaRPr>
+          </a:p>
+          <a:p>
+            <a:pPr algn="ctr"/>
+            <a:r>
+              <a:rPr lang="zh-TW" altLang="en-US" sz="2400" dirty="0">
+                <a:solidFill>
+                  <a:srgbClr val="00B0F0"/>
+                </a:solidFill>
+                <a:latin typeface="微軟正黑體" panose="020B0604030504040204" pitchFamily="34" charset="-120"/>
+                <a:ea typeface="微軟正黑體" panose="020B0604030504040204" pitchFamily="34" charset="-120"/>
+              </a:rPr>
+              <a:t>到伺服器</a:t>
+            </a:r>
+            <a:r>
+              <a:rPr lang="en-US" altLang="zh-TW" sz="2400" dirty="0">
+                <a:solidFill>
+                  <a:srgbClr val="00B0F0"/>
+                </a:solidFill>
+                <a:latin typeface="微軟正黑體" panose="020B0604030504040204" pitchFamily="34" charset="-120"/>
+                <a:ea typeface="微軟正黑體" panose="020B0604030504040204" pitchFamily="34" charset="-120"/>
+              </a:rPr>
+              <a:t>(flask)</a:t>
+            </a:r>
+            <a:endParaRPr lang="zh-TW" altLang="en-US" sz="2400" dirty="0">
+              <a:solidFill>
+                <a:srgbClr val="00B0F0"/>
+              </a:solidFill>
+              <a:latin typeface="微軟正黑體" panose="020B0604030504040204" pitchFamily="34" charset="-120"/>
+              <a:ea typeface="微軟正黑體" panose="020B0604030504040204" pitchFamily="34" charset="-120"/>
+            </a:endParaRPr>
+          </a:p>
+        </p:txBody>
+      </p:sp>
+      <p:sp>
+        <p:nvSpPr>
+          <p:cNvPr id="18" name="文字方塊 17">
+            <a:extLst>
+              <a:ext uri="{FF2B5EF4-FFF2-40B4-BE49-F238E27FC236}">
+                <a16:creationId xmlns:a16="http://schemas.microsoft.com/office/drawing/2014/main" id="{303A2E5B-80DE-859F-7771-8970C5827E1F}"/>
+              </a:ext>
+            </a:extLst>
+          </p:cNvPr>
+          <p:cNvSpPr txBox="1"/>
+          <p:nvPr/>
+        </p:nvSpPr>
+        <p:spPr>
+          <a:xfrm>
+            <a:off x="363794" y="4965937"/>
+            <a:ext cx="3173004" cy="461665"/>
+          </a:xfrm>
+          <a:prstGeom prst="rect">
+            <a:avLst/>
+          </a:prstGeom>
+          <a:noFill/>
+          <a:ln>
+            <a:noFill/>
+          </a:ln>
+        </p:spPr>
+        <p:txBody>
+          <a:bodyPr wrap="square" rtlCol="0">
+            <a:spAutoFit/>
+          </a:bodyPr>
+          <a:lstStyle/>
+          <a:p>
+            <a:pPr algn="ctr"/>
+            <a:r>
+              <a:rPr lang="en-US" altLang="zh-TW" sz="2400" dirty="0">
+                <a:solidFill>
+                  <a:srgbClr val="00B0F0"/>
+                </a:solidFill>
+                <a:latin typeface="微軟正黑體" panose="020B0604030504040204" pitchFamily="34" charset="-120"/>
+                <a:ea typeface="微軟正黑體" panose="020B0604030504040204" pitchFamily="34" charset="-120"/>
+              </a:rPr>
+              <a:t>Post</a:t>
+            </a:r>
+            <a:r>
+              <a:rPr lang="zh-TW" altLang="en-US" sz="2400" dirty="0">
+                <a:solidFill>
+                  <a:srgbClr val="00B0F0"/>
+                </a:solidFill>
+                <a:latin typeface="微軟正黑體" panose="020B0604030504040204" pitchFamily="34" charset="-120"/>
+                <a:ea typeface="微軟正黑體" panose="020B0604030504040204" pitchFamily="34" charset="-120"/>
+              </a:rPr>
+              <a:t> </a:t>
+            </a:r>
+            <a:r>
+              <a:rPr lang="en-US" altLang="zh-TW" sz="2400" dirty="0">
+                <a:solidFill>
+                  <a:srgbClr val="00B0F0"/>
+                </a:solidFill>
+                <a:latin typeface="微軟正黑體" panose="020B0604030504040204" pitchFamily="34" charset="-120"/>
+                <a:ea typeface="微軟正黑體" panose="020B0604030504040204" pitchFamily="34" charset="-120"/>
+              </a:rPr>
+              <a:t>: </a:t>
+            </a:r>
+            <a:r>
+              <a:rPr lang="zh-TW" altLang="en-US" sz="2400" dirty="0">
+                <a:solidFill>
+                  <a:srgbClr val="00B0F0"/>
+                </a:solidFill>
+                <a:latin typeface="微軟正黑體" panose="020B0604030504040204" pitchFamily="34" charset="-120"/>
+                <a:ea typeface="微軟正黑體" panose="020B0604030504040204" pitchFamily="34" charset="-120"/>
+              </a:rPr>
+              <a:t>會帶資訊的請求</a:t>
+            </a:r>
+          </a:p>
+        </p:txBody>
+      </p:sp>
+      <p:sp>
+        <p:nvSpPr>
+          <p:cNvPr id="19" name="文字方塊 18">
+            <a:extLst>
+              <a:ext uri="{FF2B5EF4-FFF2-40B4-BE49-F238E27FC236}">
+                <a16:creationId xmlns:a16="http://schemas.microsoft.com/office/drawing/2014/main" id="{B827B288-F61E-2337-0CF5-9EAA0039914C}"/>
+              </a:ext>
+            </a:extLst>
+          </p:cNvPr>
+          <p:cNvSpPr txBox="1"/>
+          <p:nvPr/>
+        </p:nvSpPr>
+        <p:spPr>
+          <a:xfrm>
+            <a:off x="363794" y="5427602"/>
+            <a:ext cx="1396180" cy="461665"/>
+          </a:xfrm>
+          <a:prstGeom prst="rect">
+            <a:avLst/>
+          </a:prstGeom>
+          <a:noFill/>
+          <a:ln>
+            <a:noFill/>
+          </a:ln>
+        </p:spPr>
+        <p:txBody>
+          <a:bodyPr wrap="square" rtlCol="0">
+            <a:spAutoFit/>
+          </a:bodyPr>
+          <a:lstStyle/>
+          <a:p>
+            <a:pPr algn="ctr"/>
+            <a:r>
+              <a:rPr lang="zh-TW" altLang="en-US" sz="2400" dirty="0">
+                <a:solidFill>
+                  <a:srgbClr val="00B0F0"/>
+                </a:solidFill>
+                <a:latin typeface="微軟正黑體" panose="020B0604030504040204" pitchFamily="34" charset="-120"/>
+                <a:ea typeface="微軟正黑體" panose="020B0604030504040204" pitchFamily="34" charset="-120"/>
+              </a:rPr>
+              <a:t>使用者 </a:t>
+            </a:r>
+          </a:p>
+        </p:txBody>
+      </p:sp>
+      <p:sp>
+        <p:nvSpPr>
+          <p:cNvPr id="20" name="文字方塊 19">
+            <a:extLst>
+              <a:ext uri="{FF2B5EF4-FFF2-40B4-BE49-F238E27FC236}">
+                <a16:creationId xmlns:a16="http://schemas.microsoft.com/office/drawing/2014/main" id="{18911684-A5C9-4FCB-7754-47990BF9D80F}"/>
+              </a:ext>
+            </a:extLst>
+          </p:cNvPr>
+          <p:cNvSpPr txBox="1"/>
+          <p:nvPr/>
+        </p:nvSpPr>
+        <p:spPr>
+          <a:xfrm>
+            <a:off x="2200598" y="5427601"/>
+            <a:ext cx="1396180" cy="461665"/>
+          </a:xfrm>
+          <a:prstGeom prst="rect">
+            <a:avLst/>
+          </a:prstGeom>
+          <a:noFill/>
+          <a:ln>
+            <a:noFill/>
+          </a:ln>
+        </p:spPr>
+        <p:txBody>
+          <a:bodyPr wrap="square" rtlCol="0">
+            <a:spAutoFit/>
+          </a:bodyPr>
+          <a:lstStyle/>
+          <a:p>
+            <a:pPr algn="ctr"/>
+            <a:r>
+              <a:rPr lang="zh-TW" altLang="en-US" sz="2400" dirty="0">
+                <a:solidFill>
+                  <a:srgbClr val="00B0F0"/>
+                </a:solidFill>
+                <a:latin typeface="微軟正黑體" panose="020B0604030504040204" pitchFamily="34" charset="-120"/>
+                <a:ea typeface="微軟正黑體" panose="020B0604030504040204" pitchFamily="34" charset="-120"/>
+              </a:rPr>
+              <a:t>機器 </a:t>
+            </a:r>
+          </a:p>
+        </p:txBody>
+      </p:sp>
+      <p:sp>
+        <p:nvSpPr>
+          <p:cNvPr id="21" name="箭號: 左-右雙向 20">
+            <a:extLst>
+              <a:ext uri="{FF2B5EF4-FFF2-40B4-BE49-F238E27FC236}">
+                <a16:creationId xmlns:a16="http://schemas.microsoft.com/office/drawing/2014/main" id="{5B1F3F94-818D-6296-CBD3-8738FE25E4A4}"/>
+              </a:ext>
+            </a:extLst>
+          </p:cNvPr>
+          <p:cNvSpPr/>
+          <p:nvPr/>
+        </p:nvSpPr>
+        <p:spPr>
+          <a:xfrm>
+            <a:off x="1618666" y="5508476"/>
+            <a:ext cx="747251" cy="299915"/>
+          </a:xfrm>
+          <a:prstGeom prst="leftRightArrow">
+            <a:avLst/>
+          </a:prstGeom>
+          <a:solidFill>
+            <a:srgbClr val="00B0F0"/>
+          </a:solidFill>
+        </p:spPr>
+        <p:style>
+          <a:lnRef idx="2">
+            <a:schemeClr val="accent1">
+              <a:shade val="15000"/>
+            </a:schemeClr>
+          </a:lnRef>
+          <a:fillRef idx="1">
+            <a:schemeClr val="accent1"/>
+          </a:fillRef>
+          <a:effectRef idx="0">
+            <a:schemeClr val="accent1"/>
+          </a:effectRef>
+          <a:fontRef idx="minor">
+            <a:schemeClr val="lt1"/>
+          </a:fontRef>
+        </p:style>
+        <p:txBody>
+          <a:bodyPr rtlCol="0" anchor="ctr"/>
+          <a:lstStyle/>
+          <a:p>
+            <a:pPr algn="ctr"/>
+            <a:endParaRPr lang="zh-TW" altLang="en-US"/>
+          </a:p>
+        </p:txBody>
+      </p:sp>
+      <p:sp>
+        <p:nvSpPr>
+          <p:cNvPr id="22" name="文字方塊 21">
+            <a:extLst>
+              <a:ext uri="{FF2B5EF4-FFF2-40B4-BE49-F238E27FC236}">
+                <a16:creationId xmlns:a16="http://schemas.microsoft.com/office/drawing/2014/main" id="{9EFDC129-B2A4-6F35-1091-F6273E4F46D3}"/>
+              </a:ext>
+            </a:extLst>
+          </p:cNvPr>
+          <p:cNvSpPr txBox="1"/>
+          <p:nvPr/>
+        </p:nvSpPr>
+        <p:spPr>
+          <a:xfrm>
+            <a:off x="363794" y="6000698"/>
+            <a:ext cx="1396180" cy="461665"/>
+          </a:xfrm>
+          <a:prstGeom prst="rect">
+            <a:avLst/>
+          </a:prstGeom>
+          <a:noFill/>
+          <a:ln>
+            <a:noFill/>
+          </a:ln>
+        </p:spPr>
+        <p:txBody>
+          <a:bodyPr wrap="square" rtlCol="0">
+            <a:spAutoFit/>
+          </a:bodyPr>
+          <a:lstStyle/>
+          <a:p>
+            <a:pPr algn="ctr"/>
+            <a:r>
+              <a:rPr lang="zh-TW" altLang="en-US" sz="2400" dirty="0">
+                <a:solidFill>
+                  <a:srgbClr val="00B0F0"/>
+                </a:solidFill>
+                <a:latin typeface="微軟正黑體" panose="020B0604030504040204" pitchFamily="34" charset="-120"/>
+                <a:ea typeface="微軟正黑體" panose="020B0604030504040204" pitchFamily="34" charset="-120"/>
+              </a:rPr>
+              <a:t>瀏覽器 </a:t>
+            </a:r>
+          </a:p>
+        </p:txBody>
+      </p:sp>
+      <p:sp>
+        <p:nvSpPr>
+          <p:cNvPr id="23" name="文字方塊 22">
+            <a:extLst>
+              <a:ext uri="{FF2B5EF4-FFF2-40B4-BE49-F238E27FC236}">
+                <a16:creationId xmlns:a16="http://schemas.microsoft.com/office/drawing/2014/main" id="{F9D708C1-B61B-9B30-318E-35CAAB1091A9}"/>
+              </a:ext>
+            </a:extLst>
+          </p:cNvPr>
+          <p:cNvSpPr txBox="1"/>
+          <p:nvPr/>
+        </p:nvSpPr>
+        <p:spPr>
+          <a:xfrm>
+            <a:off x="2200598" y="6000697"/>
+            <a:ext cx="1396180" cy="461665"/>
+          </a:xfrm>
+          <a:prstGeom prst="rect">
+            <a:avLst/>
+          </a:prstGeom>
+          <a:noFill/>
+          <a:ln>
+            <a:noFill/>
+          </a:ln>
+        </p:spPr>
+        <p:txBody>
+          <a:bodyPr wrap="square" rtlCol="0">
+            <a:spAutoFit/>
+          </a:bodyPr>
+          <a:lstStyle/>
+          <a:p>
+            <a:pPr algn="ctr"/>
+            <a:r>
+              <a:rPr lang="zh-TW" altLang="en-US" sz="2400" dirty="0">
+                <a:solidFill>
+                  <a:srgbClr val="00B0F0"/>
+                </a:solidFill>
+                <a:latin typeface="微軟正黑體" panose="020B0604030504040204" pitchFamily="34" charset="-120"/>
+                <a:ea typeface="微軟正黑體" panose="020B0604030504040204" pitchFamily="34" charset="-120"/>
+              </a:rPr>
+              <a:t>伺服器 </a:t>
+            </a:r>
+          </a:p>
+        </p:txBody>
+      </p:sp>
+      <p:sp>
+        <p:nvSpPr>
+          <p:cNvPr id="24" name="箭號: 左-右雙向 23">
+            <a:extLst>
+              <a:ext uri="{FF2B5EF4-FFF2-40B4-BE49-F238E27FC236}">
+                <a16:creationId xmlns:a16="http://schemas.microsoft.com/office/drawing/2014/main" id="{7A9F48AA-D099-E13A-10AD-50FD99D89961}"/>
+              </a:ext>
+            </a:extLst>
+          </p:cNvPr>
+          <p:cNvSpPr/>
+          <p:nvPr/>
+        </p:nvSpPr>
+        <p:spPr>
+          <a:xfrm>
+            <a:off x="1618666" y="6081572"/>
+            <a:ext cx="747251" cy="299915"/>
+          </a:xfrm>
+          <a:prstGeom prst="leftRightArrow">
+            <a:avLst/>
+          </a:prstGeom>
+          <a:solidFill>
+            <a:srgbClr val="00B0F0"/>
+          </a:solidFill>
+        </p:spPr>
+        <p:style>
+          <a:lnRef idx="2">
+            <a:schemeClr val="accent1">
+              <a:shade val="15000"/>
+            </a:schemeClr>
+          </a:lnRef>
+          <a:fillRef idx="1">
+            <a:schemeClr val="accent1"/>
+          </a:fillRef>
+          <a:effectRef idx="0">
+            <a:schemeClr val="accent1"/>
+          </a:effectRef>
+          <a:fontRef idx="minor">
+            <a:schemeClr val="lt1"/>
+          </a:fontRef>
+        </p:style>
+        <p:txBody>
+          <a:bodyPr rtlCol="0" anchor="ctr"/>
+          <a:lstStyle/>
+          <a:p>
+            <a:pPr algn="ctr"/>
+            <a:endParaRPr lang="zh-TW" altLang="en-US"/>
+          </a:p>
+        </p:txBody>
+      </p:sp>
+      <p:sp>
+        <p:nvSpPr>
+          <p:cNvPr id="25" name="文字方塊 24">
+            <a:extLst>
+              <a:ext uri="{FF2B5EF4-FFF2-40B4-BE49-F238E27FC236}">
+                <a16:creationId xmlns:a16="http://schemas.microsoft.com/office/drawing/2014/main" id="{42B285A6-61B2-62F3-97C9-79013852D34B}"/>
+              </a:ext>
+            </a:extLst>
+          </p:cNvPr>
+          <p:cNvSpPr txBox="1"/>
+          <p:nvPr/>
+        </p:nvSpPr>
+        <p:spPr>
+          <a:xfrm>
+            <a:off x="3878826" y="4965936"/>
+            <a:ext cx="3173004" cy="461665"/>
+          </a:xfrm>
+          <a:prstGeom prst="rect">
+            <a:avLst/>
+          </a:prstGeom>
+          <a:noFill/>
+          <a:ln>
+            <a:noFill/>
+          </a:ln>
+        </p:spPr>
+        <p:txBody>
+          <a:bodyPr wrap="square" rtlCol="0">
+            <a:spAutoFit/>
+          </a:bodyPr>
+          <a:lstStyle/>
+          <a:p>
+            <a:pPr algn="ctr"/>
+            <a:r>
+              <a:rPr lang="en-US" altLang="zh-TW" sz="2400" dirty="0">
+                <a:solidFill>
+                  <a:srgbClr val="92D050"/>
+                </a:solidFill>
+                <a:latin typeface="微軟正黑體" panose="020B0604030504040204" pitchFamily="34" charset="-120"/>
+                <a:ea typeface="微軟正黑體" panose="020B0604030504040204" pitchFamily="34" charset="-120"/>
+              </a:rPr>
+              <a:t>Get</a:t>
+            </a:r>
+            <a:r>
+              <a:rPr lang="zh-TW" altLang="en-US" sz="2400" dirty="0">
+                <a:solidFill>
+                  <a:srgbClr val="92D050"/>
+                </a:solidFill>
+                <a:latin typeface="微軟正黑體" panose="020B0604030504040204" pitchFamily="34" charset="-120"/>
+                <a:ea typeface="微軟正黑體" panose="020B0604030504040204" pitchFamily="34" charset="-120"/>
+              </a:rPr>
+              <a:t> </a:t>
+            </a:r>
+            <a:r>
+              <a:rPr lang="en-US" altLang="zh-TW" sz="2400" dirty="0">
+                <a:solidFill>
+                  <a:srgbClr val="92D050"/>
+                </a:solidFill>
+                <a:latin typeface="微軟正黑體" panose="020B0604030504040204" pitchFamily="34" charset="-120"/>
+                <a:ea typeface="微軟正黑體" panose="020B0604030504040204" pitchFamily="34" charset="-120"/>
+              </a:rPr>
+              <a:t>: </a:t>
+            </a:r>
+            <a:r>
+              <a:rPr lang="zh-TW" altLang="en-US" sz="2400" dirty="0">
+                <a:solidFill>
+                  <a:srgbClr val="92D050"/>
+                </a:solidFill>
+                <a:latin typeface="微軟正黑體" panose="020B0604030504040204" pitchFamily="34" charset="-120"/>
+                <a:ea typeface="微軟正黑體" panose="020B0604030504040204" pitchFamily="34" charset="-120"/>
+              </a:rPr>
+              <a:t>單純請求</a:t>
+            </a:r>
+          </a:p>
+        </p:txBody>
+      </p:sp>
+      <p:sp>
+        <p:nvSpPr>
+          <p:cNvPr id="26" name="文字方塊 25">
+            <a:extLst>
+              <a:ext uri="{FF2B5EF4-FFF2-40B4-BE49-F238E27FC236}">
+                <a16:creationId xmlns:a16="http://schemas.microsoft.com/office/drawing/2014/main" id="{6807C5DB-1184-ED69-2A0B-84079D0B3B5D}"/>
+              </a:ext>
+            </a:extLst>
+          </p:cNvPr>
+          <p:cNvSpPr txBox="1"/>
+          <p:nvPr/>
+        </p:nvSpPr>
+        <p:spPr>
+          <a:xfrm>
+            <a:off x="3878826" y="5427601"/>
+            <a:ext cx="1396180" cy="461665"/>
+          </a:xfrm>
+          <a:prstGeom prst="rect">
+            <a:avLst/>
+          </a:prstGeom>
+          <a:noFill/>
+          <a:ln>
+            <a:noFill/>
+          </a:ln>
+        </p:spPr>
+        <p:txBody>
+          <a:bodyPr wrap="square" rtlCol="0">
+            <a:spAutoFit/>
+          </a:bodyPr>
+          <a:lstStyle/>
+          <a:p>
+            <a:pPr algn="ctr"/>
+            <a:r>
+              <a:rPr lang="zh-TW" altLang="en-US" sz="2400" dirty="0">
+                <a:solidFill>
+                  <a:srgbClr val="92D050"/>
+                </a:solidFill>
+                <a:latin typeface="微軟正黑體" panose="020B0604030504040204" pitchFamily="34" charset="-120"/>
+                <a:ea typeface="微軟正黑體" panose="020B0604030504040204" pitchFamily="34" charset="-120"/>
+              </a:rPr>
+              <a:t>使用者 </a:t>
+            </a:r>
+          </a:p>
+        </p:txBody>
+      </p:sp>
+      <p:sp>
+        <p:nvSpPr>
+          <p:cNvPr id="27" name="文字方塊 26">
+            <a:extLst>
+              <a:ext uri="{FF2B5EF4-FFF2-40B4-BE49-F238E27FC236}">
+                <a16:creationId xmlns:a16="http://schemas.microsoft.com/office/drawing/2014/main" id="{FD82F163-8A13-7C77-8224-A46330A8653D}"/>
+              </a:ext>
+            </a:extLst>
+          </p:cNvPr>
+          <p:cNvSpPr txBox="1"/>
+          <p:nvPr/>
+        </p:nvSpPr>
+        <p:spPr>
+          <a:xfrm>
+            <a:off x="5715630" y="5427600"/>
+            <a:ext cx="1396180" cy="461665"/>
+          </a:xfrm>
+          <a:prstGeom prst="rect">
+            <a:avLst/>
+          </a:prstGeom>
+          <a:noFill/>
+          <a:ln>
+            <a:noFill/>
+          </a:ln>
+        </p:spPr>
+        <p:txBody>
+          <a:bodyPr wrap="square" rtlCol="0">
+            <a:spAutoFit/>
+          </a:bodyPr>
+          <a:lstStyle/>
+          <a:p>
+            <a:pPr algn="ctr"/>
+            <a:r>
+              <a:rPr lang="zh-TW" altLang="en-US" sz="2400" dirty="0">
+                <a:solidFill>
+                  <a:srgbClr val="92D050"/>
+                </a:solidFill>
+                <a:latin typeface="微軟正黑體" panose="020B0604030504040204" pitchFamily="34" charset="-120"/>
+                <a:ea typeface="微軟正黑體" panose="020B0604030504040204" pitchFamily="34" charset="-120"/>
+              </a:rPr>
+              <a:t>機器 </a:t>
+            </a:r>
+          </a:p>
+        </p:txBody>
+      </p:sp>
+      <p:sp>
+        <p:nvSpPr>
+          <p:cNvPr id="29" name="文字方塊 28">
+            <a:extLst>
+              <a:ext uri="{FF2B5EF4-FFF2-40B4-BE49-F238E27FC236}">
+                <a16:creationId xmlns:a16="http://schemas.microsoft.com/office/drawing/2014/main" id="{10F4E3F4-A866-6FD8-9157-9F8932F2D387}"/>
+              </a:ext>
+            </a:extLst>
+          </p:cNvPr>
+          <p:cNvSpPr txBox="1"/>
+          <p:nvPr/>
+        </p:nvSpPr>
+        <p:spPr>
+          <a:xfrm>
+            <a:off x="3878826" y="6000697"/>
+            <a:ext cx="1396180" cy="461665"/>
+          </a:xfrm>
+          <a:prstGeom prst="rect">
+            <a:avLst/>
+          </a:prstGeom>
+          <a:noFill/>
+          <a:ln>
+            <a:noFill/>
+          </a:ln>
+        </p:spPr>
+        <p:txBody>
+          <a:bodyPr wrap="square" rtlCol="0">
+            <a:spAutoFit/>
+          </a:bodyPr>
+          <a:lstStyle/>
+          <a:p>
+            <a:pPr algn="ctr"/>
+            <a:r>
+              <a:rPr lang="zh-TW" altLang="en-US" sz="2400" dirty="0">
+                <a:solidFill>
+                  <a:srgbClr val="92D050"/>
+                </a:solidFill>
+                <a:latin typeface="微軟正黑體" panose="020B0604030504040204" pitchFamily="34" charset="-120"/>
+                <a:ea typeface="微軟正黑體" panose="020B0604030504040204" pitchFamily="34" charset="-120"/>
+              </a:rPr>
+              <a:t>瀏覽器 </a:t>
+            </a:r>
+          </a:p>
+        </p:txBody>
+      </p:sp>
+      <p:sp>
+        <p:nvSpPr>
+          <p:cNvPr id="30" name="文字方塊 29">
+            <a:extLst>
+              <a:ext uri="{FF2B5EF4-FFF2-40B4-BE49-F238E27FC236}">
+                <a16:creationId xmlns:a16="http://schemas.microsoft.com/office/drawing/2014/main" id="{3C9B9DF2-5503-4C92-68B1-CD2EF3D76034}"/>
+              </a:ext>
+            </a:extLst>
+          </p:cNvPr>
+          <p:cNvSpPr txBox="1"/>
+          <p:nvPr/>
+        </p:nvSpPr>
+        <p:spPr>
+          <a:xfrm>
+            <a:off x="5715630" y="6000696"/>
+            <a:ext cx="1396180" cy="461665"/>
+          </a:xfrm>
+          <a:prstGeom prst="rect">
+            <a:avLst/>
+          </a:prstGeom>
+          <a:noFill/>
+          <a:ln>
+            <a:noFill/>
+          </a:ln>
+        </p:spPr>
+        <p:txBody>
+          <a:bodyPr wrap="square" rtlCol="0">
+            <a:spAutoFit/>
+          </a:bodyPr>
+          <a:lstStyle/>
+          <a:p>
+            <a:pPr algn="ctr"/>
+            <a:r>
+              <a:rPr lang="zh-TW" altLang="en-US" sz="2400" dirty="0">
+                <a:solidFill>
+                  <a:srgbClr val="92D050"/>
+                </a:solidFill>
+                <a:latin typeface="微軟正黑體" panose="020B0604030504040204" pitchFamily="34" charset="-120"/>
+                <a:ea typeface="微軟正黑體" panose="020B0604030504040204" pitchFamily="34" charset="-120"/>
+              </a:rPr>
+              <a:t>伺服器 </a:t>
+            </a:r>
+          </a:p>
+        </p:txBody>
+      </p:sp>
+      <p:sp>
+        <p:nvSpPr>
+          <p:cNvPr id="32" name="箭號: 向左 31">
+            <a:extLst>
+              <a:ext uri="{FF2B5EF4-FFF2-40B4-BE49-F238E27FC236}">
+                <a16:creationId xmlns:a16="http://schemas.microsoft.com/office/drawing/2014/main" id="{BB2AB193-E4A0-711F-36D1-15171377040F}"/>
+              </a:ext>
+            </a:extLst>
+          </p:cNvPr>
+          <p:cNvSpPr/>
+          <p:nvPr/>
+        </p:nvSpPr>
+        <p:spPr>
+          <a:xfrm>
+            <a:off x="5163194" y="5513135"/>
+            <a:ext cx="717755" cy="295256"/>
+          </a:xfrm>
+          <a:prstGeom prst="leftArrow">
+            <a:avLst/>
+          </a:prstGeom>
+          <a:solidFill>
+            <a:srgbClr val="92D050"/>
+          </a:solidFill>
+        </p:spPr>
+        <p:style>
+          <a:lnRef idx="2">
+            <a:schemeClr val="accent1">
+              <a:shade val="15000"/>
+            </a:schemeClr>
+          </a:lnRef>
+          <a:fillRef idx="1">
+            <a:schemeClr val="accent1"/>
+          </a:fillRef>
+          <a:effectRef idx="0">
+            <a:schemeClr val="accent1"/>
+          </a:effectRef>
+          <a:fontRef idx="minor">
+            <a:schemeClr val="lt1"/>
+          </a:fontRef>
+        </p:style>
+        <p:txBody>
+          <a:bodyPr rtlCol="0" anchor="ctr"/>
+          <a:lstStyle/>
+          <a:p>
+            <a:pPr algn="ctr"/>
+            <a:endParaRPr lang="zh-TW" altLang="en-US">
+              <a:solidFill>
+                <a:srgbClr val="92D050"/>
+              </a:solidFill>
+            </a:endParaRPr>
+          </a:p>
+        </p:txBody>
+      </p:sp>
+      <p:sp>
+        <p:nvSpPr>
+          <p:cNvPr id="33" name="箭號: 向左 32">
+            <a:extLst>
+              <a:ext uri="{FF2B5EF4-FFF2-40B4-BE49-F238E27FC236}">
+                <a16:creationId xmlns:a16="http://schemas.microsoft.com/office/drawing/2014/main" id="{DA830897-AFA6-609D-CDEF-5E2A2909C246}"/>
+              </a:ext>
+            </a:extLst>
+          </p:cNvPr>
+          <p:cNvSpPr/>
+          <p:nvPr/>
+        </p:nvSpPr>
+        <p:spPr>
+          <a:xfrm>
+            <a:off x="5163193" y="6081572"/>
+            <a:ext cx="717755" cy="295256"/>
+          </a:xfrm>
+          <a:prstGeom prst="leftArrow">
+            <a:avLst/>
+          </a:prstGeom>
+          <a:solidFill>
+            <a:srgbClr val="92D050"/>
+          </a:solidFill>
+        </p:spPr>
+        <p:style>
+          <a:lnRef idx="2">
+            <a:schemeClr val="accent1">
+              <a:shade val="15000"/>
+            </a:schemeClr>
+          </a:lnRef>
+          <a:fillRef idx="1">
+            <a:schemeClr val="accent1"/>
+          </a:fillRef>
+          <a:effectRef idx="0">
+            <a:schemeClr val="accent1"/>
+          </a:effectRef>
+          <a:fontRef idx="minor">
+            <a:schemeClr val="lt1"/>
+          </a:fontRef>
+        </p:style>
+        <p:txBody>
+          <a:bodyPr rtlCol="0" anchor="ctr"/>
+          <a:lstStyle/>
+          <a:p>
+            <a:pPr algn="ctr"/>
+            <a:endParaRPr lang="zh-TW" altLang="en-US">
+              <a:solidFill>
+                <a:srgbClr val="92D050"/>
+              </a:solidFill>
+            </a:endParaRPr>
+          </a:p>
+        </p:txBody>
+      </p:sp>
+      <p:sp>
+        <p:nvSpPr>
+          <p:cNvPr id="34" name="矩形 33">
+            <a:extLst>
+              <a:ext uri="{FF2B5EF4-FFF2-40B4-BE49-F238E27FC236}">
+                <a16:creationId xmlns:a16="http://schemas.microsoft.com/office/drawing/2014/main" id="{C2EC5DE5-6AB7-5365-BE5B-C148B6C8B1F7}"/>
+              </a:ext>
+            </a:extLst>
+          </p:cNvPr>
+          <p:cNvSpPr/>
+          <p:nvPr/>
+        </p:nvSpPr>
+        <p:spPr>
+          <a:xfrm>
+            <a:off x="1133270" y="1584022"/>
+            <a:ext cx="1759975" cy="379993"/>
+          </a:xfrm>
+          <a:prstGeom prst="rect">
+            <a:avLst/>
+          </a:prstGeom>
+          <a:noFill/>
+          <a:ln w="38100">
+            <a:solidFill>
+              <a:srgbClr val="00B0F0"/>
+            </a:solidFill>
+          </a:ln>
+        </p:spPr>
+        <p:style>
+          <a:lnRef idx="2">
+            <a:schemeClr val="accent1">
+              <a:shade val="15000"/>
+            </a:schemeClr>
+          </a:lnRef>
+          <a:fillRef idx="1">
+            <a:schemeClr val="accent1"/>
+          </a:fillRef>
+          <a:effectRef idx="0">
+            <a:schemeClr val="accent1"/>
+          </a:effectRef>
+          <a:fontRef idx="minor">
+            <a:schemeClr val="lt1"/>
+          </a:fontRef>
+        </p:style>
+        <p:txBody>
+          <a:bodyPr rtlCol="0" anchor="ctr"/>
+          <a:lstStyle/>
+          <a:p>
+            <a:pPr algn="ctr"/>
+            <a:endParaRPr lang="zh-TW" altLang="en-US"/>
+          </a:p>
+        </p:txBody>
+      </p:sp>
+      <p:sp>
+        <p:nvSpPr>
+          <p:cNvPr id="35" name="矩形 34">
+            <a:extLst>
+              <a:ext uri="{FF2B5EF4-FFF2-40B4-BE49-F238E27FC236}">
+                <a16:creationId xmlns:a16="http://schemas.microsoft.com/office/drawing/2014/main" id="{F72CBD98-1577-FB7C-25FC-8AB469A8AC11}"/>
+              </a:ext>
+            </a:extLst>
+          </p:cNvPr>
+          <p:cNvSpPr/>
+          <p:nvPr/>
+        </p:nvSpPr>
+        <p:spPr>
+          <a:xfrm>
+            <a:off x="2952484" y="1582993"/>
+            <a:ext cx="1759975" cy="379993"/>
+          </a:xfrm>
+          <a:prstGeom prst="rect">
+            <a:avLst/>
+          </a:prstGeom>
+          <a:noFill/>
+          <a:ln w="38100">
+            <a:solidFill>
+              <a:srgbClr val="00B0F0"/>
+            </a:solidFill>
+          </a:ln>
+        </p:spPr>
+        <p:style>
+          <a:lnRef idx="2">
+            <a:schemeClr val="accent1">
+              <a:shade val="15000"/>
+            </a:schemeClr>
+          </a:lnRef>
+          <a:fillRef idx="1">
+            <a:schemeClr val="accent1"/>
+          </a:fillRef>
+          <a:effectRef idx="0">
+            <a:schemeClr val="accent1"/>
+          </a:effectRef>
+          <a:fontRef idx="minor">
+            <a:schemeClr val="lt1"/>
+          </a:fontRef>
+        </p:style>
+        <p:txBody>
+          <a:bodyPr rtlCol="0" anchor="ctr"/>
+          <a:lstStyle/>
+          <a:p>
+            <a:pPr algn="ctr"/>
+            <a:endParaRPr lang="zh-TW" altLang="en-US"/>
+          </a:p>
+        </p:txBody>
+      </p:sp>
+      <p:sp>
+        <p:nvSpPr>
+          <p:cNvPr id="36" name="矩形 35">
+            <a:extLst>
+              <a:ext uri="{FF2B5EF4-FFF2-40B4-BE49-F238E27FC236}">
+                <a16:creationId xmlns:a16="http://schemas.microsoft.com/office/drawing/2014/main" id="{4DBD29B0-F790-CD7B-2BD4-83C04ED4A4A6}"/>
+              </a:ext>
+            </a:extLst>
+          </p:cNvPr>
+          <p:cNvSpPr/>
+          <p:nvPr/>
+        </p:nvSpPr>
+        <p:spPr>
+          <a:xfrm>
+            <a:off x="4771698" y="1582493"/>
+            <a:ext cx="1759975" cy="379993"/>
+          </a:xfrm>
+          <a:prstGeom prst="rect">
+            <a:avLst/>
+          </a:prstGeom>
+          <a:noFill/>
+          <a:ln w="38100">
+            <a:solidFill>
+              <a:srgbClr val="00B0F0"/>
+            </a:solidFill>
+          </a:ln>
+        </p:spPr>
+        <p:style>
+          <a:lnRef idx="2">
+            <a:schemeClr val="accent1">
+              <a:shade val="15000"/>
+            </a:schemeClr>
+          </a:lnRef>
+          <a:fillRef idx="1">
+            <a:schemeClr val="accent1"/>
+          </a:fillRef>
+          <a:effectRef idx="0">
+            <a:schemeClr val="accent1"/>
+          </a:effectRef>
+          <a:fontRef idx="minor">
+            <a:schemeClr val="lt1"/>
+          </a:fontRef>
+        </p:style>
+        <p:txBody>
+          <a:bodyPr rtlCol="0" anchor="ctr"/>
+          <a:lstStyle/>
+          <a:p>
+            <a:pPr algn="ctr"/>
+            <a:endParaRPr lang="zh-TW" altLang="en-US"/>
+          </a:p>
+        </p:txBody>
+      </p:sp>
+      <p:sp>
+        <p:nvSpPr>
+          <p:cNvPr id="37" name="箭號: 向右 36">
+            <a:extLst>
+              <a:ext uri="{FF2B5EF4-FFF2-40B4-BE49-F238E27FC236}">
+                <a16:creationId xmlns:a16="http://schemas.microsoft.com/office/drawing/2014/main" id="{DAC23A6F-8D43-2B83-7B78-9CF4A1AE528B}"/>
+              </a:ext>
+            </a:extLst>
+          </p:cNvPr>
+          <p:cNvSpPr/>
+          <p:nvPr/>
+        </p:nvSpPr>
+        <p:spPr>
+          <a:xfrm>
+            <a:off x="7051830" y="1582492"/>
+            <a:ext cx="4716396" cy="379993"/>
+          </a:xfrm>
+          <a:prstGeom prst="rightArrow">
+            <a:avLst>
+              <a:gd name="adj1" fmla="val 50000"/>
+              <a:gd name="adj2" fmla="val 165305"/>
+            </a:avLst>
+          </a:prstGeom>
+          <a:solidFill>
+            <a:srgbClr val="00B0F0"/>
+          </a:solidFill>
+        </p:spPr>
+        <p:style>
+          <a:lnRef idx="2">
+            <a:schemeClr val="accent1">
+              <a:shade val="15000"/>
+            </a:schemeClr>
+          </a:lnRef>
+          <a:fillRef idx="1">
+            <a:schemeClr val="accent1"/>
+          </a:fillRef>
+          <a:effectRef idx="0">
+            <a:schemeClr val="accent1"/>
+          </a:effectRef>
+          <a:fontRef idx="minor">
+            <a:schemeClr val="lt1"/>
+          </a:fontRef>
+        </p:style>
+        <p:txBody>
+          <a:bodyPr rtlCol="0" anchor="ctr"/>
+          <a:lstStyle/>
+          <a:p>
+            <a:pPr algn="ctr"/>
+            <a:endParaRPr lang="zh-TW" altLang="en-US"/>
+          </a:p>
+        </p:txBody>
+      </p:sp>
+      <p:sp>
+        <p:nvSpPr>
+          <p:cNvPr id="38" name="文字方塊 37">
+            <a:extLst>
+              <a:ext uri="{FF2B5EF4-FFF2-40B4-BE49-F238E27FC236}">
+                <a16:creationId xmlns:a16="http://schemas.microsoft.com/office/drawing/2014/main" id="{9CE70DBD-52B9-94D8-35C2-D71CBCBC306E}"/>
+              </a:ext>
+            </a:extLst>
+          </p:cNvPr>
+          <p:cNvSpPr txBox="1"/>
+          <p:nvPr/>
+        </p:nvSpPr>
+        <p:spPr>
+          <a:xfrm>
+            <a:off x="7764049" y="1102253"/>
+            <a:ext cx="2672399" cy="461665"/>
+          </a:xfrm>
+          <a:prstGeom prst="rect">
+            <a:avLst/>
+          </a:prstGeom>
+          <a:solidFill>
+            <a:schemeClr val="tx2">
+              <a:lumMod val="10000"/>
+              <a:lumOff val="90000"/>
+            </a:schemeClr>
+          </a:solidFill>
+          <a:ln>
+            <a:noFill/>
+          </a:ln>
+        </p:spPr>
+        <p:txBody>
+          <a:bodyPr wrap="square" rtlCol="0">
+            <a:spAutoFit/>
+          </a:bodyPr>
+          <a:lstStyle/>
+          <a:p>
+            <a:pPr algn="ctr"/>
+            <a:r>
+              <a:rPr lang="en-US" altLang="zh-TW" sz="2400" dirty="0">
+                <a:solidFill>
+                  <a:srgbClr val="00B0F0"/>
+                </a:solidFill>
+                <a:latin typeface="微軟正黑體" panose="020B0604030504040204" pitchFamily="34" charset="-120"/>
+                <a:ea typeface="微軟正黑體" panose="020B0604030504040204" pitchFamily="34" charset="-120"/>
+              </a:rPr>
+              <a:t>Post request</a:t>
+            </a:r>
+            <a:endParaRPr lang="zh-TW" altLang="en-US" sz="2400" dirty="0">
+              <a:solidFill>
+                <a:srgbClr val="00B0F0"/>
+              </a:solidFill>
+              <a:latin typeface="微軟正黑體" panose="020B0604030504040204" pitchFamily="34" charset="-120"/>
+              <a:ea typeface="微軟正黑體" panose="020B0604030504040204" pitchFamily="34" charset="-120"/>
+            </a:endParaRPr>
+          </a:p>
+        </p:txBody>
+      </p:sp>
+    </p:spTree>
+    <p:extLst>
+      <p:ext uri="{BB962C8B-B14F-4D97-AF65-F5344CB8AC3E}">
+        <p14:creationId xmlns:p14="http://schemas.microsoft.com/office/powerpoint/2010/main" val="3240561650"/>
+      </p:ext>
+    </p:extLst>
+  </p:cSld>
+  <p:clrMapOvr>
+    <a:masterClrMapping/>
+  </p:clrMapOvr>
+  <p:timing>
+    <p:tnLst>
+      <p:par>
+        <p:cTn id="1" dur="indefinite" restart="never" nodeType="tmRoot">
+          <p:childTnLst>
+            <p:seq concurrent="1" nextAc="seek">
+              <p:cTn id="2" dur="indefinite" nodeType="mainSeq">
+                <p:childTnLst>
+                  <p:par>
+                    <p:cTn id="3" fill="hold">
+                      <p:stCondLst>
+                        <p:cond delay="indefinite"/>
+                      </p:stCondLst>
+                      <p:childTnLst>
+                        <p:par>
+                          <p:cTn id="4" fill="hold">
+                            <p:stCondLst>
+                              <p:cond delay="0"/>
+                            </p:stCondLst>
+                            <p:childTnLst>
+                              <p:par>
+                                <p:cTn id="5" presetID="2" presetClass="entr" presetSubtype="4" fill="hold" nodeType="clickEffect">
+                                  <p:stCondLst>
+                                    <p:cond delay="0"/>
+                                  </p:stCondLst>
+                                  <p:childTnLst>
+                                    <p:set>
+                                      <p:cBhvr>
+                                        <p:cTn id="6" dur="1" fill="hold">
+                                          <p:stCondLst>
+                                            <p:cond delay="0"/>
+                                          </p:stCondLst>
+                                        </p:cTn>
+                                        <p:tgtEl>
+                                          <p:spTgt spid="14"/>
+                                        </p:tgtEl>
+                                        <p:attrNameLst>
+                                          <p:attrName>style.visibility</p:attrName>
+                                        </p:attrNameLst>
+                                      </p:cBhvr>
+                                      <p:to>
+                                        <p:strVal val="visible"/>
+                                      </p:to>
+                                    </p:set>
+                                    <p:anim calcmode="lin" valueType="num">
+                                      <p:cBhvr additive="base">
+                                        <p:cTn id="7" dur="500" fill="hold"/>
+                                        <p:tgtEl>
+                                          <p:spTgt spid="14"/>
+                                        </p:tgtEl>
+                                        <p:attrNameLst>
+                                          <p:attrName>ppt_x</p:attrName>
+                                        </p:attrNameLst>
+                                      </p:cBhvr>
+                                      <p:tavLst>
+                                        <p:tav tm="0">
+                                          <p:val>
+                                            <p:strVal val="#ppt_x"/>
+                                          </p:val>
+                                        </p:tav>
+                                        <p:tav tm="100000">
+                                          <p:val>
+                                            <p:strVal val="#ppt_x"/>
+                                          </p:val>
+                                        </p:tav>
+                                      </p:tavLst>
+                                    </p:anim>
+                                    <p:anim calcmode="lin" valueType="num">
+                                      <p:cBhvr additive="base">
+                                        <p:cTn id="8" dur="500" fill="hold"/>
+                                        <p:tgtEl>
+                                          <p:spTgt spid="14"/>
+                                        </p:tgtEl>
+                                        <p:attrNameLst>
+                                          <p:attrName>ppt_y</p:attrName>
+                                        </p:attrNameLst>
+                                      </p:cBhvr>
+                                      <p:tavLst>
+                                        <p:tav tm="0">
+                                          <p:val>
+                                            <p:strVal val="1+#ppt_h/2"/>
+                                          </p:val>
+                                        </p:tav>
+                                        <p:tav tm="100000">
+                                          <p:val>
+                                            <p:strVal val="#ppt_y"/>
+                                          </p:val>
+                                        </p:tav>
+                                      </p:tavLst>
+                                    </p:anim>
+                                  </p:childTnLst>
+                                </p:cTn>
+                              </p:par>
+                              <p:par>
+                                <p:cTn id="9" presetID="2" presetClass="entr" presetSubtype="4" fill="hold" grpId="0" nodeType="withEffect">
+                                  <p:stCondLst>
+                                    <p:cond delay="0"/>
+                                  </p:stCondLst>
+                                  <p:childTnLst>
+                                    <p:set>
+                                      <p:cBhvr>
+                                        <p:cTn id="10" dur="1" fill="hold">
+                                          <p:stCondLst>
+                                            <p:cond delay="0"/>
+                                          </p:stCondLst>
+                                        </p:cTn>
+                                        <p:tgtEl>
+                                          <p:spTgt spid="17"/>
+                                        </p:tgtEl>
+                                        <p:attrNameLst>
+                                          <p:attrName>style.visibility</p:attrName>
+                                        </p:attrNameLst>
+                                      </p:cBhvr>
+                                      <p:to>
+                                        <p:strVal val="visible"/>
+                                      </p:to>
+                                    </p:set>
+                                    <p:anim calcmode="lin" valueType="num">
+                                      <p:cBhvr additive="base">
+                                        <p:cTn id="11" dur="500" fill="hold"/>
+                                        <p:tgtEl>
+                                          <p:spTgt spid="17"/>
+                                        </p:tgtEl>
+                                        <p:attrNameLst>
+                                          <p:attrName>ppt_x</p:attrName>
+                                        </p:attrNameLst>
+                                      </p:cBhvr>
+                                      <p:tavLst>
+                                        <p:tav tm="0">
+                                          <p:val>
+                                            <p:strVal val="#ppt_x"/>
+                                          </p:val>
+                                        </p:tav>
+                                        <p:tav tm="100000">
+                                          <p:val>
+                                            <p:strVal val="#ppt_x"/>
+                                          </p:val>
+                                        </p:tav>
+                                      </p:tavLst>
+                                    </p:anim>
+                                    <p:anim calcmode="lin" valueType="num">
+                                      <p:cBhvr additive="base">
+                                        <p:cTn id="12" dur="500" fill="hold"/>
+                                        <p:tgtEl>
+                                          <p:spTgt spid="17"/>
+                                        </p:tgtEl>
+                                        <p:attrNameLst>
+                                          <p:attrName>ppt_y</p:attrName>
+                                        </p:attrNameLst>
+                                      </p:cBhvr>
+                                      <p:tavLst>
+                                        <p:tav tm="0">
+                                          <p:val>
+                                            <p:strVal val="1+#ppt_h/2"/>
+                                          </p:val>
+                                        </p:tav>
+                                        <p:tav tm="100000">
+                                          <p:val>
+                                            <p:strVal val="#ppt_y"/>
+                                          </p:val>
+                                        </p:tav>
+                                      </p:tavLst>
+                                    </p:anim>
+                                  </p:childTnLst>
+                                </p:cTn>
+                              </p:par>
+                            </p:childTnLst>
+                          </p:cTn>
+                        </p:par>
+                      </p:childTnLst>
+                    </p:cTn>
+                  </p:par>
+                  <p:par>
+                    <p:cTn id="13" fill="hold">
+                      <p:stCondLst>
+                        <p:cond delay="indefinite"/>
+                      </p:stCondLst>
+                      <p:childTnLst>
+                        <p:par>
+                          <p:cTn id="14" fill="hold">
+                            <p:stCondLst>
+                              <p:cond delay="0"/>
+                            </p:stCondLst>
+                            <p:childTnLst>
+                              <p:par>
+                                <p:cTn id="15" presetID="2" presetClass="entr" presetSubtype="4" fill="hold" grpId="0" nodeType="clickEffect">
+                                  <p:stCondLst>
+                                    <p:cond delay="0"/>
+                                  </p:stCondLst>
+                                  <p:childTnLst>
+                                    <p:set>
+                                      <p:cBhvr>
+                                        <p:cTn id="16" dur="1" fill="hold">
+                                          <p:stCondLst>
+                                            <p:cond delay="0"/>
+                                          </p:stCondLst>
+                                        </p:cTn>
+                                        <p:tgtEl>
+                                          <p:spTgt spid="18"/>
+                                        </p:tgtEl>
+                                        <p:attrNameLst>
+                                          <p:attrName>style.visibility</p:attrName>
+                                        </p:attrNameLst>
+                                      </p:cBhvr>
+                                      <p:to>
+                                        <p:strVal val="visible"/>
+                                      </p:to>
+                                    </p:set>
+                                    <p:anim calcmode="lin" valueType="num">
+                                      <p:cBhvr additive="base">
+                                        <p:cTn id="17" dur="500" fill="hold"/>
+                                        <p:tgtEl>
+                                          <p:spTgt spid="18"/>
+                                        </p:tgtEl>
+                                        <p:attrNameLst>
+                                          <p:attrName>ppt_x</p:attrName>
+                                        </p:attrNameLst>
+                                      </p:cBhvr>
+                                      <p:tavLst>
+                                        <p:tav tm="0">
+                                          <p:val>
+                                            <p:strVal val="#ppt_x"/>
+                                          </p:val>
+                                        </p:tav>
+                                        <p:tav tm="100000">
+                                          <p:val>
+                                            <p:strVal val="#ppt_x"/>
+                                          </p:val>
+                                        </p:tav>
+                                      </p:tavLst>
+                                    </p:anim>
+                                    <p:anim calcmode="lin" valueType="num">
+                                      <p:cBhvr additive="base">
+                                        <p:cTn id="18" dur="500" fill="hold"/>
+                                        <p:tgtEl>
+                                          <p:spTgt spid="18"/>
+                                        </p:tgtEl>
+                                        <p:attrNameLst>
+                                          <p:attrName>ppt_y</p:attrName>
+                                        </p:attrNameLst>
+                                      </p:cBhvr>
+                                      <p:tavLst>
+                                        <p:tav tm="0">
+                                          <p:val>
+                                            <p:strVal val="1+#ppt_h/2"/>
+                                          </p:val>
+                                        </p:tav>
+                                        <p:tav tm="100000">
+                                          <p:val>
+                                            <p:strVal val="#ppt_y"/>
+                                          </p:val>
+                                        </p:tav>
+                                      </p:tavLst>
+                                    </p:anim>
+                                  </p:childTnLst>
+                                </p:cTn>
+                              </p:par>
+                            </p:childTnLst>
+                          </p:cTn>
+                        </p:par>
+                      </p:childTnLst>
+                    </p:cTn>
+                  </p:par>
+                  <p:par>
+                    <p:cTn id="19" fill="hold">
+                      <p:stCondLst>
+                        <p:cond delay="indefinite"/>
+                      </p:stCondLst>
+                      <p:childTnLst>
+                        <p:par>
+                          <p:cTn id="20" fill="hold">
+                            <p:stCondLst>
+                              <p:cond delay="0"/>
+                            </p:stCondLst>
+                            <p:childTnLst>
+                              <p:par>
+                                <p:cTn id="21" presetID="2" presetClass="entr" presetSubtype="4" fill="hold" grpId="0" nodeType="clickEffect">
+                                  <p:stCondLst>
+                                    <p:cond delay="0"/>
+                                  </p:stCondLst>
+                                  <p:childTnLst>
+                                    <p:set>
+                                      <p:cBhvr>
+                                        <p:cTn id="22" dur="1" fill="hold">
+                                          <p:stCondLst>
+                                            <p:cond delay="0"/>
+                                          </p:stCondLst>
+                                        </p:cTn>
+                                        <p:tgtEl>
+                                          <p:spTgt spid="19"/>
+                                        </p:tgtEl>
+                                        <p:attrNameLst>
+                                          <p:attrName>style.visibility</p:attrName>
+                                        </p:attrNameLst>
+                                      </p:cBhvr>
+                                      <p:to>
+                                        <p:strVal val="visible"/>
+                                      </p:to>
+                                    </p:set>
+                                    <p:anim calcmode="lin" valueType="num">
+                                      <p:cBhvr additive="base">
+                                        <p:cTn id="23" dur="500" fill="hold"/>
+                                        <p:tgtEl>
+                                          <p:spTgt spid="19"/>
+                                        </p:tgtEl>
+                                        <p:attrNameLst>
+                                          <p:attrName>ppt_x</p:attrName>
+                                        </p:attrNameLst>
+                                      </p:cBhvr>
+                                      <p:tavLst>
+                                        <p:tav tm="0">
+                                          <p:val>
+                                            <p:strVal val="#ppt_x"/>
+                                          </p:val>
+                                        </p:tav>
+                                        <p:tav tm="100000">
+                                          <p:val>
+                                            <p:strVal val="#ppt_x"/>
+                                          </p:val>
+                                        </p:tav>
+                                      </p:tavLst>
+                                    </p:anim>
+                                    <p:anim calcmode="lin" valueType="num">
+                                      <p:cBhvr additive="base">
+                                        <p:cTn id="24" dur="500" fill="hold"/>
+                                        <p:tgtEl>
+                                          <p:spTgt spid="19"/>
+                                        </p:tgtEl>
+                                        <p:attrNameLst>
+                                          <p:attrName>ppt_y</p:attrName>
+                                        </p:attrNameLst>
+                                      </p:cBhvr>
+                                      <p:tavLst>
+                                        <p:tav tm="0">
+                                          <p:val>
+                                            <p:strVal val="1+#ppt_h/2"/>
+                                          </p:val>
+                                        </p:tav>
+                                        <p:tav tm="100000">
+                                          <p:val>
+                                            <p:strVal val="#ppt_y"/>
+                                          </p:val>
+                                        </p:tav>
+                                      </p:tavLst>
+                                    </p:anim>
+                                  </p:childTnLst>
+                                </p:cTn>
+                              </p:par>
+                              <p:par>
+                                <p:cTn id="25" presetID="2" presetClass="entr" presetSubtype="4" fill="hold" grpId="0" nodeType="withEffect">
+                                  <p:stCondLst>
+                                    <p:cond delay="0"/>
+                                  </p:stCondLst>
+                                  <p:childTnLst>
+                                    <p:set>
+                                      <p:cBhvr>
+                                        <p:cTn id="26" dur="1" fill="hold">
+                                          <p:stCondLst>
+                                            <p:cond delay="0"/>
+                                          </p:stCondLst>
+                                        </p:cTn>
+                                        <p:tgtEl>
+                                          <p:spTgt spid="20"/>
+                                        </p:tgtEl>
+                                        <p:attrNameLst>
+                                          <p:attrName>style.visibility</p:attrName>
+                                        </p:attrNameLst>
+                                      </p:cBhvr>
+                                      <p:to>
+                                        <p:strVal val="visible"/>
+                                      </p:to>
+                                    </p:set>
+                                    <p:anim calcmode="lin" valueType="num">
+                                      <p:cBhvr additive="base">
+                                        <p:cTn id="27" dur="500" fill="hold"/>
+                                        <p:tgtEl>
+                                          <p:spTgt spid="20"/>
+                                        </p:tgtEl>
+                                        <p:attrNameLst>
+                                          <p:attrName>ppt_x</p:attrName>
+                                        </p:attrNameLst>
+                                      </p:cBhvr>
+                                      <p:tavLst>
+                                        <p:tav tm="0">
+                                          <p:val>
+                                            <p:strVal val="#ppt_x"/>
+                                          </p:val>
+                                        </p:tav>
+                                        <p:tav tm="100000">
+                                          <p:val>
+                                            <p:strVal val="#ppt_x"/>
+                                          </p:val>
+                                        </p:tav>
+                                      </p:tavLst>
+                                    </p:anim>
+                                    <p:anim calcmode="lin" valueType="num">
+                                      <p:cBhvr additive="base">
+                                        <p:cTn id="28" dur="500" fill="hold"/>
+                                        <p:tgtEl>
+                                          <p:spTgt spid="20"/>
+                                        </p:tgtEl>
+                                        <p:attrNameLst>
+                                          <p:attrName>ppt_y</p:attrName>
+                                        </p:attrNameLst>
+                                      </p:cBhvr>
+                                      <p:tavLst>
+                                        <p:tav tm="0">
+                                          <p:val>
+                                            <p:strVal val="1+#ppt_h/2"/>
+                                          </p:val>
+                                        </p:tav>
+                                        <p:tav tm="100000">
+                                          <p:val>
+                                            <p:strVal val="#ppt_y"/>
+                                          </p:val>
+                                        </p:tav>
+                                      </p:tavLst>
+                                    </p:anim>
+                                  </p:childTnLst>
+                                </p:cTn>
+                              </p:par>
+                              <p:par>
+                                <p:cTn id="29" presetID="2" presetClass="entr" presetSubtype="4" fill="hold" grpId="0" nodeType="withEffect">
+                                  <p:stCondLst>
+                                    <p:cond delay="0"/>
+                                  </p:stCondLst>
+                                  <p:childTnLst>
+                                    <p:set>
+                                      <p:cBhvr>
+                                        <p:cTn id="30" dur="1" fill="hold">
+                                          <p:stCondLst>
+                                            <p:cond delay="0"/>
+                                          </p:stCondLst>
+                                        </p:cTn>
+                                        <p:tgtEl>
+                                          <p:spTgt spid="21"/>
+                                        </p:tgtEl>
+                                        <p:attrNameLst>
+                                          <p:attrName>style.visibility</p:attrName>
+                                        </p:attrNameLst>
+                                      </p:cBhvr>
+                                      <p:to>
+                                        <p:strVal val="visible"/>
+                                      </p:to>
+                                    </p:set>
+                                    <p:anim calcmode="lin" valueType="num">
+                                      <p:cBhvr additive="base">
+                                        <p:cTn id="31" dur="500" fill="hold"/>
+                                        <p:tgtEl>
+                                          <p:spTgt spid="21"/>
+                                        </p:tgtEl>
+                                        <p:attrNameLst>
+                                          <p:attrName>ppt_x</p:attrName>
+                                        </p:attrNameLst>
+                                      </p:cBhvr>
+                                      <p:tavLst>
+                                        <p:tav tm="0">
+                                          <p:val>
+                                            <p:strVal val="#ppt_x"/>
+                                          </p:val>
+                                        </p:tav>
+                                        <p:tav tm="100000">
+                                          <p:val>
+                                            <p:strVal val="#ppt_x"/>
+                                          </p:val>
+                                        </p:tav>
+                                      </p:tavLst>
+                                    </p:anim>
+                                    <p:anim calcmode="lin" valueType="num">
+                                      <p:cBhvr additive="base">
+                                        <p:cTn id="32" dur="500" fill="hold"/>
+                                        <p:tgtEl>
+                                          <p:spTgt spid="21"/>
+                                        </p:tgtEl>
+                                        <p:attrNameLst>
+                                          <p:attrName>ppt_y</p:attrName>
+                                        </p:attrNameLst>
+                                      </p:cBhvr>
+                                      <p:tavLst>
+                                        <p:tav tm="0">
+                                          <p:val>
+                                            <p:strVal val="1+#ppt_h/2"/>
+                                          </p:val>
+                                        </p:tav>
+                                        <p:tav tm="100000">
+                                          <p:val>
+                                            <p:strVal val="#ppt_y"/>
+                                          </p:val>
+                                        </p:tav>
+                                      </p:tavLst>
+                                    </p:anim>
+                                  </p:childTnLst>
+                                </p:cTn>
+                              </p:par>
+                            </p:childTnLst>
+                          </p:cTn>
+                        </p:par>
+                      </p:childTnLst>
+                    </p:cTn>
+                  </p:par>
+                  <p:par>
+                    <p:cTn id="33" fill="hold">
+                      <p:stCondLst>
+                        <p:cond delay="indefinite"/>
+                      </p:stCondLst>
+                      <p:childTnLst>
+                        <p:par>
+                          <p:cTn id="34" fill="hold">
+                            <p:stCondLst>
+                              <p:cond delay="0"/>
+                            </p:stCondLst>
+                            <p:childTnLst>
+                              <p:par>
+                                <p:cTn id="35" presetID="2" presetClass="entr" presetSubtype="4" fill="hold" grpId="0" nodeType="clickEffect">
+                                  <p:stCondLst>
+                                    <p:cond delay="0"/>
+                                  </p:stCondLst>
+                                  <p:childTnLst>
+                                    <p:set>
+                                      <p:cBhvr>
+                                        <p:cTn id="36" dur="1" fill="hold">
+                                          <p:stCondLst>
+                                            <p:cond delay="0"/>
+                                          </p:stCondLst>
+                                        </p:cTn>
+                                        <p:tgtEl>
+                                          <p:spTgt spid="22"/>
+                                        </p:tgtEl>
+                                        <p:attrNameLst>
+                                          <p:attrName>style.visibility</p:attrName>
+                                        </p:attrNameLst>
+                                      </p:cBhvr>
+                                      <p:to>
+                                        <p:strVal val="visible"/>
+                                      </p:to>
+                                    </p:set>
+                                    <p:anim calcmode="lin" valueType="num">
+                                      <p:cBhvr additive="base">
+                                        <p:cTn id="37" dur="500" fill="hold"/>
+                                        <p:tgtEl>
+                                          <p:spTgt spid="22"/>
+                                        </p:tgtEl>
+                                        <p:attrNameLst>
+                                          <p:attrName>ppt_x</p:attrName>
+                                        </p:attrNameLst>
+                                      </p:cBhvr>
+                                      <p:tavLst>
+                                        <p:tav tm="0">
+                                          <p:val>
+                                            <p:strVal val="#ppt_x"/>
+                                          </p:val>
+                                        </p:tav>
+                                        <p:tav tm="100000">
+                                          <p:val>
+                                            <p:strVal val="#ppt_x"/>
+                                          </p:val>
+                                        </p:tav>
+                                      </p:tavLst>
+                                    </p:anim>
+                                    <p:anim calcmode="lin" valueType="num">
+                                      <p:cBhvr additive="base">
+                                        <p:cTn id="38" dur="500" fill="hold"/>
+                                        <p:tgtEl>
+                                          <p:spTgt spid="22"/>
+                                        </p:tgtEl>
+                                        <p:attrNameLst>
+                                          <p:attrName>ppt_y</p:attrName>
+                                        </p:attrNameLst>
+                                      </p:cBhvr>
+                                      <p:tavLst>
+                                        <p:tav tm="0">
+                                          <p:val>
+                                            <p:strVal val="1+#ppt_h/2"/>
+                                          </p:val>
+                                        </p:tav>
+                                        <p:tav tm="100000">
+                                          <p:val>
+                                            <p:strVal val="#ppt_y"/>
+                                          </p:val>
+                                        </p:tav>
+                                      </p:tavLst>
+                                    </p:anim>
+                                  </p:childTnLst>
+                                </p:cTn>
+                              </p:par>
+                              <p:par>
+                                <p:cTn id="39" presetID="2" presetClass="entr" presetSubtype="4" fill="hold" grpId="0" nodeType="withEffect">
+                                  <p:stCondLst>
+                                    <p:cond delay="0"/>
+                                  </p:stCondLst>
+                                  <p:childTnLst>
+                                    <p:set>
+                                      <p:cBhvr>
+                                        <p:cTn id="40" dur="1" fill="hold">
+                                          <p:stCondLst>
+                                            <p:cond delay="0"/>
+                                          </p:stCondLst>
+                                        </p:cTn>
+                                        <p:tgtEl>
+                                          <p:spTgt spid="23"/>
+                                        </p:tgtEl>
+                                        <p:attrNameLst>
+                                          <p:attrName>style.visibility</p:attrName>
+                                        </p:attrNameLst>
+                                      </p:cBhvr>
+                                      <p:to>
+                                        <p:strVal val="visible"/>
+                                      </p:to>
+                                    </p:set>
+                                    <p:anim calcmode="lin" valueType="num">
+                                      <p:cBhvr additive="base">
+                                        <p:cTn id="41" dur="500" fill="hold"/>
+                                        <p:tgtEl>
+                                          <p:spTgt spid="23"/>
+                                        </p:tgtEl>
+                                        <p:attrNameLst>
+                                          <p:attrName>ppt_x</p:attrName>
+                                        </p:attrNameLst>
+                                      </p:cBhvr>
+                                      <p:tavLst>
+                                        <p:tav tm="0">
+                                          <p:val>
+                                            <p:strVal val="#ppt_x"/>
+                                          </p:val>
+                                        </p:tav>
+                                        <p:tav tm="100000">
+                                          <p:val>
+                                            <p:strVal val="#ppt_x"/>
+                                          </p:val>
+                                        </p:tav>
+                                      </p:tavLst>
+                                    </p:anim>
+                                    <p:anim calcmode="lin" valueType="num">
+                                      <p:cBhvr additive="base">
+                                        <p:cTn id="42" dur="500" fill="hold"/>
+                                        <p:tgtEl>
+                                          <p:spTgt spid="23"/>
+                                        </p:tgtEl>
+                                        <p:attrNameLst>
+                                          <p:attrName>ppt_y</p:attrName>
+                                        </p:attrNameLst>
+                                      </p:cBhvr>
+                                      <p:tavLst>
+                                        <p:tav tm="0">
+                                          <p:val>
+                                            <p:strVal val="1+#ppt_h/2"/>
+                                          </p:val>
+                                        </p:tav>
+                                        <p:tav tm="100000">
+                                          <p:val>
+                                            <p:strVal val="#ppt_y"/>
+                                          </p:val>
+                                        </p:tav>
+                                      </p:tavLst>
+                                    </p:anim>
+                                  </p:childTnLst>
+                                </p:cTn>
+                              </p:par>
+                              <p:par>
+                                <p:cTn id="43" presetID="2" presetClass="entr" presetSubtype="4" fill="hold" grpId="0" nodeType="withEffect">
+                                  <p:stCondLst>
+                                    <p:cond delay="0"/>
+                                  </p:stCondLst>
+                                  <p:childTnLst>
+                                    <p:set>
+                                      <p:cBhvr>
+                                        <p:cTn id="44" dur="1" fill="hold">
+                                          <p:stCondLst>
+                                            <p:cond delay="0"/>
+                                          </p:stCondLst>
+                                        </p:cTn>
+                                        <p:tgtEl>
+                                          <p:spTgt spid="24"/>
+                                        </p:tgtEl>
+                                        <p:attrNameLst>
+                                          <p:attrName>style.visibility</p:attrName>
+                                        </p:attrNameLst>
+                                      </p:cBhvr>
+                                      <p:to>
+                                        <p:strVal val="visible"/>
+                                      </p:to>
+                                    </p:set>
+                                    <p:anim calcmode="lin" valueType="num">
+                                      <p:cBhvr additive="base">
+                                        <p:cTn id="45" dur="500" fill="hold"/>
+                                        <p:tgtEl>
+                                          <p:spTgt spid="24"/>
+                                        </p:tgtEl>
+                                        <p:attrNameLst>
+                                          <p:attrName>ppt_x</p:attrName>
+                                        </p:attrNameLst>
+                                      </p:cBhvr>
+                                      <p:tavLst>
+                                        <p:tav tm="0">
+                                          <p:val>
+                                            <p:strVal val="#ppt_x"/>
+                                          </p:val>
+                                        </p:tav>
+                                        <p:tav tm="100000">
+                                          <p:val>
+                                            <p:strVal val="#ppt_x"/>
+                                          </p:val>
+                                        </p:tav>
+                                      </p:tavLst>
+                                    </p:anim>
+                                    <p:anim calcmode="lin" valueType="num">
+                                      <p:cBhvr additive="base">
+                                        <p:cTn id="46" dur="500" fill="hold"/>
+                                        <p:tgtEl>
+                                          <p:spTgt spid="24"/>
+                                        </p:tgtEl>
+                                        <p:attrNameLst>
+                                          <p:attrName>ppt_y</p:attrName>
+                                        </p:attrNameLst>
+                                      </p:cBhvr>
+                                      <p:tavLst>
+                                        <p:tav tm="0">
+                                          <p:val>
+                                            <p:strVal val="1+#ppt_h/2"/>
+                                          </p:val>
+                                        </p:tav>
+                                        <p:tav tm="100000">
+                                          <p:val>
+                                            <p:strVal val="#ppt_y"/>
+                                          </p:val>
+                                        </p:tav>
+                                      </p:tavLst>
+                                    </p:anim>
+                                  </p:childTnLst>
+                                </p:cTn>
+                              </p:par>
+                            </p:childTnLst>
+                          </p:cTn>
+                        </p:par>
+                      </p:childTnLst>
+                    </p:cTn>
+                  </p:par>
+                  <p:par>
+                    <p:cTn id="47" fill="hold">
+                      <p:stCondLst>
+                        <p:cond delay="indefinite"/>
+                      </p:stCondLst>
+                      <p:childTnLst>
+                        <p:par>
+                          <p:cTn id="48" fill="hold">
+                            <p:stCondLst>
+                              <p:cond delay="0"/>
+                            </p:stCondLst>
+                            <p:childTnLst>
+                              <p:par>
+                                <p:cTn id="49" presetID="2" presetClass="entr" presetSubtype="4" fill="hold" grpId="0" nodeType="clickEffect">
+                                  <p:stCondLst>
+                                    <p:cond delay="0"/>
+                                  </p:stCondLst>
+                                  <p:childTnLst>
+                                    <p:set>
+                                      <p:cBhvr>
+                                        <p:cTn id="50" dur="1" fill="hold">
+                                          <p:stCondLst>
+                                            <p:cond delay="0"/>
+                                          </p:stCondLst>
+                                        </p:cTn>
+                                        <p:tgtEl>
+                                          <p:spTgt spid="25"/>
+                                        </p:tgtEl>
+                                        <p:attrNameLst>
+                                          <p:attrName>style.visibility</p:attrName>
+                                        </p:attrNameLst>
+                                      </p:cBhvr>
+                                      <p:to>
+                                        <p:strVal val="visible"/>
+                                      </p:to>
+                                    </p:set>
+                                    <p:anim calcmode="lin" valueType="num">
+                                      <p:cBhvr additive="base">
+                                        <p:cTn id="51" dur="500" fill="hold"/>
+                                        <p:tgtEl>
+                                          <p:spTgt spid="25"/>
+                                        </p:tgtEl>
+                                        <p:attrNameLst>
+                                          <p:attrName>ppt_x</p:attrName>
+                                        </p:attrNameLst>
+                                      </p:cBhvr>
+                                      <p:tavLst>
+                                        <p:tav tm="0">
+                                          <p:val>
+                                            <p:strVal val="#ppt_x"/>
+                                          </p:val>
+                                        </p:tav>
+                                        <p:tav tm="100000">
+                                          <p:val>
+                                            <p:strVal val="#ppt_x"/>
+                                          </p:val>
+                                        </p:tav>
+                                      </p:tavLst>
+                                    </p:anim>
+                                    <p:anim calcmode="lin" valueType="num">
+                                      <p:cBhvr additive="base">
+                                        <p:cTn id="52" dur="500" fill="hold"/>
+                                        <p:tgtEl>
+                                          <p:spTgt spid="25"/>
+                                        </p:tgtEl>
+                                        <p:attrNameLst>
+                                          <p:attrName>ppt_y</p:attrName>
+                                        </p:attrNameLst>
+                                      </p:cBhvr>
+                                      <p:tavLst>
+                                        <p:tav tm="0">
+                                          <p:val>
+                                            <p:strVal val="1+#ppt_h/2"/>
+                                          </p:val>
+                                        </p:tav>
+                                        <p:tav tm="100000">
+                                          <p:val>
+                                            <p:strVal val="#ppt_y"/>
+                                          </p:val>
+                                        </p:tav>
+                                      </p:tavLst>
+                                    </p:anim>
+                                  </p:childTnLst>
+                                </p:cTn>
+                              </p:par>
+                            </p:childTnLst>
+                          </p:cTn>
+                        </p:par>
+                      </p:childTnLst>
+                    </p:cTn>
+                  </p:par>
+                  <p:par>
+                    <p:cTn id="53" fill="hold">
+                      <p:stCondLst>
+                        <p:cond delay="indefinite"/>
+                      </p:stCondLst>
+                      <p:childTnLst>
+                        <p:par>
+                          <p:cTn id="54" fill="hold">
+                            <p:stCondLst>
+                              <p:cond delay="0"/>
+                            </p:stCondLst>
+                            <p:childTnLst>
+                              <p:par>
+                                <p:cTn id="55" presetID="2" presetClass="entr" presetSubtype="2" fill="hold" grpId="0" nodeType="clickEffect">
+                                  <p:stCondLst>
+                                    <p:cond delay="0"/>
+                                  </p:stCondLst>
+                                  <p:childTnLst>
+                                    <p:set>
+                                      <p:cBhvr>
+                                        <p:cTn id="56" dur="1" fill="hold">
+                                          <p:stCondLst>
+                                            <p:cond delay="0"/>
+                                          </p:stCondLst>
+                                        </p:cTn>
+                                        <p:tgtEl>
+                                          <p:spTgt spid="26"/>
+                                        </p:tgtEl>
+                                        <p:attrNameLst>
+                                          <p:attrName>style.visibility</p:attrName>
+                                        </p:attrNameLst>
+                                      </p:cBhvr>
+                                      <p:to>
+                                        <p:strVal val="visible"/>
+                                      </p:to>
+                                    </p:set>
+                                    <p:anim calcmode="lin" valueType="num">
+                                      <p:cBhvr additive="base">
+                                        <p:cTn id="57" dur="500" fill="hold"/>
+                                        <p:tgtEl>
+                                          <p:spTgt spid="26"/>
+                                        </p:tgtEl>
+                                        <p:attrNameLst>
+                                          <p:attrName>ppt_x</p:attrName>
+                                        </p:attrNameLst>
+                                      </p:cBhvr>
+                                      <p:tavLst>
+                                        <p:tav tm="0">
+                                          <p:val>
+                                            <p:strVal val="1+#ppt_w/2"/>
+                                          </p:val>
+                                        </p:tav>
+                                        <p:tav tm="100000">
+                                          <p:val>
+                                            <p:strVal val="#ppt_x"/>
+                                          </p:val>
+                                        </p:tav>
+                                      </p:tavLst>
+                                    </p:anim>
+                                    <p:anim calcmode="lin" valueType="num">
+                                      <p:cBhvr additive="base">
+                                        <p:cTn id="58" dur="500" fill="hold"/>
+                                        <p:tgtEl>
+                                          <p:spTgt spid="26"/>
+                                        </p:tgtEl>
+                                        <p:attrNameLst>
+                                          <p:attrName>ppt_y</p:attrName>
+                                        </p:attrNameLst>
+                                      </p:cBhvr>
+                                      <p:tavLst>
+                                        <p:tav tm="0">
+                                          <p:val>
+                                            <p:strVal val="#ppt_y"/>
+                                          </p:val>
+                                        </p:tav>
+                                        <p:tav tm="100000">
+                                          <p:val>
+                                            <p:strVal val="#ppt_y"/>
+                                          </p:val>
+                                        </p:tav>
+                                      </p:tavLst>
+                                    </p:anim>
+                                  </p:childTnLst>
+                                </p:cTn>
+                              </p:par>
+                              <p:par>
+                                <p:cTn id="59" presetID="2" presetClass="entr" presetSubtype="2" fill="hold" grpId="0" nodeType="withEffect">
+                                  <p:stCondLst>
+                                    <p:cond delay="0"/>
+                                  </p:stCondLst>
+                                  <p:childTnLst>
+                                    <p:set>
+                                      <p:cBhvr>
+                                        <p:cTn id="60" dur="1" fill="hold">
+                                          <p:stCondLst>
+                                            <p:cond delay="0"/>
+                                          </p:stCondLst>
+                                        </p:cTn>
+                                        <p:tgtEl>
+                                          <p:spTgt spid="27"/>
+                                        </p:tgtEl>
+                                        <p:attrNameLst>
+                                          <p:attrName>style.visibility</p:attrName>
+                                        </p:attrNameLst>
+                                      </p:cBhvr>
+                                      <p:to>
+                                        <p:strVal val="visible"/>
+                                      </p:to>
+                                    </p:set>
+                                    <p:anim calcmode="lin" valueType="num">
+                                      <p:cBhvr additive="base">
+                                        <p:cTn id="61" dur="500" fill="hold"/>
+                                        <p:tgtEl>
+                                          <p:spTgt spid="27"/>
+                                        </p:tgtEl>
+                                        <p:attrNameLst>
+                                          <p:attrName>ppt_x</p:attrName>
+                                        </p:attrNameLst>
+                                      </p:cBhvr>
+                                      <p:tavLst>
+                                        <p:tav tm="0">
+                                          <p:val>
+                                            <p:strVal val="1+#ppt_w/2"/>
+                                          </p:val>
+                                        </p:tav>
+                                        <p:tav tm="100000">
+                                          <p:val>
+                                            <p:strVal val="#ppt_x"/>
+                                          </p:val>
+                                        </p:tav>
+                                      </p:tavLst>
+                                    </p:anim>
+                                    <p:anim calcmode="lin" valueType="num">
+                                      <p:cBhvr additive="base">
+                                        <p:cTn id="62" dur="500" fill="hold"/>
+                                        <p:tgtEl>
+                                          <p:spTgt spid="27"/>
+                                        </p:tgtEl>
+                                        <p:attrNameLst>
+                                          <p:attrName>ppt_y</p:attrName>
+                                        </p:attrNameLst>
+                                      </p:cBhvr>
+                                      <p:tavLst>
+                                        <p:tav tm="0">
+                                          <p:val>
+                                            <p:strVal val="#ppt_y"/>
+                                          </p:val>
+                                        </p:tav>
+                                        <p:tav tm="100000">
+                                          <p:val>
+                                            <p:strVal val="#ppt_y"/>
+                                          </p:val>
+                                        </p:tav>
+                                      </p:tavLst>
+                                    </p:anim>
+                                  </p:childTnLst>
+                                </p:cTn>
+                              </p:par>
+                              <p:par>
+                                <p:cTn id="63" presetID="2" presetClass="entr" presetSubtype="2" fill="hold" grpId="0" nodeType="withEffect">
+                                  <p:stCondLst>
+                                    <p:cond delay="0"/>
+                                  </p:stCondLst>
+                                  <p:childTnLst>
+                                    <p:set>
+                                      <p:cBhvr>
+                                        <p:cTn id="64" dur="1" fill="hold">
+                                          <p:stCondLst>
+                                            <p:cond delay="0"/>
+                                          </p:stCondLst>
+                                        </p:cTn>
+                                        <p:tgtEl>
+                                          <p:spTgt spid="32"/>
+                                        </p:tgtEl>
+                                        <p:attrNameLst>
+                                          <p:attrName>style.visibility</p:attrName>
+                                        </p:attrNameLst>
+                                      </p:cBhvr>
+                                      <p:to>
+                                        <p:strVal val="visible"/>
+                                      </p:to>
+                                    </p:set>
+                                    <p:anim calcmode="lin" valueType="num">
+                                      <p:cBhvr additive="base">
+                                        <p:cTn id="65" dur="500" fill="hold"/>
+                                        <p:tgtEl>
+                                          <p:spTgt spid="32"/>
+                                        </p:tgtEl>
+                                        <p:attrNameLst>
+                                          <p:attrName>ppt_x</p:attrName>
+                                        </p:attrNameLst>
+                                      </p:cBhvr>
+                                      <p:tavLst>
+                                        <p:tav tm="0">
+                                          <p:val>
+                                            <p:strVal val="1+#ppt_w/2"/>
+                                          </p:val>
+                                        </p:tav>
+                                        <p:tav tm="100000">
+                                          <p:val>
+                                            <p:strVal val="#ppt_x"/>
+                                          </p:val>
+                                        </p:tav>
+                                      </p:tavLst>
+                                    </p:anim>
+                                    <p:anim calcmode="lin" valueType="num">
+                                      <p:cBhvr additive="base">
+                                        <p:cTn id="66" dur="500" fill="hold"/>
+                                        <p:tgtEl>
+                                          <p:spTgt spid="32"/>
+                                        </p:tgtEl>
+                                        <p:attrNameLst>
+                                          <p:attrName>ppt_y</p:attrName>
+                                        </p:attrNameLst>
+                                      </p:cBhvr>
+                                      <p:tavLst>
+                                        <p:tav tm="0">
+                                          <p:val>
+                                            <p:strVal val="#ppt_y"/>
+                                          </p:val>
+                                        </p:tav>
+                                        <p:tav tm="100000">
+                                          <p:val>
+                                            <p:strVal val="#ppt_y"/>
+                                          </p:val>
+                                        </p:tav>
+                                      </p:tavLst>
+                                    </p:anim>
+                                  </p:childTnLst>
+                                </p:cTn>
+                              </p:par>
+                            </p:childTnLst>
+                          </p:cTn>
+                        </p:par>
+                      </p:childTnLst>
+                    </p:cTn>
+                  </p:par>
+                  <p:par>
+                    <p:cTn id="67" fill="hold">
+                      <p:stCondLst>
+                        <p:cond delay="indefinite"/>
+                      </p:stCondLst>
+                      <p:childTnLst>
+                        <p:par>
+                          <p:cTn id="68" fill="hold">
+                            <p:stCondLst>
+                              <p:cond delay="0"/>
+                            </p:stCondLst>
+                            <p:childTnLst>
+                              <p:par>
+                                <p:cTn id="69" presetID="2" presetClass="entr" presetSubtype="2" fill="hold" grpId="0" nodeType="clickEffect">
+                                  <p:stCondLst>
+                                    <p:cond delay="0"/>
+                                  </p:stCondLst>
+                                  <p:childTnLst>
+                                    <p:set>
+                                      <p:cBhvr>
+                                        <p:cTn id="70" dur="1" fill="hold">
+                                          <p:stCondLst>
+                                            <p:cond delay="0"/>
+                                          </p:stCondLst>
+                                        </p:cTn>
+                                        <p:tgtEl>
+                                          <p:spTgt spid="29"/>
+                                        </p:tgtEl>
+                                        <p:attrNameLst>
+                                          <p:attrName>style.visibility</p:attrName>
+                                        </p:attrNameLst>
+                                      </p:cBhvr>
+                                      <p:to>
+                                        <p:strVal val="visible"/>
+                                      </p:to>
+                                    </p:set>
+                                    <p:anim calcmode="lin" valueType="num">
+                                      <p:cBhvr additive="base">
+                                        <p:cTn id="71" dur="500" fill="hold"/>
+                                        <p:tgtEl>
+                                          <p:spTgt spid="29"/>
+                                        </p:tgtEl>
+                                        <p:attrNameLst>
+                                          <p:attrName>ppt_x</p:attrName>
+                                        </p:attrNameLst>
+                                      </p:cBhvr>
+                                      <p:tavLst>
+                                        <p:tav tm="0">
+                                          <p:val>
+                                            <p:strVal val="1+#ppt_w/2"/>
+                                          </p:val>
+                                        </p:tav>
+                                        <p:tav tm="100000">
+                                          <p:val>
+                                            <p:strVal val="#ppt_x"/>
+                                          </p:val>
+                                        </p:tav>
+                                      </p:tavLst>
+                                    </p:anim>
+                                    <p:anim calcmode="lin" valueType="num">
+                                      <p:cBhvr additive="base">
+                                        <p:cTn id="72" dur="500" fill="hold"/>
+                                        <p:tgtEl>
+                                          <p:spTgt spid="29"/>
+                                        </p:tgtEl>
+                                        <p:attrNameLst>
+                                          <p:attrName>ppt_y</p:attrName>
+                                        </p:attrNameLst>
+                                      </p:cBhvr>
+                                      <p:tavLst>
+                                        <p:tav tm="0">
+                                          <p:val>
+                                            <p:strVal val="#ppt_y"/>
+                                          </p:val>
+                                        </p:tav>
+                                        <p:tav tm="100000">
+                                          <p:val>
+                                            <p:strVal val="#ppt_y"/>
+                                          </p:val>
+                                        </p:tav>
+                                      </p:tavLst>
+                                    </p:anim>
+                                  </p:childTnLst>
+                                </p:cTn>
+                              </p:par>
+                              <p:par>
+                                <p:cTn id="73" presetID="2" presetClass="entr" presetSubtype="2" fill="hold" grpId="0" nodeType="withEffect">
+                                  <p:stCondLst>
+                                    <p:cond delay="0"/>
+                                  </p:stCondLst>
+                                  <p:childTnLst>
+                                    <p:set>
+                                      <p:cBhvr>
+                                        <p:cTn id="74" dur="1" fill="hold">
+                                          <p:stCondLst>
+                                            <p:cond delay="0"/>
+                                          </p:stCondLst>
+                                        </p:cTn>
+                                        <p:tgtEl>
+                                          <p:spTgt spid="30"/>
+                                        </p:tgtEl>
+                                        <p:attrNameLst>
+                                          <p:attrName>style.visibility</p:attrName>
+                                        </p:attrNameLst>
+                                      </p:cBhvr>
+                                      <p:to>
+                                        <p:strVal val="visible"/>
+                                      </p:to>
+                                    </p:set>
+                                    <p:anim calcmode="lin" valueType="num">
+                                      <p:cBhvr additive="base">
+                                        <p:cTn id="75" dur="500" fill="hold"/>
+                                        <p:tgtEl>
+                                          <p:spTgt spid="30"/>
+                                        </p:tgtEl>
+                                        <p:attrNameLst>
+                                          <p:attrName>ppt_x</p:attrName>
+                                        </p:attrNameLst>
+                                      </p:cBhvr>
+                                      <p:tavLst>
+                                        <p:tav tm="0">
+                                          <p:val>
+                                            <p:strVal val="1+#ppt_w/2"/>
+                                          </p:val>
+                                        </p:tav>
+                                        <p:tav tm="100000">
+                                          <p:val>
+                                            <p:strVal val="#ppt_x"/>
+                                          </p:val>
+                                        </p:tav>
+                                      </p:tavLst>
+                                    </p:anim>
+                                    <p:anim calcmode="lin" valueType="num">
+                                      <p:cBhvr additive="base">
+                                        <p:cTn id="76" dur="500" fill="hold"/>
+                                        <p:tgtEl>
+                                          <p:spTgt spid="30"/>
+                                        </p:tgtEl>
+                                        <p:attrNameLst>
+                                          <p:attrName>ppt_y</p:attrName>
+                                        </p:attrNameLst>
+                                      </p:cBhvr>
+                                      <p:tavLst>
+                                        <p:tav tm="0">
+                                          <p:val>
+                                            <p:strVal val="#ppt_y"/>
+                                          </p:val>
+                                        </p:tav>
+                                        <p:tav tm="100000">
+                                          <p:val>
+                                            <p:strVal val="#ppt_y"/>
+                                          </p:val>
+                                        </p:tav>
+                                      </p:tavLst>
+                                    </p:anim>
+                                  </p:childTnLst>
+                                </p:cTn>
+                              </p:par>
+                              <p:par>
+                                <p:cTn id="77" presetID="2" presetClass="entr" presetSubtype="2" fill="hold" grpId="0" nodeType="withEffect">
+                                  <p:stCondLst>
+                                    <p:cond delay="0"/>
+                                  </p:stCondLst>
+                                  <p:childTnLst>
+                                    <p:set>
+                                      <p:cBhvr>
+                                        <p:cTn id="78" dur="1" fill="hold">
+                                          <p:stCondLst>
+                                            <p:cond delay="0"/>
+                                          </p:stCondLst>
+                                        </p:cTn>
+                                        <p:tgtEl>
+                                          <p:spTgt spid="33"/>
+                                        </p:tgtEl>
+                                        <p:attrNameLst>
+                                          <p:attrName>style.visibility</p:attrName>
+                                        </p:attrNameLst>
+                                      </p:cBhvr>
+                                      <p:to>
+                                        <p:strVal val="visible"/>
+                                      </p:to>
+                                    </p:set>
+                                    <p:anim calcmode="lin" valueType="num">
+                                      <p:cBhvr additive="base">
+                                        <p:cTn id="79" dur="500" fill="hold"/>
+                                        <p:tgtEl>
+                                          <p:spTgt spid="33"/>
+                                        </p:tgtEl>
+                                        <p:attrNameLst>
+                                          <p:attrName>ppt_x</p:attrName>
+                                        </p:attrNameLst>
+                                      </p:cBhvr>
+                                      <p:tavLst>
+                                        <p:tav tm="0">
+                                          <p:val>
+                                            <p:strVal val="1+#ppt_w/2"/>
+                                          </p:val>
+                                        </p:tav>
+                                        <p:tav tm="100000">
+                                          <p:val>
+                                            <p:strVal val="#ppt_x"/>
+                                          </p:val>
+                                        </p:tav>
+                                      </p:tavLst>
+                                    </p:anim>
+                                    <p:anim calcmode="lin" valueType="num">
+                                      <p:cBhvr additive="base">
+                                        <p:cTn id="80" dur="500" fill="hold"/>
+                                        <p:tgtEl>
+                                          <p:spTgt spid="33"/>
+                                        </p:tgtEl>
+                                        <p:attrNameLst>
+                                          <p:attrName>ppt_y</p:attrName>
+                                        </p:attrNameLst>
+                                      </p:cBhvr>
+                                      <p:tavLst>
+                                        <p:tav tm="0">
+                                          <p:val>
+                                            <p:strVal val="#ppt_y"/>
+                                          </p:val>
+                                        </p:tav>
+                                        <p:tav tm="100000">
+                                          <p:val>
+                                            <p:strVal val="#ppt_y"/>
+                                          </p:val>
+                                        </p:tav>
+                                      </p:tavLst>
+                                    </p:anim>
+                                  </p:childTnLst>
+                                </p:cTn>
+                              </p:par>
+                            </p:childTnLst>
+                          </p:cTn>
+                        </p:par>
+                      </p:childTnLst>
+                    </p:cTn>
+                  </p:par>
+                  <p:par>
+                    <p:cTn id="81" fill="hold">
+                      <p:stCondLst>
+                        <p:cond delay="indefinite"/>
+                      </p:stCondLst>
+                      <p:childTnLst>
+                        <p:par>
+                          <p:cTn id="82" fill="hold">
+                            <p:stCondLst>
+                              <p:cond delay="0"/>
+                            </p:stCondLst>
+                            <p:childTnLst>
+                              <p:par>
+                                <p:cTn id="83" presetID="1" presetClass="entr" presetSubtype="0" fill="hold" grpId="0" nodeType="clickEffect">
+                                  <p:stCondLst>
+                                    <p:cond delay="0"/>
+                                  </p:stCondLst>
+                                  <p:childTnLst>
+                                    <p:set>
+                                      <p:cBhvr>
+                                        <p:cTn id="84" dur="1" fill="hold">
+                                          <p:stCondLst>
+                                            <p:cond delay="0"/>
+                                          </p:stCondLst>
+                                        </p:cTn>
+                                        <p:tgtEl>
+                                          <p:spTgt spid="34"/>
+                                        </p:tgtEl>
+                                        <p:attrNameLst>
+                                          <p:attrName>style.visibility</p:attrName>
+                                        </p:attrNameLst>
+                                      </p:cBhvr>
+                                      <p:to>
+                                        <p:strVal val="visible"/>
+                                      </p:to>
+                                    </p:set>
+                                  </p:childTnLst>
+                                </p:cTn>
+                              </p:par>
+                              <p:par>
+                                <p:cTn id="85" presetID="1" presetClass="entr" presetSubtype="0" fill="hold" grpId="0" nodeType="withEffect">
+                                  <p:stCondLst>
+                                    <p:cond delay="0"/>
+                                  </p:stCondLst>
+                                  <p:childTnLst>
+                                    <p:set>
+                                      <p:cBhvr>
+                                        <p:cTn id="86" dur="1" fill="hold">
+                                          <p:stCondLst>
+                                            <p:cond delay="0"/>
+                                          </p:stCondLst>
+                                        </p:cTn>
+                                        <p:tgtEl>
+                                          <p:spTgt spid="35"/>
+                                        </p:tgtEl>
+                                        <p:attrNameLst>
+                                          <p:attrName>style.visibility</p:attrName>
+                                        </p:attrNameLst>
+                                      </p:cBhvr>
+                                      <p:to>
+                                        <p:strVal val="visible"/>
+                                      </p:to>
+                                    </p:set>
+                                  </p:childTnLst>
+                                </p:cTn>
+                              </p:par>
+                              <p:par>
+                                <p:cTn id="87" presetID="1" presetClass="entr" presetSubtype="0" fill="hold" grpId="0" nodeType="withEffect">
+                                  <p:stCondLst>
+                                    <p:cond delay="0"/>
+                                  </p:stCondLst>
+                                  <p:childTnLst>
+                                    <p:set>
+                                      <p:cBhvr>
+                                        <p:cTn id="88" dur="1" fill="hold">
+                                          <p:stCondLst>
+                                            <p:cond delay="0"/>
+                                          </p:stCondLst>
+                                        </p:cTn>
+                                        <p:tgtEl>
+                                          <p:spTgt spid="36"/>
+                                        </p:tgtEl>
+                                        <p:attrNameLst>
+                                          <p:attrName>style.visibility</p:attrName>
+                                        </p:attrNameLst>
+                                      </p:cBhvr>
+                                      <p:to>
+                                        <p:strVal val="visible"/>
+                                      </p:to>
+                                    </p:set>
+                                  </p:childTnLst>
+                                </p:cTn>
+                              </p:par>
+                            </p:childTnLst>
+                          </p:cTn>
+                        </p:par>
+                      </p:childTnLst>
+                    </p:cTn>
+                  </p:par>
+                  <p:par>
+                    <p:cTn id="89" fill="hold">
+                      <p:stCondLst>
+                        <p:cond delay="indefinite"/>
+                      </p:stCondLst>
+                      <p:childTnLst>
+                        <p:par>
+                          <p:cTn id="90" fill="hold">
+                            <p:stCondLst>
+                              <p:cond delay="0"/>
+                            </p:stCondLst>
+                            <p:childTnLst>
+                              <p:par>
+                                <p:cTn id="91" presetID="2" presetClass="entr" presetSubtype="8" fill="hold" grpId="0" nodeType="clickEffect">
+                                  <p:stCondLst>
+                                    <p:cond delay="0"/>
+                                  </p:stCondLst>
+                                  <p:childTnLst>
+                                    <p:set>
+                                      <p:cBhvr>
+                                        <p:cTn id="92" dur="1" fill="hold">
+                                          <p:stCondLst>
+                                            <p:cond delay="0"/>
+                                          </p:stCondLst>
+                                        </p:cTn>
+                                        <p:tgtEl>
+                                          <p:spTgt spid="37"/>
+                                        </p:tgtEl>
+                                        <p:attrNameLst>
+                                          <p:attrName>style.visibility</p:attrName>
+                                        </p:attrNameLst>
+                                      </p:cBhvr>
+                                      <p:to>
+                                        <p:strVal val="visible"/>
+                                      </p:to>
+                                    </p:set>
+                                    <p:anim calcmode="lin" valueType="num">
+                                      <p:cBhvr additive="base">
+                                        <p:cTn id="93" dur="500" fill="hold"/>
+                                        <p:tgtEl>
+                                          <p:spTgt spid="37"/>
+                                        </p:tgtEl>
+                                        <p:attrNameLst>
+                                          <p:attrName>ppt_x</p:attrName>
+                                        </p:attrNameLst>
+                                      </p:cBhvr>
+                                      <p:tavLst>
+                                        <p:tav tm="0">
+                                          <p:val>
+                                            <p:strVal val="0-#ppt_w/2"/>
+                                          </p:val>
+                                        </p:tav>
+                                        <p:tav tm="100000">
+                                          <p:val>
+                                            <p:strVal val="#ppt_x"/>
+                                          </p:val>
+                                        </p:tav>
+                                      </p:tavLst>
+                                    </p:anim>
+                                    <p:anim calcmode="lin" valueType="num">
+                                      <p:cBhvr additive="base">
+                                        <p:cTn id="94" dur="500" fill="hold"/>
+                                        <p:tgtEl>
+                                          <p:spTgt spid="37"/>
+                                        </p:tgtEl>
+                                        <p:attrNameLst>
+                                          <p:attrName>ppt_y</p:attrName>
+                                        </p:attrNameLst>
+                                      </p:cBhvr>
+                                      <p:tavLst>
+                                        <p:tav tm="0">
+                                          <p:val>
+                                            <p:strVal val="#ppt_y"/>
+                                          </p:val>
+                                        </p:tav>
+                                        <p:tav tm="100000">
+                                          <p:val>
+                                            <p:strVal val="#ppt_y"/>
+                                          </p:val>
+                                        </p:tav>
+                                      </p:tavLst>
+                                    </p:anim>
+                                  </p:childTnLst>
+                                </p:cTn>
+                              </p:par>
+                              <p:par>
+                                <p:cTn id="95" presetID="2" presetClass="entr" presetSubtype="8" fill="hold" grpId="0" nodeType="withEffect">
+                                  <p:stCondLst>
+                                    <p:cond delay="0"/>
+                                  </p:stCondLst>
+                                  <p:childTnLst>
+                                    <p:set>
+                                      <p:cBhvr>
+                                        <p:cTn id="96" dur="1" fill="hold">
+                                          <p:stCondLst>
+                                            <p:cond delay="0"/>
+                                          </p:stCondLst>
+                                        </p:cTn>
+                                        <p:tgtEl>
+                                          <p:spTgt spid="38"/>
+                                        </p:tgtEl>
+                                        <p:attrNameLst>
+                                          <p:attrName>style.visibility</p:attrName>
+                                        </p:attrNameLst>
+                                      </p:cBhvr>
+                                      <p:to>
+                                        <p:strVal val="visible"/>
+                                      </p:to>
+                                    </p:set>
+                                    <p:anim calcmode="lin" valueType="num">
+                                      <p:cBhvr additive="base">
+                                        <p:cTn id="97" dur="500" fill="hold"/>
+                                        <p:tgtEl>
+                                          <p:spTgt spid="38"/>
+                                        </p:tgtEl>
+                                        <p:attrNameLst>
+                                          <p:attrName>ppt_x</p:attrName>
+                                        </p:attrNameLst>
+                                      </p:cBhvr>
+                                      <p:tavLst>
+                                        <p:tav tm="0">
+                                          <p:val>
+                                            <p:strVal val="0-#ppt_w/2"/>
+                                          </p:val>
+                                        </p:tav>
+                                        <p:tav tm="100000">
+                                          <p:val>
+                                            <p:strVal val="#ppt_x"/>
+                                          </p:val>
+                                        </p:tav>
+                                      </p:tavLst>
+                                    </p:anim>
+                                    <p:anim calcmode="lin" valueType="num">
+                                      <p:cBhvr additive="base">
+                                        <p:cTn id="98" dur="500" fill="hold"/>
+                                        <p:tgtEl>
+                                          <p:spTgt spid="38"/>
+                                        </p:tgtEl>
+                                        <p:attrNameLst>
+                                          <p:attrName>ppt_y</p:attrName>
+                                        </p:attrNameLst>
+                                      </p:cBhvr>
+                                      <p:tavLst>
+                                        <p:tav tm="0">
+                                          <p:val>
+                                            <p:strVal val="#ppt_y"/>
+                                          </p:val>
+                                        </p:tav>
+                                        <p:tav tm="100000">
+                                          <p:val>
+                                            <p:strVal val="#ppt_y"/>
+                                          </p:val>
+                                        </p:tav>
+                                      </p:tavLst>
+                                    </p:anim>
+                                  </p:childTnLst>
+                                </p:cTn>
+                              </p:par>
+                            </p:childTnLst>
+                          </p:cTn>
+                        </p:par>
+                      </p:childTnLst>
+                    </p:cTn>
+                  </p:par>
+                </p:childTnLst>
+              </p:cTn>
+              <p:prevCondLst>
+                <p:cond evt="onPrev" delay="0">
+                  <p:tgtEl>
+                    <p:sldTgt/>
+                  </p:tgtEl>
+                </p:cond>
+              </p:prevCondLst>
+              <p:nextCondLst>
+                <p:cond evt="onNext" delay="0">
+                  <p:tgtEl>
+                    <p:sldTgt/>
+                  </p:tgtEl>
+                </p:cond>
+              </p:nextCondLst>
+            </p:seq>
+          </p:childTnLst>
+        </p:cTn>
+      </p:par>
+    </p:tnLst>
+    <p:bldLst>
+      <p:bldP spid="17" grpId="0"/>
+      <p:bldP spid="18" grpId="0"/>
+      <p:bldP spid="19" grpId="0"/>
+      <p:bldP spid="20" grpId="0"/>
+      <p:bldP spid="21" grpId="0" animBg="1"/>
+      <p:bldP spid="22" grpId="0"/>
+      <p:bldP spid="23" grpId="0"/>
+      <p:bldP spid="24" grpId="0" animBg="1"/>
+      <p:bldP spid="25" grpId="0"/>
+      <p:bldP spid="26" grpId="0"/>
+      <p:bldP spid="27" grpId="0"/>
+      <p:bldP spid="29" grpId="0"/>
+      <p:bldP spid="30" grpId="0"/>
+      <p:bldP spid="32" grpId="0" animBg="1"/>
+      <p:bldP spid="33" grpId="0" animBg="1"/>
+      <p:bldP spid="34" grpId="0" animBg="1"/>
+      <p:bldP spid="35" grpId="0" animBg="1"/>
+      <p:bldP spid="36" grpId="0" animBg="1"/>
+      <p:bldP spid="37" grpId="0" animBg="1"/>
+      <p:bldP spid="38" grpId="0" animBg="1"/>
+    </p:bldLst>
+  </p:timing>
+</p:sld>
+</file>
+
+<file path=ppt/slides/slide5.xml><?xml version="1.0" encoding="utf-8"?>
+<p:sld xmlns:a="http://schemas.openxmlformats.org/drawingml/2006/main" xmlns:r="http://schemas.openxmlformats.org/officeDocument/2006/relationships" xmlns:p="http://schemas.openxmlformats.org/presentationml/2006/main">
+  <p:cSld>
+    <p:spTree>
+      <p:nvGrpSpPr>
+        <p:cNvPr id="1" name=""/>
+        <p:cNvGrpSpPr/>
+        <p:nvPr/>
+      </p:nvGrpSpPr>
+      <p:grpSpPr>
+        <a:xfrm>
+          <a:off x="0" y="0"/>
+          <a:ext cx="0" cy="0"/>
+          <a:chOff x="0" y="0"/>
+          <a:chExt cx="0" cy="0"/>
+        </a:xfrm>
+      </p:grpSpPr>
+      <p:pic>
+        <p:nvPicPr>
+          <p:cNvPr id="5" name="圖片 4">
+            <a:extLst>
+              <a:ext uri="{FF2B5EF4-FFF2-40B4-BE49-F238E27FC236}">
+                <a16:creationId xmlns:a16="http://schemas.microsoft.com/office/drawing/2014/main" id="{8686C753-7970-A426-0663-45A8CE693CC7}"/>
+              </a:ext>
+            </a:extLst>
+          </p:cNvPr>
+          <p:cNvPicPr>
+            <a:picLocks noChangeAspect="1"/>
+          </p:cNvPicPr>
+          <p:nvPr/>
+        </p:nvPicPr>
+        <p:blipFill>
+          <a:blip r:embed="rId2"/>
+          <a:stretch>
+            <a:fillRect/>
+          </a:stretch>
+        </p:blipFill>
+        <p:spPr>
+          <a:xfrm>
+            <a:off x="1415912" y="971550"/>
+            <a:ext cx="3404291" cy="4238625"/>
+          </a:xfrm>
+          <a:prstGeom prst="rect">
+            <a:avLst/>
+          </a:prstGeom>
+          <a:ln w="57150">
+            <a:solidFill>
+              <a:schemeClr val="accent5">
+                <a:lumMod val="60000"/>
+                <a:lumOff val="40000"/>
+              </a:schemeClr>
+            </a:solidFill>
+          </a:ln>
+        </p:spPr>
+      </p:pic>
+      <p:sp>
+        <p:nvSpPr>
+          <p:cNvPr id="6" name="文字方塊 5">
+            <a:extLst>
+              <a:ext uri="{FF2B5EF4-FFF2-40B4-BE49-F238E27FC236}">
+                <a16:creationId xmlns:a16="http://schemas.microsoft.com/office/drawing/2014/main" id="{6EDC63F0-7E96-C833-AEB7-B0A5FCD23F32}"/>
+              </a:ext>
+            </a:extLst>
+          </p:cNvPr>
+          <p:cNvSpPr txBox="1"/>
+          <p:nvPr/>
+        </p:nvSpPr>
+        <p:spPr>
+          <a:xfrm>
+            <a:off x="1920623" y="273347"/>
+            <a:ext cx="2394867" cy="584775"/>
+          </a:xfrm>
+          <a:prstGeom prst="rect">
+            <a:avLst/>
+          </a:prstGeom>
+          <a:noFill/>
+        </p:spPr>
+        <p:txBody>
+          <a:bodyPr wrap="square" rtlCol="0">
+            <a:spAutoFit/>
+          </a:bodyPr>
+          <a:lstStyle/>
+          <a:p>
+            <a:pPr algn="ctr"/>
+            <a:r>
+              <a:rPr lang="en-US" altLang="zh-TW" sz="3200" dirty="0">
+                <a:solidFill>
+                  <a:schemeClr val="accent5">
+                    <a:lumMod val="60000"/>
+                    <a:lumOff val="40000"/>
+                  </a:schemeClr>
+                </a:solidFill>
+              </a:rPr>
+              <a:t>Flask server</a:t>
+            </a:r>
+            <a:endParaRPr lang="zh-TW" altLang="en-US" sz="3200" dirty="0">
+              <a:solidFill>
+                <a:schemeClr val="accent5">
+                  <a:lumMod val="60000"/>
+                  <a:lumOff val="40000"/>
+                </a:schemeClr>
+              </a:solidFill>
+            </a:endParaRPr>
+          </a:p>
+        </p:txBody>
+      </p:sp>
+      <p:sp>
+        <p:nvSpPr>
+          <p:cNvPr id="7" name="箭號: 向右 6">
+            <a:extLst>
+              <a:ext uri="{FF2B5EF4-FFF2-40B4-BE49-F238E27FC236}">
+                <a16:creationId xmlns:a16="http://schemas.microsoft.com/office/drawing/2014/main" id="{71154111-BEA0-87DC-9C0B-9B7187F54F3C}"/>
+              </a:ext>
+            </a:extLst>
+          </p:cNvPr>
+          <p:cNvSpPr/>
+          <p:nvPr/>
+        </p:nvSpPr>
+        <p:spPr>
+          <a:xfrm>
+            <a:off x="-326572" y="1457828"/>
+            <a:ext cx="2036398" cy="379993"/>
+          </a:xfrm>
+          <a:prstGeom prst="rightArrow">
+            <a:avLst>
+              <a:gd name="adj1" fmla="val 50000"/>
+              <a:gd name="adj2" fmla="val 165305"/>
+            </a:avLst>
+          </a:prstGeom>
+          <a:solidFill>
+            <a:srgbClr val="00B0F0"/>
+          </a:solidFill>
+        </p:spPr>
+        <p:style>
+          <a:lnRef idx="2">
+            <a:schemeClr val="accent1">
+              <a:shade val="15000"/>
+            </a:schemeClr>
+          </a:lnRef>
+          <a:fillRef idx="1">
+            <a:schemeClr val="accent1"/>
+          </a:fillRef>
+          <a:effectRef idx="0">
+            <a:schemeClr val="accent1"/>
+          </a:effectRef>
+          <a:fontRef idx="minor">
+            <a:schemeClr val="lt1"/>
+          </a:fontRef>
+        </p:style>
+        <p:txBody>
+          <a:bodyPr rtlCol="0" anchor="ctr"/>
+          <a:lstStyle/>
+          <a:p>
+            <a:pPr algn="ctr"/>
+            <a:endParaRPr lang="zh-TW" altLang="en-US"/>
+          </a:p>
+        </p:txBody>
+      </p:sp>
+      <p:sp>
+        <p:nvSpPr>
+          <p:cNvPr id="8" name="文字方塊 7">
+            <a:extLst>
+              <a:ext uri="{FF2B5EF4-FFF2-40B4-BE49-F238E27FC236}">
+                <a16:creationId xmlns:a16="http://schemas.microsoft.com/office/drawing/2014/main" id="{E3BB1DB0-827B-1704-FD4E-715EFB20C3CB}"/>
+              </a:ext>
+            </a:extLst>
+          </p:cNvPr>
+          <p:cNvSpPr txBox="1"/>
+          <p:nvPr/>
+        </p:nvSpPr>
+        <p:spPr>
+          <a:xfrm>
+            <a:off x="75426" y="971550"/>
+            <a:ext cx="1232402" cy="461665"/>
+          </a:xfrm>
+          <a:prstGeom prst="rect">
+            <a:avLst/>
+          </a:prstGeom>
+          <a:solidFill>
+            <a:schemeClr val="tx2">
+              <a:lumMod val="10000"/>
+              <a:lumOff val="90000"/>
+            </a:schemeClr>
+          </a:solidFill>
+          <a:ln>
+            <a:noFill/>
+          </a:ln>
+        </p:spPr>
+        <p:txBody>
+          <a:bodyPr wrap="square" rtlCol="0">
+            <a:spAutoFit/>
+          </a:bodyPr>
+          <a:lstStyle/>
+          <a:p>
+            <a:pPr algn="ctr"/>
+            <a:r>
+              <a:rPr lang="en-US" altLang="zh-TW" sz="2400" dirty="0">
+                <a:solidFill>
+                  <a:srgbClr val="00B0F0"/>
+                </a:solidFill>
+                <a:latin typeface="微軟正黑體" panose="020B0604030504040204" pitchFamily="34" charset="-120"/>
+                <a:ea typeface="微軟正黑體" panose="020B0604030504040204" pitchFamily="34" charset="-120"/>
+              </a:rPr>
+              <a:t>Post</a:t>
+            </a:r>
+            <a:endParaRPr lang="zh-TW" altLang="en-US" sz="2400" dirty="0">
+              <a:solidFill>
+                <a:srgbClr val="00B0F0"/>
+              </a:solidFill>
+              <a:latin typeface="微軟正黑體" panose="020B0604030504040204" pitchFamily="34" charset="-120"/>
+              <a:ea typeface="微軟正黑體" panose="020B0604030504040204" pitchFamily="34" charset="-120"/>
+            </a:endParaRPr>
+          </a:p>
+        </p:txBody>
+      </p:sp>
+      <p:sp>
+        <p:nvSpPr>
+          <p:cNvPr id="9" name="流程圖: 整理 8">
+            <a:extLst>
+              <a:ext uri="{FF2B5EF4-FFF2-40B4-BE49-F238E27FC236}">
+                <a16:creationId xmlns:a16="http://schemas.microsoft.com/office/drawing/2014/main" id="{59706B49-9B7F-EA81-A7B0-EC01353EFA6F}"/>
+              </a:ext>
+            </a:extLst>
+          </p:cNvPr>
+          <p:cNvSpPr/>
+          <p:nvPr/>
+        </p:nvSpPr>
+        <p:spPr>
+          <a:xfrm>
+            <a:off x="5328557" y="955176"/>
+            <a:ext cx="767443" cy="956078"/>
+          </a:xfrm>
+          <a:prstGeom prst="flowChartCollate">
+            <a:avLst/>
+          </a:prstGeom>
+          <a:solidFill>
+            <a:schemeClr val="accent5">
+              <a:lumMod val="60000"/>
+              <a:lumOff val="40000"/>
+            </a:schemeClr>
+          </a:solidFill>
+        </p:spPr>
+        <p:style>
+          <a:lnRef idx="2">
+            <a:schemeClr val="accent1">
+              <a:shade val="15000"/>
+            </a:schemeClr>
+          </a:lnRef>
+          <a:fillRef idx="1">
+            <a:schemeClr val="accent1"/>
+          </a:fillRef>
+          <a:effectRef idx="0">
+            <a:schemeClr val="accent1"/>
+          </a:effectRef>
+          <a:fontRef idx="minor">
+            <a:schemeClr val="lt1"/>
+          </a:fontRef>
+        </p:style>
+        <p:txBody>
+          <a:bodyPr rtlCol="0" anchor="ctr"/>
+          <a:lstStyle/>
+          <a:p>
+            <a:pPr algn="ctr"/>
+            <a:endParaRPr lang="zh-TW" altLang="en-US">
+              <a:solidFill>
+                <a:schemeClr val="tx1"/>
+              </a:solidFill>
+            </a:endParaRPr>
+          </a:p>
+        </p:txBody>
+      </p:sp>
+      <p:sp>
+        <p:nvSpPr>
+          <p:cNvPr id="10" name="文字方塊 9">
+            <a:extLst>
+              <a:ext uri="{FF2B5EF4-FFF2-40B4-BE49-F238E27FC236}">
+                <a16:creationId xmlns:a16="http://schemas.microsoft.com/office/drawing/2014/main" id="{33851299-361F-E076-66F7-3A9F52B26F1A}"/>
+              </a:ext>
+            </a:extLst>
+          </p:cNvPr>
+          <p:cNvSpPr txBox="1"/>
+          <p:nvPr/>
+        </p:nvSpPr>
+        <p:spPr>
+          <a:xfrm>
+            <a:off x="2390272" y="5323603"/>
+            <a:ext cx="1455568" cy="830997"/>
+          </a:xfrm>
+          <a:prstGeom prst="rect">
+            <a:avLst/>
+          </a:prstGeom>
+          <a:noFill/>
+        </p:spPr>
+        <p:txBody>
+          <a:bodyPr wrap="square" rtlCol="0">
+            <a:spAutoFit/>
+          </a:bodyPr>
+          <a:lstStyle/>
+          <a:p>
+            <a:pPr algn="ctr"/>
+            <a:r>
+              <a:rPr lang="zh-TW" altLang="en-US" sz="2400" dirty="0">
+                <a:solidFill>
+                  <a:schemeClr val="accent5">
+                    <a:lumMod val="60000"/>
+                    <a:lumOff val="40000"/>
+                  </a:schemeClr>
+                </a:solidFill>
+                <a:latin typeface="微軟正黑體" panose="020B0604030504040204" pitchFamily="34" charset="-120"/>
+                <a:ea typeface="微軟正黑體" panose="020B0604030504040204" pitchFamily="34" charset="-120"/>
+              </a:rPr>
+              <a:t>伺服器</a:t>
+            </a:r>
+            <a:endParaRPr lang="en-US" altLang="zh-TW" sz="2400" dirty="0">
+              <a:solidFill>
+                <a:schemeClr val="accent5">
+                  <a:lumMod val="60000"/>
+                  <a:lumOff val="40000"/>
+                </a:schemeClr>
+              </a:solidFill>
+              <a:latin typeface="微軟正黑體" panose="020B0604030504040204" pitchFamily="34" charset="-120"/>
+              <a:ea typeface="微軟正黑體" panose="020B0604030504040204" pitchFamily="34" charset="-120"/>
+            </a:endParaRPr>
+          </a:p>
+          <a:p>
+            <a:pPr algn="ctr"/>
+            <a:r>
+              <a:rPr lang="en-US" altLang="zh-TW" sz="2400" dirty="0">
+                <a:solidFill>
+                  <a:schemeClr val="bg1">
+                    <a:lumMod val="75000"/>
+                  </a:schemeClr>
+                </a:solidFill>
+                <a:latin typeface="微軟正黑體" panose="020B0604030504040204" pitchFamily="34" charset="-120"/>
+                <a:ea typeface="微軟正黑體" panose="020B0604030504040204" pitchFamily="34" charset="-120"/>
+              </a:rPr>
+              <a:t>(</a:t>
+            </a:r>
+            <a:r>
+              <a:rPr lang="zh-TW" altLang="en-US" sz="2400" dirty="0">
+                <a:solidFill>
+                  <a:schemeClr val="bg1">
+                    <a:lumMod val="75000"/>
+                  </a:schemeClr>
+                </a:solidFill>
+                <a:latin typeface="微軟正黑體" panose="020B0604030504040204" pitchFamily="34" charset="-120"/>
+                <a:ea typeface="微軟正黑體" panose="020B0604030504040204" pitchFamily="34" charset="-120"/>
+              </a:rPr>
+              <a:t>後端</a:t>
+            </a:r>
+            <a:r>
+              <a:rPr lang="en-US" altLang="zh-TW" sz="2400" dirty="0">
+                <a:solidFill>
+                  <a:schemeClr val="bg1">
+                    <a:lumMod val="75000"/>
+                  </a:schemeClr>
+                </a:solidFill>
+                <a:latin typeface="微軟正黑體" panose="020B0604030504040204" pitchFamily="34" charset="-120"/>
+                <a:ea typeface="微軟正黑體" panose="020B0604030504040204" pitchFamily="34" charset="-120"/>
+              </a:rPr>
+              <a:t>)</a:t>
+            </a:r>
+            <a:endParaRPr lang="zh-TW" altLang="en-US" sz="2400" dirty="0">
+              <a:solidFill>
+                <a:schemeClr val="bg1">
+                  <a:lumMod val="75000"/>
+                </a:schemeClr>
+              </a:solidFill>
+              <a:latin typeface="微軟正黑體" panose="020B0604030504040204" pitchFamily="34" charset="-120"/>
+              <a:ea typeface="微軟正黑體" panose="020B0604030504040204" pitchFamily="34" charset="-120"/>
+            </a:endParaRPr>
+          </a:p>
+        </p:txBody>
+      </p:sp>
+      <p:sp>
+        <p:nvSpPr>
+          <p:cNvPr id="11" name="文字方塊 10">
+            <a:extLst>
+              <a:ext uri="{FF2B5EF4-FFF2-40B4-BE49-F238E27FC236}">
+                <a16:creationId xmlns:a16="http://schemas.microsoft.com/office/drawing/2014/main" id="{F185E79A-0AA3-21CF-B3EA-97A8562CB5C5}"/>
+              </a:ext>
+            </a:extLst>
+          </p:cNvPr>
+          <p:cNvSpPr txBox="1"/>
+          <p:nvPr/>
+        </p:nvSpPr>
+        <p:spPr>
+          <a:xfrm>
+            <a:off x="5998029" y="1080257"/>
+            <a:ext cx="3581400" cy="830997"/>
+          </a:xfrm>
+          <a:prstGeom prst="rect">
+            <a:avLst/>
+          </a:prstGeom>
+          <a:noFill/>
+        </p:spPr>
+        <p:txBody>
+          <a:bodyPr wrap="square" rtlCol="0">
+            <a:spAutoFit/>
+          </a:bodyPr>
+          <a:lstStyle/>
+          <a:p>
+            <a:pPr algn="ctr"/>
+            <a:r>
+              <a:rPr lang="en-US" altLang="zh-TW" sz="2400" dirty="0">
+                <a:solidFill>
+                  <a:schemeClr val="accent5">
+                    <a:lumMod val="60000"/>
+                    <a:lumOff val="40000"/>
+                  </a:schemeClr>
+                </a:solidFill>
+                <a:latin typeface="微軟正黑體" panose="020B0604030504040204" pitchFamily="34" charset="-120"/>
+                <a:ea typeface="微軟正黑體" panose="020B0604030504040204" pitchFamily="34" charset="-120"/>
+              </a:rPr>
+              <a:t>Data processing</a:t>
+            </a:r>
+          </a:p>
+          <a:p>
+            <a:pPr algn="ctr"/>
+            <a:r>
+              <a:rPr lang="en-US" altLang="zh-TW" sz="2400" dirty="0">
+                <a:solidFill>
+                  <a:schemeClr val="accent5">
+                    <a:lumMod val="60000"/>
+                    <a:lumOff val="40000"/>
+                  </a:schemeClr>
+                </a:solidFill>
+                <a:latin typeface="微軟正黑體" panose="020B0604030504040204" pitchFamily="34" charset="-120"/>
+                <a:ea typeface="微軟正黑體" panose="020B0604030504040204" pitchFamily="34" charset="-120"/>
+              </a:rPr>
+              <a:t>(</a:t>
+            </a:r>
+            <a:r>
+              <a:rPr lang="zh-TW" altLang="en-US" sz="2400" dirty="0">
+                <a:solidFill>
+                  <a:schemeClr val="accent5">
+                    <a:lumMod val="60000"/>
+                    <a:lumOff val="40000"/>
+                  </a:schemeClr>
+                </a:solidFill>
+                <a:latin typeface="微軟正黑體" panose="020B0604030504040204" pitchFamily="34" charset="-120"/>
+                <a:ea typeface="微軟正黑體" panose="020B0604030504040204" pitchFamily="34" charset="-120"/>
+              </a:rPr>
+              <a:t>資料處理</a:t>
+            </a:r>
+            <a:r>
+              <a:rPr lang="en-US" altLang="zh-TW" sz="2400" dirty="0">
+                <a:solidFill>
+                  <a:schemeClr val="accent5">
+                    <a:lumMod val="60000"/>
+                    <a:lumOff val="40000"/>
+                  </a:schemeClr>
+                </a:solidFill>
+                <a:latin typeface="微軟正黑體" panose="020B0604030504040204" pitchFamily="34" charset="-120"/>
+                <a:ea typeface="微軟正黑體" panose="020B0604030504040204" pitchFamily="34" charset="-120"/>
+              </a:rPr>
+              <a:t>)</a:t>
+            </a:r>
+          </a:p>
+        </p:txBody>
+      </p:sp>
+      <p:sp>
+        <p:nvSpPr>
+          <p:cNvPr id="12" name="文字方塊 11">
+            <a:extLst>
+              <a:ext uri="{FF2B5EF4-FFF2-40B4-BE49-F238E27FC236}">
+                <a16:creationId xmlns:a16="http://schemas.microsoft.com/office/drawing/2014/main" id="{9CDC4FC3-E010-AE1D-FCE6-0B155CDAE5EF}"/>
+              </a:ext>
+            </a:extLst>
+          </p:cNvPr>
+          <p:cNvSpPr txBox="1"/>
+          <p:nvPr/>
+        </p:nvSpPr>
+        <p:spPr>
+          <a:xfrm>
+            <a:off x="5328557" y="2238800"/>
+            <a:ext cx="4370614" cy="461665"/>
+          </a:xfrm>
+          <a:prstGeom prst="rect">
+            <a:avLst/>
+          </a:prstGeom>
+          <a:noFill/>
+        </p:spPr>
+        <p:txBody>
+          <a:bodyPr wrap="square" rtlCol="0">
+            <a:spAutoFit/>
+          </a:bodyPr>
+          <a:lstStyle/>
+          <a:p>
+            <a:r>
+              <a:rPr lang="en-US" altLang="zh-TW" sz="2400" dirty="0">
+                <a:solidFill>
+                  <a:schemeClr val="accent5">
+                    <a:lumMod val="60000"/>
+                    <a:lumOff val="40000"/>
+                  </a:schemeClr>
+                </a:solidFill>
+                <a:latin typeface="微軟正黑體" panose="020B0604030504040204" pitchFamily="34" charset="-120"/>
+                <a:ea typeface="微軟正黑體" panose="020B0604030504040204" pitchFamily="34" charset="-120"/>
+              </a:rPr>
+              <a:t>1. </a:t>
+            </a:r>
+            <a:r>
+              <a:rPr lang="zh-TW" altLang="en-US" sz="2400" dirty="0">
+                <a:solidFill>
+                  <a:schemeClr val="accent5">
+                    <a:lumMod val="60000"/>
+                    <a:lumOff val="40000"/>
+                  </a:schemeClr>
+                </a:solidFill>
+                <a:latin typeface="微軟正黑體" panose="020B0604030504040204" pitchFamily="34" charset="-120"/>
+                <a:ea typeface="微軟正黑體" panose="020B0604030504040204" pitchFamily="34" charset="-120"/>
+              </a:rPr>
+              <a:t>解析使用者</a:t>
+            </a:r>
+            <a:r>
+              <a:rPr lang="en-US" altLang="zh-TW" sz="2400" dirty="0">
+                <a:solidFill>
+                  <a:schemeClr val="accent5">
+                    <a:lumMod val="60000"/>
+                    <a:lumOff val="40000"/>
+                  </a:schemeClr>
+                </a:solidFill>
+                <a:latin typeface="微軟正黑體" panose="020B0604030504040204" pitchFamily="34" charset="-120"/>
+                <a:ea typeface="微軟正黑體" panose="020B0604030504040204" pitchFamily="34" charset="-120"/>
+              </a:rPr>
+              <a:t>post</a:t>
+            </a:r>
+            <a:r>
+              <a:rPr lang="zh-TW" altLang="en-US" sz="2400" dirty="0">
+                <a:solidFill>
+                  <a:schemeClr val="accent5">
+                    <a:lumMod val="60000"/>
+                    <a:lumOff val="40000"/>
+                  </a:schemeClr>
+                </a:solidFill>
+                <a:latin typeface="微軟正黑體" panose="020B0604030504040204" pitchFamily="34" charset="-120"/>
+                <a:ea typeface="微軟正黑體" panose="020B0604030504040204" pitchFamily="34" charset="-120"/>
+              </a:rPr>
+              <a:t>過來的資料</a:t>
+            </a:r>
+            <a:endParaRPr lang="en-US" altLang="zh-TW" sz="2400" dirty="0">
+              <a:solidFill>
+                <a:schemeClr val="accent5">
+                  <a:lumMod val="60000"/>
+                  <a:lumOff val="40000"/>
+                </a:schemeClr>
+              </a:solidFill>
+              <a:latin typeface="微軟正黑體" panose="020B0604030504040204" pitchFamily="34" charset="-120"/>
+              <a:ea typeface="微軟正黑體" panose="020B0604030504040204" pitchFamily="34" charset="-120"/>
+            </a:endParaRPr>
+          </a:p>
+        </p:txBody>
+      </p:sp>
+      <p:sp>
+        <p:nvSpPr>
+          <p:cNvPr id="13" name="文字方塊 12">
+            <a:extLst>
+              <a:ext uri="{FF2B5EF4-FFF2-40B4-BE49-F238E27FC236}">
+                <a16:creationId xmlns:a16="http://schemas.microsoft.com/office/drawing/2014/main" id="{AE7685D0-C0AF-E3DB-4EA8-F64D7871653D}"/>
+              </a:ext>
+            </a:extLst>
+          </p:cNvPr>
+          <p:cNvSpPr txBox="1"/>
+          <p:nvPr/>
+        </p:nvSpPr>
+        <p:spPr>
+          <a:xfrm>
+            <a:off x="5328557" y="2797178"/>
+            <a:ext cx="4370614" cy="461665"/>
+          </a:xfrm>
+          <a:prstGeom prst="rect">
+            <a:avLst/>
+          </a:prstGeom>
+          <a:noFill/>
+        </p:spPr>
+        <p:txBody>
+          <a:bodyPr wrap="square" rtlCol="0">
+            <a:spAutoFit/>
+          </a:bodyPr>
+          <a:lstStyle/>
+          <a:p>
+            <a:r>
+              <a:rPr lang="en-US" altLang="zh-TW" sz="2400" dirty="0">
+                <a:solidFill>
+                  <a:schemeClr val="accent5">
+                    <a:lumMod val="60000"/>
+                    <a:lumOff val="40000"/>
+                  </a:schemeClr>
+                </a:solidFill>
+                <a:latin typeface="微軟正黑體" panose="020B0604030504040204" pitchFamily="34" charset="-120"/>
+                <a:ea typeface="微軟正黑體" panose="020B0604030504040204" pitchFamily="34" charset="-120"/>
+              </a:rPr>
+              <a:t>2. </a:t>
+            </a:r>
+            <a:r>
+              <a:rPr lang="zh-TW" altLang="en-US" sz="2400" dirty="0">
+                <a:solidFill>
+                  <a:schemeClr val="accent5">
+                    <a:lumMod val="60000"/>
+                    <a:lumOff val="40000"/>
+                  </a:schemeClr>
+                </a:solidFill>
+                <a:latin typeface="微軟正黑體" panose="020B0604030504040204" pitchFamily="34" charset="-120"/>
+                <a:ea typeface="微軟正黑體" panose="020B0604030504040204" pitchFamily="34" charset="-120"/>
+              </a:rPr>
+              <a:t>從 </a:t>
+            </a:r>
+            <a:r>
+              <a:rPr lang="en-US" altLang="zh-TW" sz="2400" dirty="0">
+                <a:solidFill>
+                  <a:schemeClr val="accent5">
+                    <a:lumMod val="60000"/>
+                    <a:lumOff val="40000"/>
+                  </a:schemeClr>
+                </a:solidFill>
+                <a:latin typeface="微軟正黑體" panose="020B0604030504040204" pitchFamily="34" charset="-120"/>
+                <a:ea typeface="微軟正黑體" panose="020B0604030504040204" pitchFamily="34" charset="-120"/>
+              </a:rPr>
+              <a:t>session </a:t>
+            </a:r>
+            <a:r>
+              <a:rPr lang="zh-TW" altLang="en-US" sz="2400" dirty="0">
+                <a:solidFill>
+                  <a:schemeClr val="accent5">
+                    <a:lumMod val="60000"/>
+                    <a:lumOff val="40000"/>
+                  </a:schemeClr>
+                </a:solidFill>
+                <a:latin typeface="微軟正黑體" panose="020B0604030504040204" pitchFamily="34" charset="-120"/>
+                <a:ea typeface="微軟正黑體" panose="020B0604030504040204" pitchFamily="34" charset="-120"/>
+              </a:rPr>
+              <a:t>抓 </a:t>
+            </a:r>
+            <a:r>
+              <a:rPr lang="en-US" altLang="zh-TW" sz="2400" dirty="0">
+                <a:solidFill>
+                  <a:schemeClr val="accent5">
+                    <a:lumMod val="60000"/>
+                    <a:lumOff val="40000"/>
+                  </a:schemeClr>
+                </a:solidFill>
+                <a:latin typeface="微軟正黑體" panose="020B0604030504040204" pitchFamily="34" charset="-120"/>
+                <a:ea typeface="微軟正黑體" panose="020B0604030504040204" pitchFamily="34" charset="-120"/>
+              </a:rPr>
+              <a:t>excel </a:t>
+            </a:r>
+            <a:r>
+              <a:rPr lang="zh-TW" altLang="en-US" sz="2400" dirty="0">
+                <a:solidFill>
+                  <a:schemeClr val="accent5">
+                    <a:lumMod val="60000"/>
+                    <a:lumOff val="40000"/>
+                  </a:schemeClr>
+                </a:solidFill>
+                <a:latin typeface="微軟正黑體" panose="020B0604030504040204" pitchFamily="34" charset="-120"/>
+                <a:ea typeface="微軟正黑體" panose="020B0604030504040204" pitchFamily="34" charset="-120"/>
+              </a:rPr>
+              <a:t>資料</a:t>
+            </a:r>
+            <a:endParaRPr lang="en-US" altLang="zh-TW" sz="2400" dirty="0">
+              <a:solidFill>
+                <a:schemeClr val="accent5">
+                  <a:lumMod val="60000"/>
+                  <a:lumOff val="40000"/>
+                </a:schemeClr>
+              </a:solidFill>
+              <a:latin typeface="微軟正黑體" panose="020B0604030504040204" pitchFamily="34" charset="-120"/>
+              <a:ea typeface="微軟正黑體" panose="020B0604030504040204" pitchFamily="34" charset="-120"/>
+            </a:endParaRPr>
+          </a:p>
+        </p:txBody>
+      </p:sp>
+      <p:sp>
+        <p:nvSpPr>
+          <p:cNvPr id="14" name="文字方塊 13">
+            <a:extLst>
+              <a:ext uri="{FF2B5EF4-FFF2-40B4-BE49-F238E27FC236}">
+                <a16:creationId xmlns:a16="http://schemas.microsoft.com/office/drawing/2014/main" id="{C5430415-FAED-3D4C-EF40-36D455BC77AC}"/>
+              </a:ext>
+            </a:extLst>
+          </p:cNvPr>
+          <p:cNvSpPr txBox="1"/>
+          <p:nvPr/>
+        </p:nvSpPr>
+        <p:spPr>
+          <a:xfrm>
+            <a:off x="5328557" y="3355556"/>
+            <a:ext cx="4370614" cy="461665"/>
+          </a:xfrm>
+          <a:prstGeom prst="rect">
+            <a:avLst/>
+          </a:prstGeom>
+          <a:noFill/>
+        </p:spPr>
+        <p:txBody>
+          <a:bodyPr wrap="square" rtlCol="0">
+            <a:spAutoFit/>
+          </a:bodyPr>
+          <a:lstStyle/>
+          <a:p>
+            <a:r>
+              <a:rPr lang="en-US" altLang="zh-TW" sz="2400" dirty="0">
+                <a:solidFill>
+                  <a:schemeClr val="accent5">
+                    <a:lumMod val="60000"/>
+                    <a:lumOff val="40000"/>
+                  </a:schemeClr>
+                </a:solidFill>
+                <a:latin typeface="微軟正黑體" panose="020B0604030504040204" pitchFamily="34" charset="-120"/>
+                <a:ea typeface="微軟正黑體" panose="020B0604030504040204" pitchFamily="34" charset="-120"/>
+              </a:rPr>
+              <a:t>3. </a:t>
+            </a:r>
+            <a:r>
+              <a:rPr lang="en-US" altLang="zh-TW" sz="2400" dirty="0" err="1">
+                <a:solidFill>
+                  <a:schemeClr val="accent5">
+                    <a:lumMod val="60000"/>
+                    <a:lumOff val="40000"/>
+                  </a:schemeClr>
+                </a:solidFill>
+                <a:latin typeface="微軟正黑體" panose="020B0604030504040204" pitchFamily="34" charset="-120"/>
+                <a:ea typeface="微軟正黑體" panose="020B0604030504040204" pitchFamily="34" charset="-120"/>
+              </a:rPr>
+              <a:t>Plotly</a:t>
+            </a:r>
+            <a:r>
+              <a:rPr lang="en-US" altLang="zh-TW" sz="2400" dirty="0">
+                <a:solidFill>
+                  <a:schemeClr val="accent5">
+                    <a:lumMod val="60000"/>
+                    <a:lumOff val="40000"/>
+                  </a:schemeClr>
+                </a:solidFill>
+                <a:latin typeface="微軟正黑體" panose="020B0604030504040204" pitchFamily="34" charset="-120"/>
+                <a:ea typeface="微軟正黑體" panose="020B0604030504040204" pitchFamily="34" charset="-120"/>
+              </a:rPr>
+              <a:t> </a:t>
+            </a:r>
+            <a:r>
+              <a:rPr lang="zh-TW" altLang="en-US" sz="2400" dirty="0">
+                <a:solidFill>
+                  <a:schemeClr val="accent5">
+                    <a:lumMod val="60000"/>
+                    <a:lumOff val="40000"/>
+                  </a:schemeClr>
+                </a:solidFill>
+                <a:latin typeface="微軟正黑體" panose="020B0604030504040204" pitchFamily="34" charset="-120"/>
+                <a:ea typeface="微軟正黑體" panose="020B0604030504040204" pitchFamily="34" charset="-120"/>
+              </a:rPr>
+              <a:t>作圖 </a:t>
+            </a:r>
+            <a:r>
+              <a:rPr lang="en-US" altLang="zh-TW" sz="2400" dirty="0">
+                <a:solidFill>
+                  <a:schemeClr val="accent5">
+                    <a:lumMod val="60000"/>
+                    <a:lumOff val="40000"/>
+                  </a:schemeClr>
+                </a:solidFill>
+                <a:latin typeface="微軟正黑體" panose="020B0604030504040204" pitchFamily="34" charset="-120"/>
+                <a:ea typeface="微軟正黑體" panose="020B0604030504040204" pitchFamily="34" charset="-120"/>
+              </a:rPr>
+              <a:t>(fig</a:t>
+            </a:r>
+            <a:r>
+              <a:rPr lang="zh-TW" altLang="en-US" sz="2400" dirty="0">
+                <a:solidFill>
+                  <a:schemeClr val="accent5">
+                    <a:lumMod val="60000"/>
+                    <a:lumOff val="40000"/>
+                  </a:schemeClr>
+                </a:solidFill>
+                <a:latin typeface="微軟正黑體" panose="020B0604030504040204" pitchFamily="34" charset="-120"/>
+                <a:ea typeface="微軟正黑體" panose="020B0604030504040204" pitchFamily="34" charset="-120"/>
+              </a:rPr>
+              <a:t>物件</a:t>
+            </a:r>
+            <a:r>
+              <a:rPr lang="en-US" altLang="zh-TW" sz="2400" dirty="0">
+                <a:solidFill>
+                  <a:schemeClr val="accent5">
+                    <a:lumMod val="60000"/>
+                    <a:lumOff val="40000"/>
+                  </a:schemeClr>
+                </a:solidFill>
+                <a:latin typeface="微軟正黑體" panose="020B0604030504040204" pitchFamily="34" charset="-120"/>
+                <a:ea typeface="微軟正黑體" panose="020B0604030504040204" pitchFamily="34" charset="-120"/>
+              </a:rPr>
+              <a:t>)</a:t>
+            </a:r>
+          </a:p>
+        </p:txBody>
+      </p:sp>
+      <p:sp>
+        <p:nvSpPr>
+          <p:cNvPr id="15" name="文字方塊 14">
+            <a:extLst>
+              <a:ext uri="{FF2B5EF4-FFF2-40B4-BE49-F238E27FC236}">
+                <a16:creationId xmlns:a16="http://schemas.microsoft.com/office/drawing/2014/main" id="{6B48D3E1-F480-2D6B-B035-1C06A7BE03C4}"/>
+              </a:ext>
+            </a:extLst>
+          </p:cNvPr>
+          <p:cNvSpPr txBox="1"/>
+          <p:nvPr/>
+        </p:nvSpPr>
+        <p:spPr>
+          <a:xfrm>
+            <a:off x="5328556" y="3913934"/>
+            <a:ext cx="4969329" cy="461665"/>
+          </a:xfrm>
+          <a:prstGeom prst="rect">
+            <a:avLst/>
+          </a:prstGeom>
+          <a:noFill/>
+        </p:spPr>
+        <p:txBody>
+          <a:bodyPr wrap="square" rtlCol="0">
+            <a:spAutoFit/>
+          </a:bodyPr>
+          <a:lstStyle/>
+          <a:p>
+            <a:r>
+              <a:rPr lang="en-US" altLang="zh-TW" sz="2400" dirty="0">
+                <a:solidFill>
+                  <a:schemeClr val="accent5">
+                    <a:lumMod val="60000"/>
+                    <a:lumOff val="40000"/>
+                  </a:schemeClr>
+                </a:solidFill>
+                <a:latin typeface="微軟正黑體" panose="020B0604030504040204" pitchFamily="34" charset="-120"/>
+                <a:ea typeface="微軟正黑體" panose="020B0604030504040204" pitchFamily="34" charset="-120"/>
+              </a:rPr>
+              <a:t>4. fig</a:t>
+            </a:r>
+            <a:r>
+              <a:rPr lang="zh-TW" altLang="en-US" sz="2400" dirty="0">
+                <a:solidFill>
+                  <a:schemeClr val="accent5">
+                    <a:lumMod val="60000"/>
+                    <a:lumOff val="40000"/>
+                  </a:schemeClr>
+                </a:solidFill>
+                <a:latin typeface="微軟正黑體" panose="020B0604030504040204" pitchFamily="34" charset="-120"/>
+                <a:ea typeface="微軟正黑體" panose="020B0604030504040204" pitchFamily="34" charset="-120"/>
+              </a:rPr>
+              <a:t>物件 丟回給瀏覽器 </a:t>
+            </a:r>
+            <a:r>
+              <a:rPr lang="en-US" altLang="zh-TW" sz="2400" dirty="0">
+                <a:solidFill>
+                  <a:schemeClr val="accent5">
+                    <a:lumMod val="60000"/>
+                    <a:lumOff val="40000"/>
+                  </a:schemeClr>
+                </a:solidFill>
+                <a:latin typeface="微軟正黑體" panose="020B0604030504040204" pitchFamily="34" charset="-120"/>
+                <a:ea typeface="微軟正黑體" panose="020B0604030504040204" pitchFamily="34" charset="-120"/>
+              </a:rPr>
+              <a:t>(response)</a:t>
+            </a:r>
+          </a:p>
+        </p:txBody>
+      </p:sp>
+      <p:sp>
+        <p:nvSpPr>
+          <p:cNvPr id="16" name="箭號: 彎曲 15">
+            <a:extLst>
+              <a:ext uri="{FF2B5EF4-FFF2-40B4-BE49-F238E27FC236}">
+                <a16:creationId xmlns:a16="http://schemas.microsoft.com/office/drawing/2014/main" id="{552A5F14-D85D-CA4D-06FD-C6B98DA5AEF1}"/>
+              </a:ext>
+            </a:extLst>
+          </p:cNvPr>
+          <p:cNvSpPr/>
+          <p:nvPr/>
+        </p:nvSpPr>
+        <p:spPr>
+          <a:xfrm rot="10800000">
+            <a:off x="195272" y="5474285"/>
+            <a:ext cx="7511813" cy="1139918"/>
+          </a:xfrm>
+          <a:prstGeom prst="bentArrow">
+            <a:avLst>
+              <a:gd name="adj1" fmla="val 23090"/>
+              <a:gd name="adj2" fmla="val 21824"/>
+              <a:gd name="adj3" fmla="val 50000"/>
+              <a:gd name="adj4" fmla="val 43750"/>
+            </a:avLst>
+          </a:prstGeom>
+          <a:solidFill>
+            <a:srgbClr val="00B0F0"/>
+          </a:solidFill>
+        </p:spPr>
+        <p:style>
+          <a:lnRef idx="2">
+            <a:schemeClr val="accent1">
+              <a:shade val="15000"/>
+            </a:schemeClr>
+          </a:lnRef>
+          <a:fillRef idx="1">
+            <a:schemeClr val="accent1"/>
+          </a:fillRef>
+          <a:effectRef idx="0">
+            <a:schemeClr val="accent1"/>
+          </a:effectRef>
+          <a:fontRef idx="minor">
+            <a:schemeClr val="lt1"/>
+          </a:fontRef>
+        </p:style>
+        <p:txBody>
+          <a:bodyPr rtlCol="0" anchor="ctr"/>
+          <a:lstStyle/>
+          <a:p>
+            <a:pPr algn="ctr"/>
+            <a:endParaRPr lang="zh-TW" altLang="en-US">
+              <a:solidFill>
+                <a:schemeClr val="tx1"/>
+              </a:solidFill>
+            </a:endParaRPr>
+          </a:p>
+        </p:txBody>
+      </p:sp>
+      <p:sp>
+        <p:nvSpPr>
+          <p:cNvPr id="17" name="文字方塊 16">
+            <a:extLst>
+              <a:ext uri="{FF2B5EF4-FFF2-40B4-BE49-F238E27FC236}">
+                <a16:creationId xmlns:a16="http://schemas.microsoft.com/office/drawing/2014/main" id="{64265B13-E4FA-91A8-3710-0E13EC83A507}"/>
+              </a:ext>
+            </a:extLst>
+          </p:cNvPr>
+          <p:cNvSpPr txBox="1"/>
+          <p:nvPr/>
+        </p:nvSpPr>
+        <p:spPr>
+          <a:xfrm>
+            <a:off x="6632121" y="4880565"/>
+            <a:ext cx="1763486" cy="461665"/>
+          </a:xfrm>
+          <a:prstGeom prst="rect">
+            <a:avLst/>
+          </a:prstGeom>
+          <a:solidFill>
+            <a:schemeClr val="tx2">
+              <a:lumMod val="10000"/>
+              <a:lumOff val="90000"/>
+            </a:schemeClr>
+          </a:solidFill>
+          <a:ln>
+            <a:noFill/>
+          </a:ln>
+        </p:spPr>
+        <p:txBody>
+          <a:bodyPr wrap="square" rtlCol="0">
+            <a:spAutoFit/>
+          </a:bodyPr>
+          <a:lstStyle/>
+          <a:p>
+            <a:pPr algn="ctr"/>
+            <a:r>
+              <a:rPr lang="en-US" altLang="zh-TW" sz="2400" dirty="0">
+                <a:solidFill>
+                  <a:srgbClr val="00B0F0"/>
+                </a:solidFill>
+                <a:latin typeface="微軟正黑體" panose="020B0604030504040204" pitchFamily="34" charset="-120"/>
+                <a:ea typeface="微軟正黑體" panose="020B0604030504040204" pitchFamily="34" charset="-120"/>
+              </a:rPr>
+              <a:t>response</a:t>
+            </a:r>
+            <a:endParaRPr lang="zh-TW" altLang="en-US" sz="2400" dirty="0">
+              <a:solidFill>
+                <a:srgbClr val="00B0F0"/>
+              </a:solidFill>
+              <a:latin typeface="微軟正黑體" panose="020B0604030504040204" pitchFamily="34" charset="-120"/>
+              <a:ea typeface="微軟正黑體" panose="020B0604030504040204" pitchFamily="34" charset="-120"/>
+            </a:endParaRPr>
+          </a:p>
+        </p:txBody>
+      </p:sp>
+    </p:spTree>
+    <p:extLst>
+      <p:ext uri="{BB962C8B-B14F-4D97-AF65-F5344CB8AC3E}">
+        <p14:creationId xmlns:p14="http://schemas.microsoft.com/office/powerpoint/2010/main" val="3166505038"/>
+      </p:ext>
+    </p:extLst>
+  </p:cSld>
+  <p:clrMapOvr>
+    <a:masterClrMapping/>
+  </p:clrMapOvr>
+  <p:transition spd="med">
+    <p:pull dir="r"/>
+  </p:transition>
+  <p:timing>
+    <p:tnLst>
+      <p:par>
+        <p:cTn id="1" dur="indefinite" restart="never" nodeType="tmRoot">
+          <p:childTnLst>
+            <p:seq concurrent="1" nextAc="seek">
+              <p:cTn id="2" dur="indefinite" nodeType="mainSeq">
+                <p:childTnLst>
+                  <p:par>
+                    <p:cTn id="3" fill="hold">
+                      <p:stCondLst>
+                        <p:cond delay="indefinite"/>
+                      </p:stCondLst>
+                      <p:childTnLst>
+                        <p:par>
+                          <p:cTn id="4" fill="hold">
+                            <p:stCondLst>
+                              <p:cond delay="0"/>
+                            </p:stCondLst>
+                            <p:childTnLst>
+                              <p:par>
+                                <p:cTn id="5" presetID="2" presetClass="entr" presetSubtype="4" fill="hold" grpId="0" nodeType="clickEffect">
+                                  <p:stCondLst>
+                                    <p:cond delay="0"/>
+                                  </p:stCondLst>
+                                  <p:childTnLst>
+                                    <p:set>
+                                      <p:cBhvr>
+                                        <p:cTn id="6" dur="1" fill="hold">
+                                          <p:stCondLst>
+                                            <p:cond delay="0"/>
+                                          </p:stCondLst>
+                                        </p:cTn>
+                                        <p:tgtEl>
+                                          <p:spTgt spid="9"/>
+                                        </p:tgtEl>
+                                        <p:attrNameLst>
+                                          <p:attrName>style.visibility</p:attrName>
+                                        </p:attrNameLst>
+                                      </p:cBhvr>
+                                      <p:to>
+                                        <p:strVal val="visible"/>
+                                      </p:to>
+                                    </p:set>
+                                    <p:anim calcmode="lin" valueType="num">
+                                      <p:cBhvr additive="base">
+                                        <p:cTn id="7" dur="500" fill="hold"/>
+                                        <p:tgtEl>
+                                          <p:spTgt spid="9"/>
+                                        </p:tgtEl>
+                                        <p:attrNameLst>
+                                          <p:attrName>ppt_x</p:attrName>
+                                        </p:attrNameLst>
+                                      </p:cBhvr>
+                                      <p:tavLst>
+                                        <p:tav tm="0">
+                                          <p:val>
+                                            <p:strVal val="#ppt_x"/>
+                                          </p:val>
+                                        </p:tav>
+                                        <p:tav tm="100000">
+                                          <p:val>
+                                            <p:strVal val="#ppt_x"/>
+                                          </p:val>
+                                        </p:tav>
+                                      </p:tavLst>
+                                    </p:anim>
+                                    <p:anim calcmode="lin" valueType="num">
+                                      <p:cBhvr additive="base">
+                                        <p:cTn id="8" dur="500" fill="hold"/>
+                                        <p:tgtEl>
+                                          <p:spTgt spid="9"/>
+                                        </p:tgtEl>
+                                        <p:attrNameLst>
+                                          <p:attrName>ppt_y</p:attrName>
+                                        </p:attrNameLst>
+                                      </p:cBhvr>
+                                      <p:tavLst>
+                                        <p:tav tm="0">
+                                          <p:val>
+                                            <p:strVal val="1+#ppt_h/2"/>
+                                          </p:val>
+                                        </p:tav>
+                                        <p:tav tm="100000">
+                                          <p:val>
+                                            <p:strVal val="#ppt_y"/>
+                                          </p:val>
+                                        </p:tav>
+                                      </p:tavLst>
+                                    </p:anim>
+                                  </p:childTnLst>
+                                </p:cTn>
+                              </p:par>
+                              <p:par>
+                                <p:cTn id="9" presetID="2" presetClass="entr" presetSubtype="4" fill="hold" grpId="0" nodeType="withEffect">
+                                  <p:stCondLst>
+                                    <p:cond delay="0"/>
+                                  </p:stCondLst>
+                                  <p:childTnLst>
+                                    <p:set>
+                                      <p:cBhvr>
+                                        <p:cTn id="10" dur="1" fill="hold">
+                                          <p:stCondLst>
+                                            <p:cond delay="0"/>
+                                          </p:stCondLst>
+                                        </p:cTn>
+                                        <p:tgtEl>
+                                          <p:spTgt spid="11"/>
+                                        </p:tgtEl>
+                                        <p:attrNameLst>
+                                          <p:attrName>style.visibility</p:attrName>
+                                        </p:attrNameLst>
+                                      </p:cBhvr>
+                                      <p:to>
+                                        <p:strVal val="visible"/>
+                                      </p:to>
+                                    </p:set>
+                                    <p:anim calcmode="lin" valueType="num">
+                                      <p:cBhvr additive="base">
+                                        <p:cTn id="11" dur="500" fill="hold"/>
+                                        <p:tgtEl>
+                                          <p:spTgt spid="11"/>
+                                        </p:tgtEl>
+                                        <p:attrNameLst>
+                                          <p:attrName>ppt_x</p:attrName>
+                                        </p:attrNameLst>
+                                      </p:cBhvr>
+                                      <p:tavLst>
+                                        <p:tav tm="0">
+                                          <p:val>
+                                            <p:strVal val="#ppt_x"/>
+                                          </p:val>
+                                        </p:tav>
+                                        <p:tav tm="100000">
+                                          <p:val>
+                                            <p:strVal val="#ppt_x"/>
+                                          </p:val>
+                                        </p:tav>
+                                      </p:tavLst>
+                                    </p:anim>
+                                    <p:anim calcmode="lin" valueType="num">
+                                      <p:cBhvr additive="base">
+                                        <p:cTn id="12" dur="500" fill="hold"/>
+                                        <p:tgtEl>
+                                          <p:spTgt spid="11"/>
+                                        </p:tgtEl>
+                                        <p:attrNameLst>
+                                          <p:attrName>ppt_y</p:attrName>
+                                        </p:attrNameLst>
+                                      </p:cBhvr>
+                                      <p:tavLst>
+                                        <p:tav tm="0">
+                                          <p:val>
+                                            <p:strVal val="1+#ppt_h/2"/>
+                                          </p:val>
+                                        </p:tav>
+                                        <p:tav tm="100000">
+                                          <p:val>
+                                            <p:strVal val="#ppt_y"/>
+                                          </p:val>
+                                        </p:tav>
+                                      </p:tavLst>
+                                    </p:anim>
+                                  </p:childTnLst>
+                                </p:cTn>
+                              </p:par>
+                            </p:childTnLst>
+                          </p:cTn>
+                        </p:par>
+                      </p:childTnLst>
+                    </p:cTn>
+                  </p:par>
+                  <p:par>
+                    <p:cTn id="13" fill="hold">
+                      <p:stCondLst>
+                        <p:cond delay="indefinite"/>
+                      </p:stCondLst>
+                      <p:childTnLst>
+                        <p:par>
+                          <p:cTn id="14" fill="hold">
+                            <p:stCondLst>
+                              <p:cond delay="0"/>
+                            </p:stCondLst>
+                            <p:childTnLst>
+                              <p:par>
+                                <p:cTn id="15" presetID="2" presetClass="entr" presetSubtype="4" fill="hold" grpId="0" nodeType="clickEffect">
+                                  <p:stCondLst>
+                                    <p:cond delay="0"/>
+                                  </p:stCondLst>
+                                  <p:childTnLst>
+                                    <p:set>
+                                      <p:cBhvr>
+                                        <p:cTn id="16" dur="1" fill="hold">
+                                          <p:stCondLst>
+                                            <p:cond delay="0"/>
+                                          </p:stCondLst>
+                                        </p:cTn>
+                                        <p:tgtEl>
+                                          <p:spTgt spid="12"/>
+                                        </p:tgtEl>
+                                        <p:attrNameLst>
+                                          <p:attrName>style.visibility</p:attrName>
+                                        </p:attrNameLst>
+                                      </p:cBhvr>
+                                      <p:to>
+                                        <p:strVal val="visible"/>
+                                      </p:to>
+                                    </p:set>
+                                    <p:anim calcmode="lin" valueType="num">
+                                      <p:cBhvr additive="base">
+                                        <p:cTn id="17" dur="500" fill="hold"/>
+                                        <p:tgtEl>
+                                          <p:spTgt spid="12"/>
+                                        </p:tgtEl>
+                                        <p:attrNameLst>
+                                          <p:attrName>ppt_x</p:attrName>
+                                        </p:attrNameLst>
+                                      </p:cBhvr>
+                                      <p:tavLst>
+                                        <p:tav tm="0">
+                                          <p:val>
+                                            <p:strVal val="#ppt_x"/>
+                                          </p:val>
+                                        </p:tav>
+                                        <p:tav tm="100000">
+                                          <p:val>
+                                            <p:strVal val="#ppt_x"/>
+                                          </p:val>
+                                        </p:tav>
+                                      </p:tavLst>
+                                    </p:anim>
+                                    <p:anim calcmode="lin" valueType="num">
+                                      <p:cBhvr additive="base">
+                                        <p:cTn id="18" dur="500" fill="hold"/>
+                                        <p:tgtEl>
+                                          <p:spTgt spid="12"/>
+                                        </p:tgtEl>
+                                        <p:attrNameLst>
+                                          <p:attrName>ppt_y</p:attrName>
+                                        </p:attrNameLst>
+                                      </p:cBhvr>
+                                      <p:tavLst>
+                                        <p:tav tm="0">
+                                          <p:val>
+                                            <p:strVal val="1+#ppt_h/2"/>
+                                          </p:val>
+                                        </p:tav>
+                                        <p:tav tm="100000">
+                                          <p:val>
+                                            <p:strVal val="#ppt_y"/>
+                                          </p:val>
+                                        </p:tav>
+                                      </p:tavLst>
+                                    </p:anim>
+                                  </p:childTnLst>
+                                </p:cTn>
+                              </p:par>
+                            </p:childTnLst>
+                          </p:cTn>
+                        </p:par>
+                      </p:childTnLst>
+                    </p:cTn>
+                  </p:par>
+                  <p:par>
+                    <p:cTn id="19" fill="hold">
+                      <p:stCondLst>
+                        <p:cond delay="indefinite"/>
+                      </p:stCondLst>
+                      <p:childTnLst>
+                        <p:par>
+                          <p:cTn id="20" fill="hold">
+                            <p:stCondLst>
+                              <p:cond delay="0"/>
+                            </p:stCondLst>
+                            <p:childTnLst>
+                              <p:par>
+                                <p:cTn id="21" presetID="2" presetClass="entr" presetSubtype="4" fill="hold" grpId="0" nodeType="clickEffect">
+                                  <p:stCondLst>
+                                    <p:cond delay="0"/>
+                                  </p:stCondLst>
+                                  <p:childTnLst>
+                                    <p:set>
+                                      <p:cBhvr>
+                                        <p:cTn id="22" dur="1" fill="hold">
+                                          <p:stCondLst>
+                                            <p:cond delay="0"/>
+                                          </p:stCondLst>
+                                        </p:cTn>
+                                        <p:tgtEl>
+                                          <p:spTgt spid="13"/>
+                                        </p:tgtEl>
+                                        <p:attrNameLst>
+                                          <p:attrName>style.visibility</p:attrName>
+                                        </p:attrNameLst>
+                                      </p:cBhvr>
+                                      <p:to>
+                                        <p:strVal val="visible"/>
+                                      </p:to>
+                                    </p:set>
+                                    <p:anim calcmode="lin" valueType="num">
+                                      <p:cBhvr additive="base">
+                                        <p:cTn id="23" dur="500" fill="hold"/>
+                                        <p:tgtEl>
+                                          <p:spTgt spid="13"/>
+                                        </p:tgtEl>
+                                        <p:attrNameLst>
+                                          <p:attrName>ppt_x</p:attrName>
+                                        </p:attrNameLst>
+                                      </p:cBhvr>
+                                      <p:tavLst>
+                                        <p:tav tm="0">
+                                          <p:val>
+                                            <p:strVal val="#ppt_x"/>
+                                          </p:val>
+                                        </p:tav>
+                                        <p:tav tm="100000">
+                                          <p:val>
+                                            <p:strVal val="#ppt_x"/>
+                                          </p:val>
+                                        </p:tav>
+                                      </p:tavLst>
+                                    </p:anim>
+                                    <p:anim calcmode="lin" valueType="num">
+                                      <p:cBhvr additive="base">
+                                        <p:cTn id="24" dur="500" fill="hold"/>
+                                        <p:tgtEl>
+                                          <p:spTgt spid="13"/>
+                                        </p:tgtEl>
+                                        <p:attrNameLst>
+                                          <p:attrName>ppt_y</p:attrName>
+                                        </p:attrNameLst>
+                                      </p:cBhvr>
+                                      <p:tavLst>
+                                        <p:tav tm="0">
+                                          <p:val>
+                                            <p:strVal val="1+#ppt_h/2"/>
+                                          </p:val>
+                                        </p:tav>
+                                        <p:tav tm="100000">
+                                          <p:val>
+                                            <p:strVal val="#ppt_y"/>
+                                          </p:val>
+                                        </p:tav>
+                                      </p:tavLst>
+                                    </p:anim>
+                                  </p:childTnLst>
+                                </p:cTn>
+                              </p:par>
+                            </p:childTnLst>
+                          </p:cTn>
+                        </p:par>
+                      </p:childTnLst>
+                    </p:cTn>
+                  </p:par>
+                  <p:par>
+                    <p:cTn id="25" fill="hold">
+                      <p:stCondLst>
+                        <p:cond delay="indefinite"/>
+                      </p:stCondLst>
+                      <p:childTnLst>
+                        <p:par>
+                          <p:cTn id="26" fill="hold">
+                            <p:stCondLst>
+                              <p:cond delay="0"/>
+                            </p:stCondLst>
+                            <p:childTnLst>
+                              <p:par>
+                                <p:cTn id="27" presetID="2" presetClass="entr" presetSubtype="4" fill="hold" grpId="0" nodeType="clickEffect">
+                                  <p:stCondLst>
+                                    <p:cond delay="0"/>
+                                  </p:stCondLst>
+                                  <p:childTnLst>
+                                    <p:set>
+                                      <p:cBhvr>
+                                        <p:cTn id="28" dur="1" fill="hold">
+                                          <p:stCondLst>
+                                            <p:cond delay="0"/>
+                                          </p:stCondLst>
+                                        </p:cTn>
+                                        <p:tgtEl>
+                                          <p:spTgt spid="14"/>
+                                        </p:tgtEl>
+                                        <p:attrNameLst>
+                                          <p:attrName>style.visibility</p:attrName>
+                                        </p:attrNameLst>
+                                      </p:cBhvr>
+                                      <p:to>
+                                        <p:strVal val="visible"/>
+                                      </p:to>
+                                    </p:set>
+                                    <p:anim calcmode="lin" valueType="num">
+                                      <p:cBhvr additive="base">
+                                        <p:cTn id="29" dur="500" fill="hold"/>
+                                        <p:tgtEl>
+                                          <p:spTgt spid="14"/>
+                                        </p:tgtEl>
+                                        <p:attrNameLst>
+                                          <p:attrName>ppt_x</p:attrName>
+                                        </p:attrNameLst>
+                                      </p:cBhvr>
+                                      <p:tavLst>
+                                        <p:tav tm="0">
+                                          <p:val>
+                                            <p:strVal val="#ppt_x"/>
+                                          </p:val>
+                                        </p:tav>
+                                        <p:tav tm="100000">
+                                          <p:val>
+                                            <p:strVal val="#ppt_x"/>
+                                          </p:val>
+                                        </p:tav>
+                                      </p:tavLst>
+                                    </p:anim>
+                                    <p:anim calcmode="lin" valueType="num">
+                                      <p:cBhvr additive="base">
+                                        <p:cTn id="30" dur="500" fill="hold"/>
+                                        <p:tgtEl>
+                                          <p:spTgt spid="14"/>
+                                        </p:tgtEl>
+                                        <p:attrNameLst>
+                                          <p:attrName>ppt_y</p:attrName>
+                                        </p:attrNameLst>
+                                      </p:cBhvr>
+                                      <p:tavLst>
+                                        <p:tav tm="0">
+                                          <p:val>
+                                            <p:strVal val="1+#ppt_h/2"/>
+                                          </p:val>
+                                        </p:tav>
+                                        <p:tav tm="100000">
+                                          <p:val>
+                                            <p:strVal val="#ppt_y"/>
+                                          </p:val>
+                                        </p:tav>
+                                      </p:tavLst>
+                                    </p:anim>
+                                  </p:childTnLst>
+                                </p:cTn>
+                              </p:par>
+                            </p:childTnLst>
+                          </p:cTn>
+                        </p:par>
+                      </p:childTnLst>
+                    </p:cTn>
+                  </p:par>
+                  <p:par>
+                    <p:cTn id="31" fill="hold">
+                      <p:stCondLst>
+                        <p:cond delay="indefinite"/>
+                      </p:stCondLst>
+                      <p:childTnLst>
+                        <p:par>
+                          <p:cTn id="32" fill="hold">
+                            <p:stCondLst>
+                              <p:cond delay="0"/>
+                            </p:stCondLst>
+                            <p:childTnLst>
+                              <p:par>
+                                <p:cTn id="33" presetID="2" presetClass="entr" presetSubtype="4" fill="hold" grpId="0" nodeType="clickEffect">
+                                  <p:stCondLst>
+                                    <p:cond delay="0"/>
+                                  </p:stCondLst>
+                                  <p:childTnLst>
+                                    <p:set>
+                                      <p:cBhvr>
+                                        <p:cTn id="34" dur="1" fill="hold">
+                                          <p:stCondLst>
+                                            <p:cond delay="0"/>
+                                          </p:stCondLst>
+                                        </p:cTn>
+                                        <p:tgtEl>
+                                          <p:spTgt spid="15"/>
+                                        </p:tgtEl>
+                                        <p:attrNameLst>
+                                          <p:attrName>style.visibility</p:attrName>
+                                        </p:attrNameLst>
+                                      </p:cBhvr>
+                                      <p:to>
+                                        <p:strVal val="visible"/>
+                                      </p:to>
+                                    </p:set>
+                                    <p:anim calcmode="lin" valueType="num">
+                                      <p:cBhvr additive="base">
+                                        <p:cTn id="35" dur="500" fill="hold"/>
+                                        <p:tgtEl>
+                                          <p:spTgt spid="15"/>
+                                        </p:tgtEl>
+                                        <p:attrNameLst>
+                                          <p:attrName>ppt_x</p:attrName>
+                                        </p:attrNameLst>
+                                      </p:cBhvr>
+                                      <p:tavLst>
+                                        <p:tav tm="0">
+                                          <p:val>
+                                            <p:strVal val="#ppt_x"/>
+                                          </p:val>
+                                        </p:tav>
+                                        <p:tav tm="100000">
+                                          <p:val>
+                                            <p:strVal val="#ppt_x"/>
+                                          </p:val>
+                                        </p:tav>
+                                      </p:tavLst>
+                                    </p:anim>
+                                    <p:anim calcmode="lin" valueType="num">
+                                      <p:cBhvr additive="base">
+                                        <p:cTn id="36" dur="500" fill="hold"/>
+                                        <p:tgtEl>
+                                          <p:spTgt spid="15"/>
+                                        </p:tgtEl>
+                                        <p:attrNameLst>
+                                          <p:attrName>ppt_y</p:attrName>
+                                        </p:attrNameLst>
+                                      </p:cBhvr>
+                                      <p:tavLst>
+                                        <p:tav tm="0">
+                                          <p:val>
+                                            <p:strVal val="1+#ppt_h/2"/>
+                                          </p:val>
+                                        </p:tav>
+                                        <p:tav tm="100000">
+                                          <p:val>
+                                            <p:strVal val="#ppt_y"/>
+                                          </p:val>
+                                        </p:tav>
+                                      </p:tavLst>
+                                    </p:anim>
+                                  </p:childTnLst>
+                                </p:cTn>
+                              </p:par>
+                            </p:childTnLst>
+                          </p:cTn>
+                        </p:par>
+                      </p:childTnLst>
+                    </p:cTn>
+                  </p:par>
+                  <p:par>
+                    <p:cTn id="37" fill="hold">
+                      <p:stCondLst>
+                        <p:cond delay="indefinite"/>
+                      </p:stCondLst>
+                      <p:childTnLst>
+                        <p:par>
+                          <p:cTn id="38" fill="hold">
+                            <p:stCondLst>
+                              <p:cond delay="0"/>
+                            </p:stCondLst>
+                            <p:childTnLst>
+                              <p:par>
+                                <p:cTn id="39" presetID="2" presetClass="entr" presetSubtype="3" fill="hold" grpId="0" nodeType="clickEffect">
+                                  <p:stCondLst>
+                                    <p:cond delay="0"/>
+                                  </p:stCondLst>
+                                  <p:childTnLst>
+                                    <p:set>
+                                      <p:cBhvr>
+                                        <p:cTn id="40" dur="1" fill="hold">
+                                          <p:stCondLst>
+                                            <p:cond delay="0"/>
+                                          </p:stCondLst>
+                                        </p:cTn>
+                                        <p:tgtEl>
+                                          <p:spTgt spid="16"/>
+                                        </p:tgtEl>
+                                        <p:attrNameLst>
+                                          <p:attrName>style.visibility</p:attrName>
+                                        </p:attrNameLst>
+                                      </p:cBhvr>
+                                      <p:to>
+                                        <p:strVal val="visible"/>
+                                      </p:to>
+                                    </p:set>
+                                    <p:anim calcmode="lin" valueType="num">
+                                      <p:cBhvr additive="base">
+                                        <p:cTn id="41" dur="500" fill="hold"/>
+                                        <p:tgtEl>
+                                          <p:spTgt spid="16"/>
+                                        </p:tgtEl>
+                                        <p:attrNameLst>
+                                          <p:attrName>ppt_x</p:attrName>
+                                        </p:attrNameLst>
+                                      </p:cBhvr>
+                                      <p:tavLst>
+                                        <p:tav tm="0">
+                                          <p:val>
+                                            <p:strVal val="1+#ppt_w/2"/>
+                                          </p:val>
+                                        </p:tav>
+                                        <p:tav tm="100000">
+                                          <p:val>
+                                            <p:strVal val="#ppt_x"/>
+                                          </p:val>
+                                        </p:tav>
+                                      </p:tavLst>
+                                    </p:anim>
+                                    <p:anim calcmode="lin" valueType="num">
+                                      <p:cBhvr additive="base">
+                                        <p:cTn id="42" dur="500" fill="hold"/>
+                                        <p:tgtEl>
+                                          <p:spTgt spid="16"/>
+                                        </p:tgtEl>
+                                        <p:attrNameLst>
+                                          <p:attrName>ppt_y</p:attrName>
+                                        </p:attrNameLst>
+                                      </p:cBhvr>
+                                      <p:tavLst>
+                                        <p:tav tm="0">
+                                          <p:val>
+                                            <p:strVal val="0-#ppt_h/2"/>
+                                          </p:val>
+                                        </p:tav>
+                                        <p:tav tm="100000">
+                                          <p:val>
+                                            <p:strVal val="#ppt_y"/>
+                                          </p:val>
+                                        </p:tav>
+                                      </p:tavLst>
+                                    </p:anim>
+                                  </p:childTnLst>
+                                </p:cTn>
+                              </p:par>
+                              <p:par>
+                                <p:cTn id="43" presetID="2" presetClass="entr" presetSubtype="3" fill="hold" grpId="0" nodeType="withEffect">
+                                  <p:stCondLst>
+                                    <p:cond delay="0"/>
+                                  </p:stCondLst>
+                                  <p:childTnLst>
+                                    <p:set>
+                                      <p:cBhvr>
+                                        <p:cTn id="44" dur="1" fill="hold">
+                                          <p:stCondLst>
+                                            <p:cond delay="0"/>
+                                          </p:stCondLst>
+                                        </p:cTn>
+                                        <p:tgtEl>
+                                          <p:spTgt spid="17"/>
+                                        </p:tgtEl>
+                                        <p:attrNameLst>
+                                          <p:attrName>style.visibility</p:attrName>
+                                        </p:attrNameLst>
+                                      </p:cBhvr>
+                                      <p:to>
+                                        <p:strVal val="visible"/>
+                                      </p:to>
+                                    </p:set>
+                                    <p:anim calcmode="lin" valueType="num">
+                                      <p:cBhvr additive="base">
+                                        <p:cTn id="45" dur="500" fill="hold"/>
+                                        <p:tgtEl>
+                                          <p:spTgt spid="17"/>
+                                        </p:tgtEl>
+                                        <p:attrNameLst>
+                                          <p:attrName>ppt_x</p:attrName>
+                                        </p:attrNameLst>
+                                      </p:cBhvr>
+                                      <p:tavLst>
+                                        <p:tav tm="0">
+                                          <p:val>
+                                            <p:strVal val="1+#ppt_w/2"/>
+                                          </p:val>
+                                        </p:tav>
+                                        <p:tav tm="100000">
+                                          <p:val>
+                                            <p:strVal val="#ppt_x"/>
+                                          </p:val>
+                                        </p:tav>
+                                      </p:tavLst>
+                                    </p:anim>
+                                    <p:anim calcmode="lin" valueType="num">
+                                      <p:cBhvr additive="base">
+                                        <p:cTn id="46" dur="500" fill="hold"/>
+                                        <p:tgtEl>
+                                          <p:spTgt spid="17"/>
+                                        </p:tgtEl>
+                                        <p:attrNameLst>
+                                          <p:attrName>ppt_y</p:attrName>
+                                        </p:attrNameLst>
+                                      </p:cBhvr>
+                                      <p:tavLst>
+                                        <p:tav tm="0">
+                                          <p:val>
+                                            <p:strVal val="0-#ppt_h/2"/>
+                                          </p:val>
+                                        </p:tav>
+                                        <p:tav tm="100000">
+                                          <p:val>
+                                            <p:strVal val="#ppt_y"/>
+                                          </p:val>
+                                        </p:tav>
+                                      </p:tavLst>
+                                    </p:anim>
+                                  </p:childTnLst>
+                                </p:cTn>
+                              </p:par>
+                            </p:childTnLst>
+                          </p:cTn>
+                        </p:par>
+                      </p:childTnLst>
+                    </p:cTn>
+                  </p:par>
+                </p:childTnLst>
+              </p:cTn>
+              <p:prevCondLst>
+                <p:cond evt="onPrev" delay="0">
+                  <p:tgtEl>
+                    <p:sldTgt/>
+                  </p:tgtEl>
+                </p:cond>
+              </p:prevCondLst>
+              <p:nextCondLst>
+                <p:cond evt="onNext" delay="0">
+                  <p:tgtEl>
+                    <p:sldTgt/>
+                  </p:tgtEl>
+                </p:cond>
+              </p:nextCondLst>
+            </p:seq>
+          </p:childTnLst>
+        </p:cTn>
+      </p:par>
+    </p:tnLst>
+    <p:bldLst>
+      <p:bldP spid="9" grpId="0" animBg="1"/>
+      <p:bldP spid="11" grpId="0"/>
+      <p:bldP spid="12" grpId="0"/>
+      <p:bldP spid="13" grpId="0"/>
+      <p:bldP spid="14" grpId="0"/>
+      <p:bldP spid="15" grpId="0"/>
+      <p:bldP spid="16" grpId="0" animBg="1"/>
+      <p:bldP spid="17" grpId="0" animBg="1"/>
+    </p:bldLst>
+  </p:timing>
+</p:sld>
+</file>
+
+<file path=ppt/slides/slide6.xml><?xml version="1.0" encoding="utf-8"?>
+<p:sld xmlns:a="http://schemas.openxmlformats.org/drawingml/2006/main" xmlns:r="http://schemas.openxmlformats.org/officeDocument/2006/relationships" xmlns:p="http://schemas.openxmlformats.org/presentationml/2006/main">
+  <p:cSld>
+    <p:spTree>
+      <p:nvGrpSpPr>
+        <p:cNvPr id="1" name="">
+          <a:extLst>
+            <a:ext uri="{FF2B5EF4-FFF2-40B4-BE49-F238E27FC236}">
+              <a16:creationId xmlns:a16="http://schemas.microsoft.com/office/drawing/2014/main" id="{DC8F675D-D513-7DB7-0523-273B5D97A8B1}"/>
+            </a:ext>
+          </a:extLst>
+        </p:cNvPr>
+        <p:cNvGrpSpPr/>
+        <p:nvPr/>
+      </p:nvGrpSpPr>
+      <p:grpSpPr>
+        <a:xfrm>
+          <a:off x="0" y="0"/>
+          <a:ext cx="0" cy="0"/>
+          <a:chOff x="0" y="0"/>
+          <a:chExt cx="0" cy="0"/>
+        </a:xfrm>
+      </p:grpSpPr>
+      <p:pic>
+        <p:nvPicPr>
+          <p:cNvPr id="8" name="圖片 7">
+            <a:extLst>
+              <a:ext uri="{FF2B5EF4-FFF2-40B4-BE49-F238E27FC236}">
+                <a16:creationId xmlns:a16="http://schemas.microsoft.com/office/drawing/2014/main" id="{3BE605A0-A6DA-B241-42DD-476720F69CA9}"/>
+              </a:ext>
+            </a:extLst>
+          </p:cNvPr>
+          <p:cNvPicPr>
+            <a:picLocks noChangeAspect="1"/>
+          </p:cNvPicPr>
+          <p:nvPr/>
+        </p:nvPicPr>
+        <p:blipFill>
+          <a:blip r:embed="rId2"/>
+          <a:stretch>
+            <a:fillRect/>
+          </a:stretch>
+        </p:blipFill>
+        <p:spPr>
+          <a:xfrm>
+            <a:off x="363794" y="818546"/>
+            <a:ext cx="8740877" cy="4007002"/>
+          </a:xfrm>
+          <a:prstGeom prst="rect">
+            <a:avLst/>
+          </a:prstGeom>
+          <a:ln w="57150">
+            <a:solidFill>
+              <a:srgbClr val="FF0000"/>
+            </a:solidFill>
+          </a:ln>
+        </p:spPr>
+      </p:pic>
+      <p:sp>
+        <p:nvSpPr>
+          <p:cNvPr id="6" name="文字方塊 5">
+            <a:extLst>
+              <a:ext uri="{FF2B5EF4-FFF2-40B4-BE49-F238E27FC236}">
+                <a16:creationId xmlns:a16="http://schemas.microsoft.com/office/drawing/2014/main" id="{E0489C39-7936-5ED6-DC0B-8F561A3EA27C}"/>
+              </a:ext>
+            </a:extLst>
+          </p:cNvPr>
+          <p:cNvSpPr txBox="1"/>
+          <p:nvPr/>
+        </p:nvSpPr>
+        <p:spPr>
+          <a:xfrm>
+            <a:off x="2520175" y="125270"/>
+            <a:ext cx="4384567" cy="584775"/>
+          </a:xfrm>
+          <a:prstGeom prst="rect">
+            <a:avLst/>
+          </a:prstGeom>
+          <a:noFill/>
+        </p:spPr>
+        <p:txBody>
+          <a:bodyPr wrap="square" rtlCol="0">
+            <a:spAutoFit/>
+          </a:bodyPr>
+          <a:lstStyle/>
+          <a:p>
+            <a:pPr algn="ctr"/>
+            <a:r>
+              <a:rPr lang="en-US" altLang="zh-TW" sz="3200" dirty="0">
+                <a:solidFill>
+                  <a:srgbClr val="FF0000"/>
+                </a:solidFill>
+              </a:rPr>
+              <a:t>chart.html (browser)</a:t>
+            </a:r>
+            <a:endParaRPr lang="zh-TW" altLang="en-US" sz="3200" dirty="0">
+              <a:solidFill>
+                <a:srgbClr val="FF0000"/>
+              </a:solidFill>
+            </a:endParaRPr>
+          </a:p>
+        </p:txBody>
+      </p:sp>
+      <p:sp>
+        <p:nvSpPr>
+          <p:cNvPr id="7" name="文字方塊 6">
+            <a:extLst>
+              <a:ext uri="{FF2B5EF4-FFF2-40B4-BE49-F238E27FC236}">
+                <a16:creationId xmlns:a16="http://schemas.microsoft.com/office/drawing/2014/main" id="{F25B8720-2A98-36FA-D44B-96D2C110606E}"/>
+              </a:ext>
+            </a:extLst>
+          </p:cNvPr>
+          <p:cNvSpPr txBox="1"/>
+          <p:nvPr/>
+        </p:nvSpPr>
+        <p:spPr>
+          <a:xfrm>
+            <a:off x="6728555" y="1569186"/>
+            <a:ext cx="2376116" cy="830997"/>
+          </a:xfrm>
+          <a:prstGeom prst="rect">
+            <a:avLst/>
+          </a:prstGeom>
+          <a:noFill/>
+        </p:spPr>
+        <p:txBody>
+          <a:bodyPr wrap="square" rtlCol="0">
+            <a:spAutoFit/>
+          </a:bodyPr>
+          <a:lstStyle/>
+          <a:p>
+            <a:pPr algn="ctr"/>
+            <a:r>
+              <a:rPr lang="zh-TW" altLang="en-US" sz="2400" dirty="0">
+                <a:solidFill>
+                  <a:srgbClr val="FF0000"/>
+                </a:solidFill>
+                <a:latin typeface="微軟正黑體" panose="020B0604030504040204" pitchFamily="34" charset="-120"/>
+                <a:ea typeface="微軟正黑體" panose="020B0604030504040204" pitchFamily="34" charset="-120"/>
+              </a:rPr>
+              <a:t>使用者看到的</a:t>
+            </a:r>
+            <a:endParaRPr lang="en-US" altLang="zh-TW" sz="2400" dirty="0">
+              <a:solidFill>
+                <a:srgbClr val="FF0000"/>
+              </a:solidFill>
+              <a:latin typeface="微軟正黑體" panose="020B0604030504040204" pitchFamily="34" charset="-120"/>
+              <a:ea typeface="微軟正黑體" panose="020B0604030504040204" pitchFamily="34" charset="-120"/>
+            </a:endParaRPr>
+          </a:p>
+          <a:p>
+            <a:pPr algn="ctr"/>
+            <a:r>
+              <a:rPr lang="en-US" altLang="zh-TW" sz="2400" dirty="0">
+                <a:solidFill>
+                  <a:schemeClr val="bg1">
+                    <a:lumMod val="75000"/>
+                  </a:schemeClr>
+                </a:solidFill>
+                <a:latin typeface="微軟正黑體" panose="020B0604030504040204" pitchFamily="34" charset="-120"/>
+                <a:ea typeface="微軟正黑體" panose="020B0604030504040204" pitchFamily="34" charset="-120"/>
+              </a:rPr>
+              <a:t>(</a:t>
+            </a:r>
+            <a:r>
+              <a:rPr lang="zh-TW" altLang="en-US" sz="2400" dirty="0">
+                <a:solidFill>
+                  <a:schemeClr val="bg1">
+                    <a:lumMod val="75000"/>
+                  </a:schemeClr>
+                </a:solidFill>
+                <a:latin typeface="微軟正黑體" panose="020B0604030504040204" pitchFamily="34" charset="-120"/>
+                <a:ea typeface="微軟正黑體" panose="020B0604030504040204" pitchFamily="34" charset="-120"/>
+              </a:rPr>
+              <a:t>前端</a:t>
+            </a:r>
+            <a:r>
+              <a:rPr lang="en-US" altLang="zh-TW" sz="2400" dirty="0">
+                <a:solidFill>
+                  <a:schemeClr val="bg1">
+                    <a:lumMod val="75000"/>
+                  </a:schemeClr>
+                </a:solidFill>
+                <a:latin typeface="微軟正黑體" panose="020B0604030504040204" pitchFamily="34" charset="-120"/>
+                <a:ea typeface="微軟正黑體" panose="020B0604030504040204" pitchFamily="34" charset="-120"/>
+              </a:rPr>
+              <a:t>)</a:t>
+            </a:r>
+            <a:endParaRPr lang="zh-TW" altLang="en-US" sz="2400" dirty="0">
+              <a:solidFill>
+                <a:schemeClr val="bg1">
+                  <a:lumMod val="75000"/>
+                </a:schemeClr>
+              </a:solidFill>
+              <a:latin typeface="微軟正黑體" panose="020B0604030504040204" pitchFamily="34" charset="-120"/>
+              <a:ea typeface="微軟正黑體" panose="020B0604030504040204" pitchFamily="34" charset="-120"/>
+            </a:endParaRPr>
+          </a:p>
+        </p:txBody>
+      </p:sp>
+      <p:sp>
+        <p:nvSpPr>
+          <p:cNvPr id="2" name="箭號: 向左 1">
+            <a:extLst>
+              <a:ext uri="{FF2B5EF4-FFF2-40B4-BE49-F238E27FC236}">
+                <a16:creationId xmlns:a16="http://schemas.microsoft.com/office/drawing/2014/main" id="{500652F2-4DD9-FA58-ACB1-0352A114681F}"/>
+              </a:ext>
+            </a:extLst>
+          </p:cNvPr>
+          <p:cNvSpPr/>
+          <p:nvPr/>
+        </p:nvSpPr>
+        <p:spPr>
+          <a:xfrm>
+            <a:off x="10313337" y="6044239"/>
+            <a:ext cx="1878663" cy="461665"/>
+          </a:xfrm>
+          <a:prstGeom prst="leftArrow">
+            <a:avLst>
+              <a:gd name="adj1" fmla="val 50000"/>
+              <a:gd name="adj2" fmla="val 130169"/>
+            </a:avLst>
+          </a:prstGeom>
+          <a:solidFill>
+            <a:srgbClr val="00B0F0"/>
+          </a:solidFill>
+        </p:spPr>
+        <p:style>
+          <a:lnRef idx="2">
+            <a:schemeClr val="accent1">
+              <a:shade val="15000"/>
+            </a:schemeClr>
+          </a:lnRef>
+          <a:fillRef idx="1">
+            <a:schemeClr val="accent1"/>
+          </a:fillRef>
+          <a:effectRef idx="0">
+            <a:schemeClr val="accent1"/>
+          </a:effectRef>
+          <a:fontRef idx="minor">
+            <a:schemeClr val="lt1"/>
+          </a:fontRef>
+        </p:style>
+        <p:txBody>
+          <a:bodyPr rtlCol="0" anchor="ctr"/>
+          <a:lstStyle/>
+          <a:p>
+            <a:pPr algn="ctr"/>
+            <a:endParaRPr lang="zh-TW" altLang="en-US"/>
+          </a:p>
+        </p:txBody>
+      </p:sp>
+      <p:sp>
+        <p:nvSpPr>
+          <p:cNvPr id="3" name="文字方塊 2">
+            <a:extLst>
+              <a:ext uri="{FF2B5EF4-FFF2-40B4-BE49-F238E27FC236}">
+                <a16:creationId xmlns:a16="http://schemas.microsoft.com/office/drawing/2014/main" id="{ADEBC6D4-BB5A-16E8-38C7-B21BAA710EFA}"/>
+              </a:ext>
+            </a:extLst>
+          </p:cNvPr>
+          <p:cNvSpPr txBox="1"/>
+          <p:nvPr/>
+        </p:nvSpPr>
+        <p:spPr>
+          <a:xfrm>
+            <a:off x="10370925" y="5508476"/>
+            <a:ext cx="1763486" cy="461665"/>
+          </a:xfrm>
+          <a:prstGeom prst="rect">
+            <a:avLst/>
+          </a:prstGeom>
+          <a:solidFill>
+            <a:schemeClr val="tx2">
+              <a:lumMod val="10000"/>
+              <a:lumOff val="90000"/>
+            </a:schemeClr>
+          </a:solidFill>
+          <a:ln>
+            <a:noFill/>
+          </a:ln>
+        </p:spPr>
+        <p:txBody>
+          <a:bodyPr wrap="square" rtlCol="0">
+            <a:spAutoFit/>
+          </a:bodyPr>
+          <a:lstStyle/>
+          <a:p>
+            <a:pPr algn="ctr"/>
+            <a:r>
+              <a:rPr lang="en-US" altLang="zh-TW" sz="2400" dirty="0">
+                <a:solidFill>
+                  <a:srgbClr val="00B0F0"/>
+                </a:solidFill>
+                <a:latin typeface="微軟正黑體" panose="020B0604030504040204" pitchFamily="34" charset="-120"/>
+                <a:ea typeface="微軟正黑體" panose="020B0604030504040204" pitchFamily="34" charset="-120"/>
+              </a:rPr>
+              <a:t>response</a:t>
+            </a:r>
+            <a:endParaRPr lang="zh-TW" altLang="en-US" sz="2400" dirty="0">
+              <a:solidFill>
+                <a:srgbClr val="00B0F0"/>
+              </a:solidFill>
+              <a:latin typeface="微軟正黑體" panose="020B0604030504040204" pitchFamily="34" charset="-120"/>
+              <a:ea typeface="微軟正黑體" panose="020B0604030504040204" pitchFamily="34" charset="-120"/>
+            </a:endParaRPr>
+          </a:p>
+        </p:txBody>
+      </p:sp>
+      <p:sp>
+        <p:nvSpPr>
+          <p:cNvPr id="9" name="矩形 8">
+            <a:extLst>
+              <a:ext uri="{FF2B5EF4-FFF2-40B4-BE49-F238E27FC236}">
+                <a16:creationId xmlns:a16="http://schemas.microsoft.com/office/drawing/2014/main" id="{08087ADE-0A43-3EF3-1D7E-7087446180FF}"/>
+              </a:ext>
+            </a:extLst>
+          </p:cNvPr>
+          <p:cNvSpPr/>
+          <p:nvPr/>
+        </p:nvSpPr>
+        <p:spPr>
+          <a:xfrm>
+            <a:off x="1077686" y="2400183"/>
+            <a:ext cx="7304314" cy="2313331"/>
+          </a:xfrm>
+          <a:prstGeom prst="rect">
+            <a:avLst/>
+          </a:prstGeom>
+          <a:noFill/>
+          <a:ln w="57150">
+            <a:solidFill>
+              <a:srgbClr val="00B0F0"/>
+            </a:solidFill>
+          </a:ln>
+        </p:spPr>
+        <p:style>
+          <a:lnRef idx="2">
+            <a:schemeClr val="accent1">
+              <a:shade val="15000"/>
+            </a:schemeClr>
+          </a:lnRef>
+          <a:fillRef idx="1">
+            <a:schemeClr val="accent1"/>
+          </a:fillRef>
+          <a:effectRef idx="0">
+            <a:schemeClr val="accent1"/>
+          </a:effectRef>
+          <a:fontRef idx="minor">
+            <a:schemeClr val="lt1"/>
+          </a:fontRef>
+        </p:style>
+        <p:txBody>
+          <a:bodyPr rtlCol="0" anchor="ctr"/>
+          <a:lstStyle/>
+          <a:p>
+            <a:pPr algn="ctr"/>
+            <a:endParaRPr lang="zh-TW" altLang="en-US"/>
+          </a:p>
+        </p:txBody>
+      </p:sp>
+      <p:sp>
+        <p:nvSpPr>
+          <p:cNvPr id="10" name="文字方塊 9">
+            <a:extLst>
+              <a:ext uri="{FF2B5EF4-FFF2-40B4-BE49-F238E27FC236}">
+                <a16:creationId xmlns:a16="http://schemas.microsoft.com/office/drawing/2014/main" id="{58B049C9-3D57-E432-4BA5-384F9A5B025F}"/>
+              </a:ext>
+            </a:extLst>
+          </p:cNvPr>
+          <p:cNvSpPr txBox="1"/>
+          <p:nvPr/>
+        </p:nvSpPr>
+        <p:spPr>
+          <a:xfrm>
+            <a:off x="2537559" y="4923701"/>
+            <a:ext cx="4384567" cy="584775"/>
+          </a:xfrm>
+          <a:prstGeom prst="rect">
+            <a:avLst/>
+          </a:prstGeom>
+          <a:noFill/>
+        </p:spPr>
+        <p:txBody>
+          <a:bodyPr wrap="square" rtlCol="0">
+            <a:spAutoFit/>
+          </a:bodyPr>
+          <a:lstStyle/>
+          <a:p>
+            <a:pPr algn="ctr"/>
+            <a:r>
+              <a:rPr lang="zh-TW" altLang="en-US" sz="3200" dirty="0">
+                <a:solidFill>
+                  <a:srgbClr val="00B0F0"/>
+                </a:solidFill>
+                <a:latin typeface="微軟正黑體" panose="020B0604030504040204" pitchFamily="34" charset="-120"/>
+                <a:ea typeface="微軟正黑體" panose="020B0604030504040204" pitchFamily="34" charset="-120"/>
+              </a:rPr>
+              <a:t>用</a:t>
+            </a:r>
+            <a:r>
+              <a:rPr lang="en-US" altLang="zh-TW" sz="3200" dirty="0">
+                <a:solidFill>
+                  <a:srgbClr val="00B0F0"/>
+                </a:solidFill>
+                <a:latin typeface="微軟正黑體" panose="020B0604030504040204" pitchFamily="34" charset="-120"/>
+                <a:ea typeface="微軟正黑體" panose="020B0604030504040204" pitchFamily="34" charset="-120"/>
+              </a:rPr>
+              <a:t>plotly.js</a:t>
+            </a:r>
+            <a:r>
+              <a:rPr lang="zh-TW" altLang="en-US" sz="3200" dirty="0">
+                <a:solidFill>
+                  <a:srgbClr val="00B0F0"/>
+                </a:solidFill>
+                <a:latin typeface="微軟正黑體" panose="020B0604030504040204" pitchFamily="34" charset="-120"/>
+                <a:ea typeface="微軟正黑體" panose="020B0604030504040204" pitchFamily="34" charset="-120"/>
+              </a:rPr>
+              <a:t>繪製到這裡</a:t>
+            </a:r>
+          </a:p>
+        </p:txBody>
+      </p:sp>
+      <p:sp>
+        <p:nvSpPr>
+          <p:cNvPr id="13" name="矩形 12">
+            <a:extLst>
+              <a:ext uri="{FF2B5EF4-FFF2-40B4-BE49-F238E27FC236}">
+                <a16:creationId xmlns:a16="http://schemas.microsoft.com/office/drawing/2014/main" id="{6508D231-D510-819E-B96B-AD6CEFA87E58}"/>
+              </a:ext>
+            </a:extLst>
+          </p:cNvPr>
+          <p:cNvSpPr/>
+          <p:nvPr/>
+        </p:nvSpPr>
+        <p:spPr>
+          <a:xfrm>
+            <a:off x="1028700" y="2349500"/>
+            <a:ext cx="7404100" cy="2419349"/>
+          </a:xfrm>
+          <a:prstGeom prst="rect">
+            <a:avLst/>
+          </a:prstGeom>
+          <a:solidFill>
+            <a:schemeClr val="bg1"/>
+          </a:solidFill>
+          <a:ln>
+            <a:solidFill>
+              <a:schemeClr val="bg1"/>
+            </a:solidFill>
+          </a:ln>
+        </p:spPr>
+        <p:style>
+          <a:lnRef idx="2">
+            <a:schemeClr val="accent1">
+              <a:shade val="15000"/>
+            </a:schemeClr>
+          </a:lnRef>
+          <a:fillRef idx="1">
+            <a:schemeClr val="accent1"/>
+          </a:fillRef>
+          <a:effectRef idx="0">
+            <a:schemeClr val="accent1"/>
+          </a:effectRef>
+          <a:fontRef idx="minor">
+            <a:schemeClr val="lt1"/>
+          </a:fontRef>
+        </p:style>
+        <p:txBody>
+          <a:bodyPr rtlCol="0" anchor="ctr"/>
+          <a:lstStyle/>
+          <a:p>
+            <a:pPr algn="ctr"/>
+            <a:endParaRPr lang="zh-TW" altLang="en-US"/>
+          </a:p>
+        </p:txBody>
+      </p:sp>
+      <p:pic>
+        <p:nvPicPr>
+          <p:cNvPr id="12" name="圖片 11">
+            <a:extLst>
+              <a:ext uri="{FF2B5EF4-FFF2-40B4-BE49-F238E27FC236}">
+                <a16:creationId xmlns:a16="http://schemas.microsoft.com/office/drawing/2014/main" id="{695FE815-F179-A7E5-EA2F-EC707AE6B5A3}"/>
+              </a:ext>
+            </a:extLst>
+          </p:cNvPr>
+          <p:cNvPicPr>
+            <a:picLocks noChangeAspect="1"/>
+          </p:cNvPicPr>
+          <p:nvPr/>
+        </p:nvPicPr>
+        <p:blipFill>
+          <a:blip r:embed="rId3"/>
+          <a:stretch>
+            <a:fillRect/>
+          </a:stretch>
+        </p:blipFill>
+        <p:spPr>
+          <a:xfrm>
+            <a:off x="1077686" y="2350671"/>
+            <a:ext cx="7304314" cy="2362843"/>
+          </a:xfrm>
+          <a:prstGeom prst="rect">
+            <a:avLst/>
+          </a:prstGeom>
+        </p:spPr>
+      </p:pic>
+    </p:spTree>
+    <p:extLst>
+      <p:ext uri="{BB962C8B-B14F-4D97-AF65-F5344CB8AC3E}">
+        <p14:creationId xmlns:p14="http://schemas.microsoft.com/office/powerpoint/2010/main" val="3452401541"/>
+      </p:ext>
+    </p:extLst>
+  </p:cSld>
+  <p:clrMapOvr>
+    <a:masterClrMapping/>
+  </p:clrMapOvr>
+  <p:transition spd="med">
+    <p:pull/>
+  </p:transition>
+  <p:timing>
+    <p:tnLst>
+      <p:par>
+        <p:cTn id="1" dur="indefinite" restart="never" nodeType="tmRoot">
+          <p:childTnLst>
+            <p:seq concurrent="1" nextAc="seek">
+              <p:cTn id="2" dur="indefinite" nodeType="mainSeq">
+                <p:childTnLst>
+                  <p:par>
+                    <p:cTn id="3" fill="hold">
+                      <p:stCondLst>
+                        <p:cond delay="indefinite"/>
+                      </p:stCondLst>
+                      <p:childTnLst>
+                        <p:par>
+                          <p:cTn id="4" fill="hold">
+                            <p:stCondLst>
+                              <p:cond delay="0"/>
+                            </p:stCondLst>
+                            <p:childTnLst>
+                              <p:par>
+                                <p:cTn id="5" presetID="10" presetClass="entr" presetSubtype="0" fill="hold" nodeType="clickEffect">
+                                  <p:stCondLst>
+                                    <p:cond delay="0"/>
+                                  </p:stCondLst>
+                                  <p:childTnLst>
+                                    <p:set>
+                                      <p:cBhvr>
+                                        <p:cTn id="6" dur="1" fill="hold">
+                                          <p:stCondLst>
+                                            <p:cond delay="0"/>
+                                          </p:stCondLst>
+                                        </p:cTn>
+                                        <p:tgtEl>
+                                          <p:spTgt spid="12"/>
+                                        </p:tgtEl>
+                                        <p:attrNameLst>
+                                          <p:attrName>style.visibility</p:attrName>
+                                        </p:attrNameLst>
+                                      </p:cBhvr>
+                                      <p:to>
+                                        <p:strVal val="visible"/>
+                                      </p:to>
+                                    </p:set>
+                                    <p:animEffect transition="in" filter="fade">
+                                      <p:cBhvr>
+                                        <p:cTn id="7" dur="500"/>
+                                        <p:tgtEl>
+                                          <p:spTgt spid="12"/>
+                                        </p:tgtEl>
+                                      </p:cBhvr>
+                                    </p:animEffect>
+                                  </p:childTnLst>
+                                </p:cTn>
+                              </p:par>
+                              <p:par>
+                                <p:cTn id="8" presetID="10" presetClass="entr" presetSubtype="0" fill="hold" grpId="0" nodeType="withEffect">
+                                  <p:stCondLst>
+                                    <p:cond delay="0"/>
+                                  </p:stCondLst>
+                                  <p:childTnLst>
+                                    <p:set>
+                                      <p:cBhvr>
+                                        <p:cTn id="9" dur="1" fill="hold">
+                                          <p:stCondLst>
+                                            <p:cond delay="0"/>
+                                          </p:stCondLst>
+                                        </p:cTn>
+                                        <p:tgtEl>
+                                          <p:spTgt spid="10"/>
+                                        </p:tgtEl>
+                                        <p:attrNameLst>
+                                          <p:attrName>style.visibility</p:attrName>
+                                        </p:attrNameLst>
+                                      </p:cBhvr>
+                                      <p:to>
+                                        <p:strVal val="visible"/>
+                                      </p:to>
+                                    </p:set>
+                                    <p:animEffect transition="in" filter="fade">
+                                      <p:cBhvr>
+                                        <p:cTn id="10" dur="500"/>
+                                        <p:tgtEl>
+                                          <p:spTgt spid="10"/>
+                                        </p:tgtEl>
+                                      </p:cBhvr>
+                                    </p:animEffect>
+                                  </p:childTnLst>
+                                </p:cTn>
+                              </p:par>
+                            </p:childTnLst>
+                          </p:cTn>
+                        </p:par>
+                      </p:childTnLst>
+                    </p:cTn>
+                  </p:par>
+                </p:childTnLst>
+              </p:cTn>
+              <p:prevCondLst>
+                <p:cond evt="onPrev" delay="0">
+                  <p:tgtEl>
+                    <p:sldTgt/>
+                  </p:tgtEl>
+                </p:cond>
+              </p:prevCondLst>
+              <p:nextCondLst>
+                <p:cond evt="onNext" delay="0">
+                  <p:tgtEl>
+                    <p:sldTgt/>
+                  </p:tgtEl>
+                </p:cond>
+              </p:nextCondLst>
+            </p:seq>
+          </p:childTnLst>
+        </p:cTn>
+      </p:par>
+    </p:tnLst>
+    <p:bldLst>
+      <p:bldP spid="10" grpId="0"/>
+    </p:bldLst>
+  </p:timing>
+</p:sld>
+</file>
+
+<file path=ppt/slides/slide7.xml><?xml version="1.0" encoding="utf-8"?>
+<p:sld xmlns:a="http://schemas.openxmlformats.org/drawingml/2006/main" xmlns:r="http://schemas.openxmlformats.org/officeDocument/2006/relationships" xmlns:p="http://schemas.openxmlformats.org/presentationml/2006/main">
+  <p:cSld>
+    <p:spTree>
+      <p:nvGrpSpPr>
+        <p:cNvPr id="1" name=""/>
+        <p:cNvGrpSpPr/>
+        <p:nvPr/>
+      </p:nvGrpSpPr>
+      <p:grpSpPr>
+        <a:xfrm>
+          <a:off x="0" y="0"/>
+          <a:ext cx="0" cy="0"/>
+          <a:chOff x="0" y="0"/>
+          <a:chExt cx="0" cy="0"/>
+        </a:xfrm>
+      </p:grpSpPr>
+      <p:sp>
+        <p:nvSpPr>
+          <p:cNvPr id="4" name="矩形 3">
+            <a:extLst>
+              <a:ext uri="{FF2B5EF4-FFF2-40B4-BE49-F238E27FC236}">
+                <a16:creationId xmlns:a16="http://schemas.microsoft.com/office/drawing/2014/main" id="{92F9A34B-2736-9D5D-3E0F-ACF91DF2DB60}"/>
+              </a:ext>
+            </a:extLst>
+          </p:cNvPr>
+          <p:cNvSpPr/>
+          <p:nvPr/>
+        </p:nvSpPr>
+        <p:spPr>
+          <a:xfrm>
+            <a:off x="2000250" y="1257300"/>
+            <a:ext cx="3209925" cy="1390650"/>
+          </a:xfrm>
+          <a:prstGeom prst="rect">
+            <a:avLst/>
+          </a:prstGeom>
+          <a:solidFill>
+            <a:schemeClr val="accent2">
+              <a:lumMod val="40000"/>
+              <a:lumOff val="60000"/>
+            </a:schemeClr>
+          </a:solidFill>
+          <a:ln w="57150">
+            <a:solidFill>
+              <a:srgbClr val="FF0000"/>
+            </a:solidFill>
+          </a:ln>
+        </p:spPr>
+        <p:style>
+          <a:lnRef idx="2">
+            <a:schemeClr val="accent1">
+              <a:shade val="15000"/>
+            </a:schemeClr>
+          </a:lnRef>
+          <a:fillRef idx="1">
+            <a:schemeClr val="accent1"/>
+          </a:fillRef>
+          <a:effectRef idx="0">
+            <a:schemeClr val="accent1"/>
+          </a:effectRef>
+          <a:fontRef idx="minor">
+            <a:schemeClr val="lt1"/>
+          </a:fontRef>
+        </p:style>
+        <p:txBody>
+          <a:bodyPr rtlCol="0" anchor="ctr"/>
+          <a:lstStyle/>
+          <a:p>
+            <a:pPr algn="ctr"/>
+            <a:r>
+              <a:rPr lang="en-US" altLang="zh-TW" sz="4000" dirty="0"/>
+              <a:t>Browser</a:t>
+            </a:r>
+            <a:endParaRPr lang="zh-TW" altLang="en-US" sz="4000" dirty="0"/>
+          </a:p>
+        </p:txBody>
+      </p:sp>
+      <p:sp>
+        <p:nvSpPr>
+          <p:cNvPr id="5" name="矩形 4">
+            <a:extLst>
+              <a:ext uri="{FF2B5EF4-FFF2-40B4-BE49-F238E27FC236}">
+                <a16:creationId xmlns:a16="http://schemas.microsoft.com/office/drawing/2014/main" id="{7B3C5731-FA6C-816D-78CC-1584626B307A}"/>
+              </a:ext>
+            </a:extLst>
+          </p:cNvPr>
+          <p:cNvSpPr/>
+          <p:nvPr/>
+        </p:nvSpPr>
+        <p:spPr>
+          <a:xfrm>
+            <a:off x="6981827" y="1257300"/>
+            <a:ext cx="3209925" cy="1390650"/>
+          </a:xfrm>
+          <a:prstGeom prst="rect">
+            <a:avLst/>
+          </a:prstGeom>
+          <a:solidFill>
+            <a:schemeClr val="accent5">
+              <a:lumMod val="20000"/>
+              <a:lumOff val="80000"/>
+            </a:schemeClr>
+          </a:solidFill>
+          <a:ln w="57150">
+            <a:solidFill>
+              <a:schemeClr val="accent5">
+                <a:lumMod val="60000"/>
+                <a:lumOff val="40000"/>
+              </a:schemeClr>
+            </a:solidFill>
+          </a:ln>
+        </p:spPr>
+        <p:style>
+          <a:lnRef idx="2">
+            <a:schemeClr val="accent1">
+              <a:shade val="15000"/>
+            </a:schemeClr>
+          </a:lnRef>
+          <a:fillRef idx="1">
+            <a:schemeClr val="accent1"/>
+          </a:fillRef>
+          <a:effectRef idx="0">
+            <a:schemeClr val="accent1"/>
+          </a:effectRef>
+          <a:fontRef idx="minor">
+            <a:schemeClr val="lt1"/>
+          </a:fontRef>
+        </p:style>
+        <p:txBody>
+          <a:bodyPr rtlCol="0" anchor="ctr"/>
+          <a:lstStyle/>
+          <a:p>
+            <a:pPr algn="ctr"/>
+            <a:r>
+              <a:rPr lang="en-US" altLang="zh-TW" sz="4000" dirty="0"/>
+              <a:t>Server</a:t>
+            </a:r>
+            <a:endParaRPr lang="zh-TW" altLang="en-US" sz="4000" dirty="0"/>
+          </a:p>
+        </p:txBody>
+      </p:sp>
+      <p:sp>
+        <p:nvSpPr>
+          <p:cNvPr id="6" name="文字方塊 5">
+            <a:extLst>
+              <a:ext uri="{FF2B5EF4-FFF2-40B4-BE49-F238E27FC236}">
+                <a16:creationId xmlns:a16="http://schemas.microsoft.com/office/drawing/2014/main" id="{849CD9E2-CA20-675A-3A2C-E8811172AF01}"/>
+              </a:ext>
+            </a:extLst>
+          </p:cNvPr>
+          <p:cNvSpPr txBox="1"/>
+          <p:nvPr/>
+        </p:nvSpPr>
+        <p:spPr>
+          <a:xfrm>
+            <a:off x="2281773" y="3152775"/>
+            <a:ext cx="2646878" cy="1200329"/>
+          </a:xfrm>
+          <a:prstGeom prst="rect">
+            <a:avLst/>
+          </a:prstGeom>
+          <a:noFill/>
+        </p:spPr>
+        <p:txBody>
+          <a:bodyPr wrap="none" rtlCol="0">
+            <a:spAutoFit/>
+          </a:bodyPr>
+          <a:lstStyle/>
+          <a:p>
+            <a:r>
+              <a:rPr lang="zh-TW" altLang="en-US" sz="2400" dirty="0">
+                <a:solidFill>
+                  <a:srgbClr val="FF0000"/>
+                </a:solidFill>
+                <a:latin typeface="微軟正黑體" panose="020B0604030504040204" pitchFamily="34" charset="-120"/>
+                <a:ea typeface="微軟正黑體" panose="020B0604030504040204" pitchFamily="34" charset="-120"/>
+              </a:rPr>
+              <a:t>負責表單畫面呈現</a:t>
+            </a:r>
+            <a:endParaRPr lang="en-US" altLang="zh-TW" sz="2400" dirty="0">
+              <a:solidFill>
+                <a:srgbClr val="FF0000"/>
+              </a:solidFill>
+              <a:latin typeface="微軟正黑體" panose="020B0604030504040204" pitchFamily="34" charset="-120"/>
+              <a:ea typeface="微軟正黑體" panose="020B0604030504040204" pitchFamily="34" charset="-120"/>
+            </a:endParaRPr>
+          </a:p>
+          <a:p>
+            <a:r>
+              <a:rPr lang="zh-TW" altLang="en-US" sz="2400" dirty="0">
+                <a:solidFill>
+                  <a:srgbClr val="FF0000"/>
+                </a:solidFill>
+                <a:latin typeface="微軟正黑體" panose="020B0604030504040204" pitchFamily="34" charset="-120"/>
+                <a:ea typeface="微軟正黑體" panose="020B0604030504040204" pitchFamily="34" charset="-120"/>
+              </a:rPr>
+              <a:t>讓使用者選擇選項</a:t>
+            </a:r>
+            <a:endParaRPr lang="en-US" altLang="zh-TW" sz="2400" dirty="0">
+              <a:solidFill>
+                <a:srgbClr val="FF0000"/>
+              </a:solidFill>
+              <a:latin typeface="微軟正黑體" panose="020B0604030504040204" pitchFamily="34" charset="-120"/>
+              <a:ea typeface="微軟正黑體" panose="020B0604030504040204" pitchFamily="34" charset="-120"/>
+            </a:endParaRPr>
+          </a:p>
+          <a:p>
+            <a:r>
+              <a:rPr lang="zh-TW" altLang="en-US" sz="2400" dirty="0">
+                <a:solidFill>
+                  <a:srgbClr val="FF0000"/>
+                </a:solidFill>
+                <a:latin typeface="微軟正黑體" panose="020B0604030504040204" pitchFamily="34" charset="-120"/>
+                <a:ea typeface="微軟正黑體" panose="020B0604030504040204" pitchFamily="34" charset="-120"/>
+              </a:rPr>
+              <a:t>圖表呈現</a:t>
+            </a:r>
+          </a:p>
+        </p:txBody>
+      </p:sp>
+      <p:sp>
+        <p:nvSpPr>
+          <p:cNvPr id="7" name="文字方塊 6">
+            <a:extLst>
+              <a:ext uri="{FF2B5EF4-FFF2-40B4-BE49-F238E27FC236}">
+                <a16:creationId xmlns:a16="http://schemas.microsoft.com/office/drawing/2014/main" id="{E963C83B-594D-5DFD-91E3-1F549A48E3DE}"/>
+              </a:ext>
+            </a:extLst>
+          </p:cNvPr>
+          <p:cNvSpPr txBox="1"/>
+          <p:nvPr/>
+        </p:nvSpPr>
+        <p:spPr>
+          <a:xfrm>
+            <a:off x="7263350" y="3152774"/>
+            <a:ext cx="2954655" cy="830997"/>
+          </a:xfrm>
+          <a:prstGeom prst="rect">
+            <a:avLst/>
+          </a:prstGeom>
+          <a:noFill/>
+        </p:spPr>
+        <p:txBody>
+          <a:bodyPr wrap="none" rtlCol="0">
+            <a:spAutoFit/>
+          </a:bodyPr>
+          <a:lstStyle/>
+          <a:p>
+            <a:r>
+              <a:rPr lang="zh-TW" altLang="en-US" sz="2400" dirty="0">
+                <a:solidFill>
+                  <a:schemeClr val="accent5">
+                    <a:lumMod val="60000"/>
+                    <a:lumOff val="40000"/>
+                  </a:schemeClr>
+                </a:solidFill>
+                <a:latin typeface="微軟正黑體" panose="020B0604030504040204" pitchFamily="34" charset="-120"/>
+                <a:ea typeface="微軟正黑體" panose="020B0604030504040204" pitchFamily="34" charset="-120"/>
+              </a:rPr>
+              <a:t>負責資料儲存與處理</a:t>
+            </a:r>
+            <a:endParaRPr lang="en-US" altLang="zh-TW" sz="2400" dirty="0">
+              <a:solidFill>
+                <a:schemeClr val="accent5">
+                  <a:lumMod val="60000"/>
+                  <a:lumOff val="40000"/>
+                </a:schemeClr>
+              </a:solidFill>
+              <a:latin typeface="微軟正黑體" panose="020B0604030504040204" pitchFamily="34" charset="-120"/>
+              <a:ea typeface="微軟正黑體" panose="020B0604030504040204" pitchFamily="34" charset="-120"/>
+            </a:endParaRPr>
+          </a:p>
+          <a:p>
+            <a:r>
+              <a:rPr lang="zh-TW" altLang="en-US" sz="2400" dirty="0">
+                <a:solidFill>
+                  <a:schemeClr val="accent5">
+                    <a:lumMod val="60000"/>
+                    <a:lumOff val="40000"/>
+                  </a:schemeClr>
+                </a:solidFill>
+                <a:latin typeface="微軟正黑體" panose="020B0604030504040204" pitchFamily="34" charset="-120"/>
+                <a:ea typeface="微軟正黑體" panose="020B0604030504040204" pitchFamily="34" charset="-120"/>
+              </a:rPr>
+              <a:t>製作</a:t>
+            </a:r>
+            <a:r>
+              <a:rPr lang="en-US" altLang="zh-TW" sz="2400" dirty="0" err="1">
+                <a:solidFill>
+                  <a:schemeClr val="accent5">
+                    <a:lumMod val="60000"/>
+                    <a:lumOff val="40000"/>
+                  </a:schemeClr>
+                </a:solidFill>
+                <a:latin typeface="微軟正黑體" panose="020B0604030504040204" pitchFamily="34" charset="-120"/>
+                <a:ea typeface="微軟正黑體" panose="020B0604030504040204" pitchFamily="34" charset="-120"/>
+              </a:rPr>
+              <a:t>plotly</a:t>
+            </a:r>
+            <a:r>
+              <a:rPr lang="zh-TW" altLang="en-US" sz="2400" dirty="0">
+                <a:solidFill>
+                  <a:schemeClr val="accent5">
+                    <a:lumMod val="60000"/>
+                    <a:lumOff val="40000"/>
+                  </a:schemeClr>
+                </a:solidFill>
+                <a:latin typeface="微軟正黑體" panose="020B0604030504040204" pitchFamily="34" charset="-120"/>
+                <a:ea typeface="微軟正黑體" panose="020B0604030504040204" pitchFamily="34" charset="-120"/>
+              </a:rPr>
+              <a:t>圖</a:t>
+            </a:r>
+          </a:p>
+        </p:txBody>
+      </p:sp>
+    </p:spTree>
+    <p:extLst>
+      <p:ext uri="{BB962C8B-B14F-4D97-AF65-F5344CB8AC3E}">
+        <p14:creationId xmlns:p14="http://schemas.microsoft.com/office/powerpoint/2010/main" val="2470329336"/>
+      </p:ext>
+    </p:extLst>
+  </p:cSld>
+  <p:clrMapOvr>
+    <a:masterClrMapping/>
+  </p:clrMapOvr>
+</p:sld>
+</file>
+
 <file path=ppt/theme/theme1.xml><?xml version="1.0" encoding="utf-8"?>
 <a:theme xmlns:a="http://schemas.openxmlformats.org/drawingml/2006/main" name="Office 佈景主題">
   <a:themeElements>
